--- a/edu_terr_analysis.pptx
+++ b/edu_terr_analysis.pptx
@@ -1,6 +1,6 @@
 
 <file path=ppt/presentation.xml><?xml version="1.0" encoding="utf-8"?>
-<p:presentation xmlns:a="http://schemas.openxmlformats.org/drawingml/2006/main" xmlns:r="http://schemas.openxmlformats.org/officeDocument/2006/relationships" xmlns:mc="http://schemas.openxmlformats.org/markup-compatibility/2006" xmlns:mv="urn:schemas-microsoft-com:mac:vml" xmlns:p="http://schemas.openxmlformats.org/presentationml/2006/main" xmlns:c="http://schemas.openxmlformats.org/drawingml/2006/chart" xmlns:dgm="http://schemas.openxmlformats.org/drawingml/2006/diagram" xmlns:o="urn:schemas-microsoft-com:office:office" xmlns:v="urn:schemas-microsoft-com:vml" xmlns:pvml="urn:schemas-microsoft-com:office:powerpoint" xmlns:com="http://schemas.openxmlformats.org/drawingml/2006/compatibility" xmlns:p14="http://schemas.microsoft.com/office/powerpoint/2010/main" xmlns:p15="http://schemas.microsoft.com/office/powerpoint/2012/main" xmlns:ahyp="http://schemas.microsoft.com/office/drawing/2018/hyperlinkcolor" autoCompressPictures="0" strictFirstAndLastChars="0" saveSubsetFonts="1">
+<p:presentation xmlns:a="http://schemas.openxmlformats.org/drawingml/2006/main" xmlns:r="http://schemas.openxmlformats.org/officeDocument/2006/relationships" xmlns:mc="http://schemas.openxmlformats.org/markup-compatibility/2006" xmlns:mv="urn:schemas-microsoft-com:mac:vml" xmlns:p="http://schemas.openxmlformats.org/presentationml/2006/main" xmlns:c="http://schemas.openxmlformats.org/drawingml/2006/chart" xmlns:dgm="http://schemas.openxmlformats.org/drawingml/2006/diagram" xmlns:o="urn:schemas-microsoft-com:office:office" xmlns:v="urn:schemas-microsoft-com:vml" xmlns:pvml="urn:schemas-microsoft-com:office:powerpoint" xmlns:com="http://schemas.openxmlformats.org/drawingml/2006/compatibility" xmlns:p14="http://schemas.microsoft.com/office/powerpoint/2010/main" xmlns:p15="http://schemas.microsoft.com/office/powerpoint/2012/main" xmlns:ahyp="http://schemas.microsoft.com/office/drawing/2018/hyperlinkcolor" autoCompressPictures="0" embedTrueTypeFonts="1" strictFirstAndLastChars="0" saveSubsetFonts="1">
   <p:sldMasterIdLst>
     <p:sldMasterId id="2147483659" r:id="rId4"/>
   </p:sldMasterIdLst>
@@ -17,6 +17,15 @@
   </p:sldIdLst>
   <p:sldSz cy="5143500" cx="9144000"/>
   <p:notesSz cx="6858000" cy="9144000"/>
+  <p:embeddedFontLst>
+    <p:embeddedFont>
+      <p:font typeface="Nunito"/>
+      <p:regular r:id="rId12"/>
+      <p:bold r:id="rId13"/>
+      <p:italic r:id="rId14"/>
+      <p:boldItalic r:id="rId15"/>
+    </p:embeddedFont>
+  </p:embeddedFontLst>
   <p:defaultTextStyle>
     <a:defPPr lvl="0" marR="0" rtl="0" algn="l">
       <a:lnSpc>
@@ -696,7 +705,7 @@
   <p:cSld>
     <p:spTree>
       <p:nvGrpSpPr>
-        <p:cNvPr id="50" name="Shape 50"/>
+        <p:cNvPr id="124" name="Shape 124"/>
         <p:cNvGrpSpPr/>
         <p:nvPr/>
       </p:nvGrpSpPr>
@@ -710,7 +719,7 @@
       </p:grpSpPr>
       <p:sp>
         <p:nvSpPr>
-          <p:cNvPr id="51" name="Google Shape;51;gc6f9e470d_0_0:notes"/>
+          <p:cNvPr id="125" name="Google Shape;125;gc6f9e470d_0_0:notes"/>
           <p:cNvSpPr/>
           <p:nvPr>
             <p:ph idx="2" type="sldImg"/>
@@ -745,7 +754,7 @@
       </p:sp>
       <p:sp>
         <p:nvSpPr>
-          <p:cNvPr id="52" name="Google Shape;52;gc6f9e470d_0_0:notes"/>
+          <p:cNvPr id="126" name="Google Shape;126;gc6f9e470d_0_0:notes"/>
           <p:cNvSpPr txBox="1"/>
           <p:nvPr>
             <p:ph idx="1" type="body"/>
@@ -776,7 +785,8 @@
               <a:buNone/>
             </a:pPr>
             <a:r>
-              <a:t/>
+              <a:rPr lang="en"/>
+              <a:t>My name is walker mcfarlan and I have done a global analysis on terrorism and the interaction between terrorism and female education rates per country</a:t>
             </a:r>
             <a:endParaRPr/>
           </a:p>
@@ -795,7 +805,7 @@
   <p:cSld>
     <p:spTree>
       <p:nvGrpSpPr>
-        <p:cNvPr id="56" name="Shape 56"/>
+        <p:cNvPr id="131" name="Shape 131"/>
         <p:cNvGrpSpPr/>
         <p:nvPr/>
       </p:nvGrpSpPr>
@@ -809,7 +819,7 @@
       </p:grpSpPr>
       <p:sp>
         <p:nvSpPr>
-          <p:cNvPr id="57" name="Google Shape;57;gc0e3223577_0_95:notes"/>
+          <p:cNvPr id="132" name="Google Shape;132;gc0e3223577_0_95:notes"/>
           <p:cNvSpPr/>
           <p:nvPr>
             <p:ph idx="2" type="sldImg"/>
@@ -844,7 +854,7 @@
       </p:sp>
       <p:sp>
         <p:nvSpPr>
-          <p:cNvPr id="58" name="Google Shape;58;gc0e3223577_0_95:notes"/>
+          <p:cNvPr id="133" name="Google Shape;133;gc0e3223577_0_95:notes"/>
           <p:cNvSpPr txBox="1"/>
           <p:nvPr>
             <p:ph idx="1" type="body"/>
@@ -875,7 +885,8 @@
               <a:buNone/>
             </a:pPr>
             <a:r>
-              <a:t/>
+              <a:rPr lang="en"/>
+              <a:t>The datasets I have collected are from the National Consortium for the Study of Terrorism and Responses to Terrorism and the World Bank Group. The Start dataset has over 200,000 different terrorist events from 1970 to 2018. It is important to note 1993 is missing from the START dataset. Educational data from World Bank Group includes 163 different countries and regions from 1965 to 2015.</a:t>
             </a:r>
             <a:endParaRPr/>
           </a:p>
@@ -894,7 +905,7 @@
   <p:cSld>
     <p:spTree>
       <p:nvGrpSpPr>
-        <p:cNvPr id="66" name="Shape 66"/>
+        <p:cNvPr id="141" name="Shape 141"/>
         <p:cNvGrpSpPr/>
         <p:nvPr/>
       </p:nvGrpSpPr>
@@ -908,7 +919,7 @@
       </p:grpSpPr>
       <p:sp>
         <p:nvSpPr>
-          <p:cNvPr id="67" name="Google Shape;67;gc6f9e470d_0_5:notes"/>
+          <p:cNvPr id="142" name="Google Shape;142;gc6f9e470d_0_5:notes"/>
           <p:cNvSpPr/>
           <p:nvPr>
             <p:ph idx="2" type="sldImg"/>
@@ -943,7 +954,7 @@
       </p:sp>
       <p:sp>
         <p:nvSpPr>
-          <p:cNvPr id="68" name="Google Shape;68;gc6f9e470d_0_5:notes"/>
+          <p:cNvPr id="143" name="Google Shape;143;gc6f9e470d_0_5:notes"/>
           <p:cNvSpPr txBox="1"/>
           <p:nvPr>
             <p:ph idx="1" type="body"/>
@@ -974,7 +985,8 @@
               <a:buNone/>
             </a:pPr>
             <a:r>
-              <a:t/>
+              <a:rPr lang="en"/>
+              <a:t>To give everyone a picture of modern terrorism I have plotted terrorist events by year by attack type. We can see a an increase in the 80’s and 90’s and also a significant increase in the 2010s. This is due to the rise of ISIS. 2014 is the peak, and this is when the united states starting combating ISIS in Iraq. It is also worth noting the most common types of attacks are bombings and armed assaults.</a:t>
             </a:r>
             <a:endParaRPr/>
           </a:p>
@@ -993,7 +1005,7 @@
   <p:cSld>
     <p:spTree>
       <p:nvGrpSpPr>
-        <p:cNvPr id="72" name="Shape 72"/>
+        <p:cNvPr id="147" name="Shape 147"/>
         <p:cNvGrpSpPr/>
         <p:nvPr/>
       </p:nvGrpSpPr>
@@ -1007,7 +1019,7 @@
       </p:grpSpPr>
       <p:sp>
         <p:nvSpPr>
-          <p:cNvPr id="73" name="Google Shape;73;gc0e3223577_0_107:notes"/>
+          <p:cNvPr id="148" name="Google Shape;148;gc0e3223577_0_401:notes"/>
           <p:cNvSpPr/>
           <p:nvPr>
             <p:ph idx="2" type="sldImg"/>
@@ -1042,7 +1054,7 @@
       </p:sp>
       <p:sp>
         <p:nvSpPr>
-          <p:cNvPr id="74" name="Google Shape;74;gc0e3223577_0_107:notes"/>
+          <p:cNvPr id="149" name="Google Shape;149;gc0e3223577_0_401:notes"/>
           <p:cNvSpPr txBox="1"/>
           <p:nvPr>
             <p:ph idx="1" type="body"/>
@@ -1092,7 +1104,7 @@
   <p:cSld>
     <p:spTree>
       <p:nvGrpSpPr>
-        <p:cNvPr id="78" name="Shape 78"/>
+        <p:cNvPr id="154" name="Shape 154"/>
         <p:cNvGrpSpPr/>
         <p:nvPr/>
       </p:nvGrpSpPr>
@@ -1106,7 +1118,7 @@
       </p:grpSpPr>
       <p:sp>
         <p:nvSpPr>
-          <p:cNvPr id="79" name="Google Shape;79;gc0e3223577_0_113:notes"/>
+          <p:cNvPr id="155" name="Google Shape;155;gc0e3223577_0_113:notes"/>
           <p:cNvSpPr/>
           <p:nvPr>
             <p:ph idx="2" type="sldImg"/>
@@ -1141,7 +1153,7 @@
       </p:sp>
       <p:sp>
         <p:nvSpPr>
-          <p:cNvPr id="80" name="Google Shape;80;gc0e3223577_0_113:notes"/>
+          <p:cNvPr id="156" name="Google Shape;156;gc0e3223577_0_113:notes"/>
           <p:cNvSpPr txBox="1"/>
           <p:nvPr>
             <p:ph idx="1" type="body"/>
@@ -1172,7 +1184,74 @@
               <a:buNone/>
             </a:pPr>
             <a:r>
+              <a:rPr lang="en"/>
+              <a:t>The two primary educational metrics I am interested in are percent of women that have completed secondary school per country and the percent of women with no education per country. These two metrics give varying degrees of stringencies for education, plus the education of women speaks to a country’s sociopolitical atmosphere. </a:t>
+            </a:r>
+            <a:endParaRPr/>
+          </a:p>
+          <a:p>
+            <a:pPr indent="0" lvl="0" marL="0" rtl="0" algn="l">
+              <a:spcBef>
+                <a:spcPts val="0"/>
+              </a:spcBef>
+              <a:spcAft>
+                <a:spcPts val="0"/>
+              </a:spcAft>
+              <a:buNone/>
+            </a:pPr>
+            <a:r>
               <a:t/>
+            </a:r>
+            <a:endParaRPr/>
+          </a:p>
+          <a:p>
+            <a:pPr indent="0" lvl="0" marL="0" rtl="0" algn="l">
+              <a:spcBef>
+                <a:spcPts val="0"/>
+              </a:spcBef>
+              <a:spcAft>
+                <a:spcPts val="0"/>
+              </a:spcAft>
+              <a:buNone/>
+            </a:pPr>
+            <a:r>
+              <a:rPr lang="en"/>
+              <a:t>I found both educational data per country and terrorist events per country to be very nonlinear. This is why I used Spearman R to correlate the relationship. Even after a log transformation of the data, there was great skewness. It was interesting to see the mean education rates for both these educational metrics fall around the 20% mark around the world.</a:t>
+            </a:r>
+            <a:endParaRPr/>
+          </a:p>
+          <a:p>
+            <a:pPr indent="0" lvl="0" marL="0" rtl="0" algn="l">
+              <a:spcBef>
+                <a:spcPts val="0"/>
+              </a:spcBef>
+              <a:spcAft>
+                <a:spcPts val="0"/>
+              </a:spcAft>
+              <a:buNone/>
+            </a:pPr>
+            <a:r>
+              <a:t/>
+            </a:r>
+            <a:endParaRPr/>
+          </a:p>
+          <a:p>
+            <a:pPr indent="0" lvl="0" marL="0" rtl="0" algn="l">
+              <a:spcBef>
+                <a:spcPts val="0"/>
+              </a:spcBef>
+              <a:spcAft>
+                <a:spcPts val="0"/>
+              </a:spcAft>
+              <a:buNone/>
+            </a:pPr>
+            <a:r>
+              <a:rPr lang="en"/>
+              <a:t>After conducting the Spearman R, I have found the P value to be below my alpha </a:t>
+            </a:r>
+            <a:r>
+              <a:rPr lang="en"/>
+              <a:t>threshold and thus I am able to accept my null hypothesis.</a:t>
             </a:r>
             <a:endParaRPr/>
           </a:p>
@@ -1191,7 +1270,7 @@
   <p:cSld>
     <p:spTree>
       <p:nvGrpSpPr>
-        <p:cNvPr id="89" name="Shape 89"/>
+        <p:cNvPr id="164" name="Shape 164"/>
         <p:cNvGrpSpPr/>
         <p:nvPr/>
       </p:nvGrpSpPr>
@@ -1205,7 +1284,7 @@
       </p:grpSpPr>
       <p:sp>
         <p:nvSpPr>
-          <p:cNvPr id="90" name="Google Shape;90;gc0e3223577_0_143:notes"/>
+          <p:cNvPr id="165" name="Google Shape;165;gc0e3223577_0_151:notes"/>
           <p:cNvSpPr/>
           <p:nvPr>
             <p:ph idx="2" type="sldImg"/>
@@ -1240,7 +1319,7 @@
       </p:sp>
       <p:sp>
         <p:nvSpPr>
-          <p:cNvPr id="91" name="Google Shape;91;gc0e3223577_0_143:notes"/>
+          <p:cNvPr id="166" name="Google Shape;166;gc0e3223577_0_151:notes"/>
           <p:cNvSpPr txBox="1"/>
           <p:nvPr>
             <p:ph idx="1" type="body"/>
@@ -1305,6 +1384,935 @@
       <p:sp>
         <p:nvSpPr>
           <p:cNvPr id="10" name="Google Shape;10;p2"/>
+          <p:cNvSpPr/>
+          <p:nvPr/>
+        </p:nvSpPr>
+        <p:spPr>
+          <a:xfrm>
+            <a:off x="31" y="2824500"/>
+            <a:ext cx="7370400" cy="2319000"/>
+          </a:xfrm>
+          <a:prstGeom prst="rtTriangle">
+            <a:avLst/>
+          </a:prstGeom>
+          <a:solidFill>
+            <a:schemeClr val="accent1"/>
+          </a:solidFill>
+          <a:ln>
+            <a:noFill/>
+          </a:ln>
+        </p:spPr>
+        <p:txBody>
+          <a:bodyPr anchorCtr="0" anchor="ctr" bIns="91425" lIns="91425" spcFirstLastPara="1" rIns="91425" wrap="square" tIns="91425">
+            <a:noAutofit/>
+          </a:bodyPr>
+          <a:lstStyle/>
+          <a:p>
+            <a:pPr indent="0" lvl="0" marL="0" rtl="0" algn="l">
+              <a:spcBef>
+                <a:spcPts val="0"/>
+              </a:spcBef>
+              <a:spcAft>
+                <a:spcPts val="0"/>
+              </a:spcAft>
+              <a:buNone/>
+            </a:pPr>
+            <a:r>
+              <a:t/>
+            </a:r>
+            <a:endParaRPr/>
+          </a:p>
+        </p:txBody>
+      </p:sp>
+      <p:sp>
+        <p:nvSpPr>
+          <p:cNvPr id="11" name="Google Shape;11;p2"/>
+          <p:cNvSpPr/>
+          <p:nvPr/>
+        </p:nvSpPr>
+        <p:spPr>
+          <a:xfrm flipH="1">
+            <a:off x="3582600" y="1550700"/>
+            <a:ext cx="5561400" cy="3592800"/>
+          </a:xfrm>
+          <a:prstGeom prst="rtTriangle">
+            <a:avLst/>
+          </a:prstGeom>
+          <a:solidFill>
+            <a:schemeClr val="accent3"/>
+          </a:solidFill>
+          <a:ln>
+            <a:noFill/>
+          </a:ln>
+        </p:spPr>
+        <p:txBody>
+          <a:bodyPr anchorCtr="0" anchor="ctr" bIns="91425" lIns="91425" spcFirstLastPara="1" rIns="91425" wrap="square" tIns="91425">
+            <a:noAutofit/>
+          </a:bodyPr>
+          <a:lstStyle/>
+          <a:p>
+            <a:pPr indent="0" lvl="0" marL="0" rtl="0" algn="l">
+              <a:spcBef>
+                <a:spcPts val="0"/>
+              </a:spcBef>
+              <a:spcAft>
+                <a:spcPts val="0"/>
+              </a:spcAft>
+              <a:buNone/>
+            </a:pPr>
+            <a:r>
+              <a:t/>
+            </a:r>
+            <a:endParaRPr/>
+          </a:p>
+        </p:txBody>
+      </p:sp>
+      <p:sp>
+        <p:nvSpPr>
+          <p:cNvPr id="12" name="Google Shape;12;p2"/>
+          <p:cNvSpPr/>
+          <p:nvPr/>
+        </p:nvSpPr>
+        <p:spPr>
+          <a:xfrm rot="10800000">
+            <a:off x="5058905" y="0"/>
+            <a:ext cx="4085100" cy="2052600"/>
+          </a:xfrm>
+          <a:prstGeom prst="rtTriangle">
+            <a:avLst/>
+          </a:prstGeom>
+          <a:solidFill>
+            <a:schemeClr val="dk2"/>
+          </a:solidFill>
+          <a:ln>
+            <a:noFill/>
+          </a:ln>
+        </p:spPr>
+        <p:txBody>
+          <a:bodyPr anchorCtr="0" anchor="ctr" bIns="91425" lIns="91425" spcFirstLastPara="1" rIns="91425" wrap="square" tIns="91425">
+            <a:noAutofit/>
+          </a:bodyPr>
+          <a:lstStyle/>
+          <a:p>
+            <a:pPr indent="0" lvl="0" marL="0" rtl="0" algn="l">
+              <a:spcBef>
+                <a:spcPts val="0"/>
+              </a:spcBef>
+              <a:spcAft>
+                <a:spcPts val="0"/>
+              </a:spcAft>
+              <a:buNone/>
+            </a:pPr>
+            <a:r>
+              <a:t/>
+            </a:r>
+            <a:endParaRPr/>
+          </a:p>
+        </p:txBody>
+      </p:sp>
+      <p:sp>
+        <p:nvSpPr>
+          <p:cNvPr id="13" name="Google Shape;13;p2"/>
+          <p:cNvSpPr/>
+          <p:nvPr/>
+        </p:nvSpPr>
+        <p:spPr>
+          <a:xfrm>
+            <a:off x="203275" y="206250"/>
+            <a:ext cx="8737500" cy="4731000"/>
+          </a:xfrm>
+          <a:prstGeom prst="rect">
+            <a:avLst/>
+          </a:prstGeom>
+          <a:solidFill>
+            <a:schemeClr val="dk1"/>
+          </a:solidFill>
+          <a:ln>
+            <a:noFill/>
+          </a:ln>
+          <a:effectLst>
+            <a:outerShdw blurRad="228600" sx="101000" rotWithShape="0" algn="ctr" sy="101000">
+              <a:srgbClr val="000000">
+                <a:alpha val="40000"/>
+              </a:srgbClr>
+            </a:outerShdw>
+          </a:effectLst>
+        </p:spPr>
+        <p:txBody>
+          <a:bodyPr anchorCtr="0" anchor="ctr" bIns="91425" lIns="91425" spcFirstLastPara="1" rIns="91425" wrap="square" tIns="91425">
+            <a:noAutofit/>
+          </a:bodyPr>
+          <a:lstStyle/>
+          <a:p>
+            <a:pPr indent="0" lvl="0" marL="0" rtl="0" algn="l">
+              <a:spcBef>
+                <a:spcPts val="0"/>
+              </a:spcBef>
+              <a:spcAft>
+                <a:spcPts val="0"/>
+              </a:spcAft>
+              <a:buNone/>
+            </a:pPr>
+            <a:r>
+              <a:t/>
+            </a:r>
+            <a:endParaRPr/>
+          </a:p>
+        </p:txBody>
+      </p:sp>
+      <p:grpSp>
+        <p:nvGrpSpPr>
+          <p:cNvPr id="14" name="Google Shape;14;p2"/>
+          <p:cNvGrpSpPr/>
+          <p:nvPr/>
+        </p:nvGrpSpPr>
+        <p:grpSpPr>
+          <a:xfrm>
+            <a:off x="255200" y="592"/>
+            <a:ext cx="2250363" cy="1044300"/>
+            <a:chOff x="255200" y="592"/>
+            <a:chExt cx="2250363" cy="1044300"/>
+          </a:xfrm>
+        </p:grpSpPr>
+        <p:sp>
+          <p:nvSpPr>
+            <p:cNvPr id="15" name="Google Shape;15;p2"/>
+            <p:cNvSpPr/>
+            <p:nvPr/>
+          </p:nvSpPr>
+          <p:spPr>
+            <a:xfrm>
+              <a:off x="764063" y="592"/>
+              <a:ext cx="1741500" cy="1044300"/>
+            </a:xfrm>
+            <a:prstGeom prst="parallelogram">
+              <a:avLst>
+                <a:gd fmla="val 153193" name="adj"/>
+              </a:avLst>
+            </a:prstGeom>
+            <a:solidFill>
+              <a:schemeClr val="dk1"/>
+            </a:solidFill>
+            <a:ln>
+              <a:noFill/>
+            </a:ln>
+          </p:spPr>
+          <p:txBody>
+            <a:bodyPr anchorCtr="0" anchor="ctr" bIns="91425" lIns="91425" spcFirstLastPara="1" rIns="91425" wrap="square" tIns="91425">
+              <a:noAutofit/>
+            </a:bodyPr>
+            <a:lstStyle/>
+            <a:p>
+              <a:pPr indent="0" lvl="0" marL="0" rtl="0" algn="l">
+                <a:spcBef>
+                  <a:spcPts val="0"/>
+                </a:spcBef>
+                <a:spcAft>
+                  <a:spcPts val="0"/>
+                </a:spcAft>
+                <a:buNone/>
+              </a:pPr>
+              <a:r>
+                <a:t/>
+              </a:r>
+              <a:endParaRPr/>
+            </a:p>
+          </p:txBody>
+        </p:sp>
+        <p:sp>
+          <p:nvSpPr>
+            <p:cNvPr id="16" name="Google Shape;16;p2"/>
+            <p:cNvSpPr/>
+            <p:nvPr/>
+          </p:nvSpPr>
+          <p:spPr>
+            <a:xfrm>
+              <a:off x="509632" y="592"/>
+              <a:ext cx="1741500" cy="1044300"/>
+            </a:xfrm>
+            <a:prstGeom prst="parallelogram">
+              <a:avLst>
+                <a:gd fmla="val 153193" name="adj"/>
+              </a:avLst>
+            </a:prstGeom>
+            <a:solidFill>
+              <a:schemeClr val="dk1"/>
+            </a:solidFill>
+            <a:ln>
+              <a:noFill/>
+            </a:ln>
+          </p:spPr>
+          <p:txBody>
+            <a:bodyPr anchorCtr="0" anchor="ctr" bIns="91425" lIns="91425" spcFirstLastPara="1" rIns="91425" wrap="square" tIns="91425">
+              <a:noAutofit/>
+            </a:bodyPr>
+            <a:lstStyle/>
+            <a:p>
+              <a:pPr indent="0" lvl="0" marL="0" rtl="0" algn="l">
+                <a:spcBef>
+                  <a:spcPts val="0"/>
+                </a:spcBef>
+                <a:spcAft>
+                  <a:spcPts val="0"/>
+                </a:spcAft>
+                <a:buNone/>
+              </a:pPr>
+              <a:r>
+                <a:t/>
+              </a:r>
+              <a:endParaRPr/>
+            </a:p>
+          </p:txBody>
+        </p:sp>
+        <p:sp>
+          <p:nvSpPr>
+            <p:cNvPr id="17" name="Google Shape;17;p2"/>
+            <p:cNvSpPr/>
+            <p:nvPr/>
+          </p:nvSpPr>
+          <p:spPr>
+            <a:xfrm>
+              <a:off x="255200" y="592"/>
+              <a:ext cx="1741500" cy="1044300"/>
+            </a:xfrm>
+            <a:prstGeom prst="parallelogram">
+              <a:avLst>
+                <a:gd fmla="val 153193" name="adj"/>
+              </a:avLst>
+            </a:prstGeom>
+            <a:solidFill>
+              <a:schemeClr val="dk1"/>
+            </a:solidFill>
+            <a:ln>
+              <a:noFill/>
+            </a:ln>
+          </p:spPr>
+          <p:txBody>
+            <a:bodyPr anchorCtr="0" anchor="ctr" bIns="91425" lIns="91425" spcFirstLastPara="1" rIns="91425" wrap="square" tIns="91425">
+              <a:noAutofit/>
+            </a:bodyPr>
+            <a:lstStyle/>
+            <a:p>
+              <a:pPr indent="0" lvl="0" marL="0" rtl="0" algn="l">
+                <a:spcBef>
+                  <a:spcPts val="0"/>
+                </a:spcBef>
+                <a:spcAft>
+                  <a:spcPts val="0"/>
+                </a:spcAft>
+                <a:buNone/>
+              </a:pPr>
+              <a:r>
+                <a:t/>
+              </a:r>
+              <a:endParaRPr/>
+            </a:p>
+          </p:txBody>
+        </p:sp>
+      </p:grpSp>
+      <p:grpSp>
+        <p:nvGrpSpPr>
+          <p:cNvPr id="18" name="Google Shape;18;p2"/>
+          <p:cNvGrpSpPr/>
+          <p:nvPr/>
+        </p:nvGrpSpPr>
+        <p:grpSpPr>
+          <a:xfrm>
+            <a:off x="905395" y="592"/>
+            <a:ext cx="2250363" cy="1044300"/>
+            <a:chOff x="905395" y="592"/>
+            <a:chExt cx="2250363" cy="1044300"/>
+          </a:xfrm>
+        </p:grpSpPr>
+        <p:sp>
+          <p:nvSpPr>
+            <p:cNvPr id="19" name="Google Shape;19;p2"/>
+            <p:cNvSpPr/>
+            <p:nvPr/>
+          </p:nvSpPr>
+          <p:spPr>
+            <a:xfrm>
+              <a:off x="1414258" y="592"/>
+              <a:ext cx="1741500" cy="1044300"/>
+            </a:xfrm>
+            <a:prstGeom prst="parallelogram">
+              <a:avLst>
+                <a:gd fmla="val 153193" name="adj"/>
+              </a:avLst>
+            </a:prstGeom>
+            <a:solidFill>
+              <a:schemeClr val="accent6"/>
+            </a:solidFill>
+            <a:ln>
+              <a:noFill/>
+            </a:ln>
+          </p:spPr>
+          <p:txBody>
+            <a:bodyPr anchorCtr="0" anchor="ctr" bIns="91425" lIns="91425" spcFirstLastPara="1" rIns="91425" wrap="square" tIns="91425">
+              <a:noAutofit/>
+            </a:bodyPr>
+            <a:lstStyle/>
+            <a:p>
+              <a:pPr indent="0" lvl="0" marL="0" rtl="0" algn="l">
+                <a:spcBef>
+                  <a:spcPts val="0"/>
+                </a:spcBef>
+                <a:spcAft>
+                  <a:spcPts val="0"/>
+                </a:spcAft>
+                <a:buNone/>
+              </a:pPr>
+              <a:r>
+                <a:t/>
+              </a:r>
+              <a:endParaRPr/>
+            </a:p>
+          </p:txBody>
+        </p:sp>
+        <p:sp>
+          <p:nvSpPr>
+            <p:cNvPr id="20" name="Google Shape;20;p2"/>
+            <p:cNvSpPr/>
+            <p:nvPr/>
+          </p:nvSpPr>
+          <p:spPr>
+            <a:xfrm>
+              <a:off x="1159826" y="592"/>
+              <a:ext cx="1741500" cy="1044300"/>
+            </a:xfrm>
+            <a:prstGeom prst="parallelogram">
+              <a:avLst>
+                <a:gd fmla="val 153193" name="adj"/>
+              </a:avLst>
+            </a:prstGeom>
+            <a:solidFill>
+              <a:schemeClr val="accent6"/>
+            </a:solidFill>
+            <a:ln>
+              <a:noFill/>
+            </a:ln>
+          </p:spPr>
+          <p:txBody>
+            <a:bodyPr anchorCtr="0" anchor="ctr" bIns="91425" lIns="91425" spcFirstLastPara="1" rIns="91425" wrap="square" tIns="91425">
+              <a:noAutofit/>
+            </a:bodyPr>
+            <a:lstStyle/>
+            <a:p>
+              <a:pPr indent="0" lvl="0" marL="0" rtl="0" algn="l">
+                <a:spcBef>
+                  <a:spcPts val="0"/>
+                </a:spcBef>
+                <a:spcAft>
+                  <a:spcPts val="0"/>
+                </a:spcAft>
+                <a:buNone/>
+              </a:pPr>
+              <a:r>
+                <a:t/>
+              </a:r>
+              <a:endParaRPr/>
+            </a:p>
+          </p:txBody>
+        </p:sp>
+        <p:sp>
+          <p:nvSpPr>
+            <p:cNvPr id="21" name="Google Shape;21;p2"/>
+            <p:cNvSpPr/>
+            <p:nvPr/>
+          </p:nvSpPr>
+          <p:spPr>
+            <a:xfrm>
+              <a:off x="905395" y="592"/>
+              <a:ext cx="1741500" cy="1044300"/>
+            </a:xfrm>
+            <a:prstGeom prst="parallelogram">
+              <a:avLst>
+                <a:gd fmla="val 153193" name="adj"/>
+              </a:avLst>
+            </a:prstGeom>
+            <a:solidFill>
+              <a:schemeClr val="accent6"/>
+            </a:solidFill>
+            <a:ln>
+              <a:noFill/>
+            </a:ln>
+          </p:spPr>
+          <p:txBody>
+            <a:bodyPr anchorCtr="0" anchor="ctr" bIns="91425" lIns="91425" spcFirstLastPara="1" rIns="91425" wrap="square" tIns="91425">
+              <a:noAutofit/>
+            </a:bodyPr>
+            <a:lstStyle/>
+            <a:p>
+              <a:pPr indent="0" lvl="0" marL="0" rtl="0" algn="l">
+                <a:spcBef>
+                  <a:spcPts val="0"/>
+                </a:spcBef>
+                <a:spcAft>
+                  <a:spcPts val="0"/>
+                </a:spcAft>
+                <a:buNone/>
+              </a:pPr>
+              <a:r>
+                <a:t/>
+              </a:r>
+              <a:endParaRPr/>
+            </a:p>
+          </p:txBody>
+        </p:sp>
+      </p:grpSp>
+      <p:grpSp>
+        <p:nvGrpSpPr>
+          <p:cNvPr id="22" name="Google Shape;22;p2"/>
+          <p:cNvGrpSpPr/>
+          <p:nvPr/>
+        </p:nvGrpSpPr>
+        <p:grpSpPr>
+          <a:xfrm>
+            <a:off x="7057468" y="5088"/>
+            <a:ext cx="1851282" cy="752108"/>
+            <a:chOff x="6917201" y="0"/>
+            <a:chExt cx="2227777" cy="863400"/>
+          </a:xfrm>
+        </p:grpSpPr>
+        <p:sp>
+          <p:nvSpPr>
+            <p:cNvPr id="23" name="Google Shape;23;p2"/>
+            <p:cNvSpPr/>
+            <p:nvPr/>
+          </p:nvSpPr>
+          <p:spPr>
+            <a:xfrm>
+              <a:off x="7641677" y="0"/>
+              <a:ext cx="1503300" cy="863400"/>
+            </a:xfrm>
+            <a:prstGeom prst="parallelogram">
+              <a:avLst>
+                <a:gd fmla="val 158024" name="adj"/>
+              </a:avLst>
+            </a:prstGeom>
+            <a:solidFill>
+              <a:schemeClr val="dk2"/>
+            </a:solidFill>
+            <a:ln>
+              <a:noFill/>
+            </a:ln>
+          </p:spPr>
+          <p:txBody>
+            <a:bodyPr anchorCtr="0" anchor="ctr" bIns="91425" lIns="91425" spcFirstLastPara="1" rIns="91425" wrap="square" tIns="91425">
+              <a:noAutofit/>
+            </a:bodyPr>
+            <a:lstStyle/>
+            <a:p>
+              <a:pPr indent="0" lvl="0" marL="0" rtl="0" algn="l">
+                <a:spcBef>
+                  <a:spcPts val="0"/>
+                </a:spcBef>
+                <a:spcAft>
+                  <a:spcPts val="0"/>
+                </a:spcAft>
+                <a:buNone/>
+              </a:pPr>
+              <a:r>
+                <a:t/>
+              </a:r>
+              <a:endParaRPr/>
+            </a:p>
+          </p:txBody>
+        </p:sp>
+        <p:sp>
+          <p:nvSpPr>
+            <p:cNvPr id="24" name="Google Shape;24;p2"/>
+            <p:cNvSpPr/>
+            <p:nvPr/>
+          </p:nvSpPr>
+          <p:spPr>
+            <a:xfrm>
+              <a:off x="7279439" y="0"/>
+              <a:ext cx="1503300" cy="863400"/>
+            </a:xfrm>
+            <a:prstGeom prst="parallelogram">
+              <a:avLst>
+                <a:gd fmla="val 158024" name="adj"/>
+              </a:avLst>
+            </a:prstGeom>
+            <a:solidFill>
+              <a:schemeClr val="dk2"/>
+            </a:solidFill>
+            <a:ln>
+              <a:noFill/>
+            </a:ln>
+          </p:spPr>
+          <p:txBody>
+            <a:bodyPr anchorCtr="0" anchor="ctr" bIns="91425" lIns="91425" spcFirstLastPara="1" rIns="91425" wrap="square" tIns="91425">
+              <a:noAutofit/>
+            </a:bodyPr>
+            <a:lstStyle/>
+            <a:p>
+              <a:pPr indent="0" lvl="0" marL="0" rtl="0" algn="l">
+                <a:spcBef>
+                  <a:spcPts val="0"/>
+                </a:spcBef>
+                <a:spcAft>
+                  <a:spcPts val="0"/>
+                </a:spcAft>
+                <a:buNone/>
+              </a:pPr>
+              <a:r>
+                <a:t/>
+              </a:r>
+              <a:endParaRPr/>
+            </a:p>
+          </p:txBody>
+        </p:sp>
+        <p:sp>
+          <p:nvSpPr>
+            <p:cNvPr id="25" name="Google Shape;25;p2"/>
+            <p:cNvSpPr/>
+            <p:nvPr/>
+          </p:nvSpPr>
+          <p:spPr>
+            <a:xfrm>
+              <a:off x="6917201" y="0"/>
+              <a:ext cx="1503300" cy="863400"/>
+            </a:xfrm>
+            <a:prstGeom prst="parallelogram">
+              <a:avLst>
+                <a:gd fmla="val 158024" name="adj"/>
+              </a:avLst>
+            </a:prstGeom>
+            <a:solidFill>
+              <a:schemeClr val="dk2"/>
+            </a:solidFill>
+            <a:ln>
+              <a:noFill/>
+            </a:ln>
+          </p:spPr>
+          <p:txBody>
+            <a:bodyPr anchorCtr="0" anchor="ctr" bIns="91425" lIns="91425" spcFirstLastPara="1" rIns="91425" wrap="square" tIns="91425">
+              <a:noAutofit/>
+            </a:bodyPr>
+            <a:lstStyle/>
+            <a:p>
+              <a:pPr indent="0" lvl="0" marL="0" rtl="0" algn="l">
+                <a:spcBef>
+                  <a:spcPts val="0"/>
+                </a:spcBef>
+                <a:spcAft>
+                  <a:spcPts val="0"/>
+                </a:spcAft>
+                <a:buNone/>
+              </a:pPr>
+              <a:r>
+                <a:t/>
+              </a:r>
+              <a:endParaRPr/>
+            </a:p>
+          </p:txBody>
+        </p:sp>
+      </p:grpSp>
+      <p:grpSp>
+        <p:nvGrpSpPr>
+          <p:cNvPr id="26" name="Google Shape;26;p2"/>
+          <p:cNvGrpSpPr/>
+          <p:nvPr/>
+        </p:nvGrpSpPr>
+        <p:grpSpPr>
+          <a:xfrm>
+            <a:off x="6553032" y="4217852"/>
+            <a:ext cx="2389068" cy="925737"/>
+            <a:chOff x="6917201" y="0"/>
+            <a:chExt cx="2227777" cy="863400"/>
+          </a:xfrm>
+        </p:grpSpPr>
+        <p:sp>
+          <p:nvSpPr>
+            <p:cNvPr id="27" name="Google Shape;27;p2"/>
+            <p:cNvSpPr/>
+            <p:nvPr/>
+          </p:nvSpPr>
+          <p:spPr>
+            <a:xfrm>
+              <a:off x="7641677" y="0"/>
+              <a:ext cx="1503300" cy="863400"/>
+            </a:xfrm>
+            <a:prstGeom prst="parallelogram">
+              <a:avLst>
+                <a:gd fmla="val 158024" name="adj"/>
+              </a:avLst>
+            </a:prstGeom>
+            <a:solidFill>
+              <a:schemeClr val="dk1"/>
+            </a:solidFill>
+            <a:ln>
+              <a:noFill/>
+            </a:ln>
+          </p:spPr>
+          <p:txBody>
+            <a:bodyPr anchorCtr="0" anchor="ctr" bIns="91425" lIns="91425" spcFirstLastPara="1" rIns="91425" wrap="square" tIns="91425">
+              <a:noAutofit/>
+            </a:bodyPr>
+            <a:lstStyle/>
+            <a:p>
+              <a:pPr indent="0" lvl="0" marL="0" rtl="0" algn="l">
+                <a:spcBef>
+                  <a:spcPts val="0"/>
+                </a:spcBef>
+                <a:spcAft>
+                  <a:spcPts val="0"/>
+                </a:spcAft>
+                <a:buNone/>
+              </a:pPr>
+              <a:r>
+                <a:t/>
+              </a:r>
+              <a:endParaRPr/>
+            </a:p>
+          </p:txBody>
+        </p:sp>
+        <p:sp>
+          <p:nvSpPr>
+            <p:cNvPr id="28" name="Google Shape;28;p2"/>
+            <p:cNvSpPr/>
+            <p:nvPr/>
+          </p:nvSpPr>
+          <p:spPr>
+            <a:xfrm>
+              <a:off x="7279439" y="0"/>
+              <a:ext cx="1503300" cy="863400"/>
+            </a:xfrm>
+            <a:prstGeom prst="parallelogram">
+              <a:avLst>
+                <a:gd fmla="val 158024" name="adj"/>
+              </a:avLst>
+            </a:prstGeom>
+            <a:solidFill>
+              <a:schemeClr val="dk1"/>
+            </a:solidFill>
+            <a:ln>
+              <a:noFill/>
+            </a:ln>
+          </p:spPr>
+          <p:txBody>
+            <a:bodyPr anchorCtr="0" anchor="ctr" bIns="91425" lIns="91425" spcFirstLastPara="1" rIns="91425" wrap="square" tIns="91425">
+              <a:noAutofit/>
+            </a:bodyPr>
+            <a:lstStyle/>
+            <a:p>
+              <a:pPr indent="0" lvl="0" marL="0" rtl="0" algn="l">
+                <a:spcBef>
+                  <a:spcPts val="0"/>
+                </a:spcBef>
+                <a:spcAft>
+                  <a:spcPts val="0"/>
+                </a:spcAft>
+                <a:buNone/>
+              </a:pPr>
+              <a:r>
+                <a:t/>
+              </a:r>
+              <a:endParaRPr/>
+            </a:p>
+          </p:txBody>
+        </p:sp>
+        <p:sp>
+          <p:nvSpPr>
+            <p:cNvPr id="29" name="Google Shape;29;p2"/>
+            <p:cNvSpPr/>
+            <p:nvPr/>
+          </p:nvSpPr>
+          <p:spPr>
+            <a:xfrm>
+              <a:off x="6917201" y="0"/>
+              <a:ext cx="1503300" cy="863400"/>
+            </a:xfrm>
+            <a:prstGeom prst="parallelogram">
+              <a:avLst>
+                <a:gd fmla="val 158024" name="adj"/>
+              </a:avLst>
+            </a:prstGeom>
+            <a:solidFill>
+              <a:schemeClr val="dk1"/>
+            </a:solidFill>
+            <a:ln>
+              <a:noFill/>
+            </a:ln>
+          </p:spPr>
+          <p:txBody>
+            <a:bodyPr anchorCtr="0" anchor="ctr" bIns="91425" lIns="91425" spcFirstLastPara="1" rIns="91425" wrap="square" tIns="91425">
+              <a:noAutofit/>
+            </a:bodyPr>
+            <a:lstStyle/>
+            <a:p>
+              <a:pPr indent="0" lvl="0" marL="0" rtl="0" algn="l">
+                <a:spcBef>
+                  <a:spcPts val="0"/>
+                </a:spcBef>
+                <a:spcAft>
+                  <a:spcPts val="0"/>
+                </a:spcAft>
+                <a:buNone/>
+              </a:pPr>
+              <a:r>
+                <a:t/>
+              </a:r>
+              <a:endParaRPr/>
+            </a:p>
+          </p:txBody>
+        </p:sp>
+      </p:grpSp>
+      <p:grpSp>
+        <p:nvGrpSpPr>
+          <p:cNvPr id="30" name="Google Shape;30;p2"/>
+          <p:cNvGrpSpPr/>
+          <p:nvPr/>
+        </p:nvGrpSpPr>
+        <p:grpSpPr>
+          <a:xfrm>
+            <a:off x="199149" y="4055652"/>
+            <a:ext cx="2795414" cy="1083308"/>
+            <a:chOff x="6917201" y="0"/>
+            <a:chExt cx="2227777" cy="863400"/>
+          </a:xfrm>
+        </p:grpSpPr>
+        <p:sp>
+          <p:nvSpPr>
+            <p:cNvPr id="31" name="Google Shape;31;p2"/>
+            <p:cNvSpPr/>
+            <p:nvPr/>
+          </p:nvSpPr>
+          <p:spPr>
+            <a:xfrm>
+              <a:off x="7641677" y="0"/>
+              <a:ext cx="1503300" cy="863400"/>
+            </a:xfrm>
+            <a:prstGeom prst="parallelogram">
+              <a:avLst>
+                <a:gd fmla="val 158024" name="adj"/>
+              </a:avLst>
+            </a:prstGeom>
+            <a:solidFill>
+              <a:schemeClr val="accent1"/>
+            </a:solidFill>
+            <a:ln>
+              <a:noFill/>
+            </a:ln>
+          </p:spPr>
+          <p:txBody>
+            <a:bodyPr anchorCtr="0" anchor="ctr" bIns="91425" lIns="91425" spcFirstLastPara="1" rIns="91425" wrap="square" tIns="91425">
+              <a:noAutofit/>
+            </a:bodyPr>
+            <a:lstStyle/>
+            <a:p>
+              <a:pPr indent="0" lvl="0" marL="0" rtl="0" algn="l">
+                <a:spcBef>
+                  <a:spcPts val="0"/>
+                </a:spcBef>
+                <a:spcAft>
+                  <a:spcPts val="0"/>
+                </a:spcAft>
+                <a:buNone/>
+              </a:pPr>
+              <a:r>
+                <a:t/>
+              </a:r>
+              <a:endParaRPr/>
+            </a:p>
+          </p:txBody>
+        </p:sp>
+        <p:sp>
+          <p:nvSpPr>
+            <p:cNvPr id="32" name="Google Shape;32;p2"/>
+            <p:cNvSpPr/>
+            <p:nvPr/>
+          </p:nvSpPr>
+          <p:spPr>
+            <a:xfrm>
+              <a:off x="7279439" y="0"/>
+              <a:ext cx="1503300" cy="863400"/>
+            </a:xfrm>
+            <a:prstGeom prst="parallelogram">
+              <a:avLst>
+                <a:gd fmla="val 158024" name="adj"/>
+              </a:avLst>
+            </a:prstGeom>
+            <a:solidFill>
+              <a:schemeClr val="accent1"/>
+            </a:solidFill>
+            <a:ln>
+              <a:noFill/>
+            </a:ln>
+          </p:spPr>
+          <p:txBody>
+            <a:bodyPr anchorCtr="0" anchor="ctr" bIns="91425" lIns="91425" spcFirstLastPara="1" rIns="91425" wrap="square" tIns="91425">
+              <a:noAutofit/>
+            </a:bodyPr>
+            <a:lstStyle/>
+            <a:p>
+              <a:pPr indent="0" lvl="0" marL="0" rtl="0" algn="l">
+                <a:spcBef>
+                  <a:spcPts val="0"/>
+                </a:spcBef>
+                <a:spcAft>
+                  <a:spcPts val="0"/>
+                </a:spcAft>
+                <a:buNone/>
+              </a:pPr>
+              <a:r>
+                <a:t/>
+              </a:r>
+              <a:endParaRPr/>
+            </a:p>
+          </p:txBody>
+        </p:sp>
+        <p:sp>
+          <p:nvSpPr>
+            <p:cNvPr id="33" name="Google Shape;33;p2"/>
+            <p:cNvSpPr/>
+            <p:nvPr/>
+          </p:nvSpPr>
+          <p:spPr>
+            <a:xfrm>
+              <a:off x="6917201" y="0"/>
+              <a:ext cx="1503300" cy="863400"/>
+            </a:xfrm>
+            <a:prstGeom prst="parallelogram">
+              <a:avLst>
+                <a:gd fmla="val 158024" name="adj"/>
+              </a:avLst>
+            </a:prstGeom>
+            <a:solidFill>
+              <a:schemeClr val="accent1"/>
+            </a:solidFill>
+            <a:ln>
+              <a:noFill/>
+            </a:ln>
+          </p:spPr>
+          <p:txBody>
+            <a:bodyPr anchorCtr="0" anchor="ctr" bIns="91425" lIns="91425" spcFirstLastPara="1" rIns="91425" wrap="square" tIns="91425">
+              <a:noAutofit/>
+            </a:bodyPr>
+            <a:lstStyle/>
+            <a:p>
+              <a:pPr indent="0" lvl="0" marL="0" rtl="0" algn="l">
+                <a:spcBef>
+                  <a:spcPts val="0"/>
+                </a:spcBef>
+                <a:spcAft>
+                  <a:spcPts val="0"/>
+                </a:spcAft>
+                <a:buNone/>
+              </a:pPr>
+              <a:r>
+                <a:t/>
+              </a:r>
+              <a:endParaRPr/>
+            </a:p>
+          </p:txBody>
+        </p:sp>
+      </p:grpSp>
+      <p:sp>
+        <p:nvSpPr>
+          <p:cNvPr id="34" name="Google Shape;34;p2"/>
           <p:cNvSpPr txBox="1"/>
           <p:nvPr>
             <p:ph type="ctrTitle"/>
@@ -1312,15 +2320,15 @@
         </p:nvSpPr>
         <p:spPr>
           <a:xfrm>
-            <a:off x="311708" y="744575"/>
-            <a:ext cx="8520600" cy="2052600"/>
+            <a:off x="1858703" y="1822833"/>
+            <a:ext cx="5361300" cy="1448100"/>
           </a:xfrm>
           <a:prstGeom prst="rect">
             <a:avLst/>
           </a:prstGeom>
         </p:spPr>
         <p:txBody>
-          <a:bodyPr anchorCtr="0" anchor="b" bIns="91425" lIns="91425" spcFirstLastPara="1" rIns="91425" wrap="square" tIns="91425">
+          <a:bodyPr anchorCtr="0" anchor="ctr" bIns="91425" lIns="91425" spcFirstLastPara="1" rIns="91425" wrap="square" tIns="91425">
             <a:normAutofit/>
           </a:bodyPr>
           <a:lstStyle>
@@ -1331,9 +2339,9 @@
               <a:spcAft>
                 <a:spcPts val="0"/>
               </a:spcAft>
-              <a:buSzPts val="5200"/>
-              <a:buNone/>
-              <a:defRPr sz="5200"/>
+              <a:buSzPts val="3800"/>
+              <a:buNone/>
+              <a:defRPr sz="3800"/>
             </a:lvl1pPr>
             <a:lvl2pPr lvl="1" algn="ctr">
               <a:spcBef>
@@ -1342,9 +2350,9 @@
               <a:spcAft>
                 <a:spcPts val="0"/>
               </a:spcAft>
-              <a:buSzPts val="5200"/>
-              <a:buNone/>
-              <a:defRPr sz="5200"/>
+              <a:buSzPts val="3800"/>
+              <a:buNone/>
+              <a:defRPr sz="3800"/>
             </a:lvl2pPr>
             <a:lvl3pPr lvl="2" algn="ctr">
               <a:spcBef>
@@ -1353,9 +2361,9 @@
               <a:spcAft>
                 <a:spcPts val="0"/>
               </a:spcAft>
-              <a:buSzPts val="5200"/>
-              <a:buNone/>
-              <a:defRPr sz="5200"/>
+              <a:buSzPts val="3800"/>
+              <a:buNone/>
+              <a:defRPr sz="3800"/>
             </a:lvl3pPr>
             <a:lvl4pPr lvl="3" algn="ctr">
               <a:spcBef>
@@ -1364,9 +2372,9 @@
               <a:spcAft>
                 <a:spcPts val="0"/>
               </a:spcAft>
-              <a:buSzPts val="5200"/>
-              <a:buNone/>
-              <a:defRPr sz="5200"/>
+              <a:buSzPts val="3800"/>
+              <a:buNone/>
+              <a:defRPr sz="3800"/>
             </a:lvl4pPr>
             <a:lvl5pPr lvl="4" algn="ctr">
               <a:spcBef>
@@ -1375,9 +2383,9 @@
               <a:spcAft>
                 <a:spcPts val="0"/>
               </a:spcAft>
-              <a:buSzPts val="5200"/>
-              <a:buNone/>
-              <a:defRPr sz="5200"/>
+              <a:buSzPts val="3800"/>
+              <a:buNone/>
+              <a:defRPr sz="3800"/>
             </a:lvl5pPr>
             <a:lvl6pPr lvl="5" algn="ctr">
               <a:spcBef>
@@ -1386,9 +2394,9 @@
               <a:spcAft>
                 <a:spcPts val="0"/>
               </a:spcAft>
-              <a:buSzPts val="5200"/>
-              <a:buNone/>
-              <a:defRPr sz="5200"/>
+              <a:buSzPts val="3800"/>
+              <a:buNone/>
+              <a:defRPr sz="3800"/>
             </a:lvl6pPr>
             <a:lvl7pPr lvl="6" algn="ctr">
               <a:spcBef>
@@ -1397,9 +2405,9 @@
               <a:spcAft>
                 <a:spcPts val="0"/>
               </a:spcAft>
-              <a:buSzPts val="5200"/>
-              <a:buNone/>
-              <a:defRPr sz="5200"/>
+              <a:buSzPts val="3800"/>
+              <a:buNone/>
+              <a:defRPr sz="3800"/>
             </a:lvl7pPr>
             <a:lvl8pPr lvl="7" algn="ctr">
               <a:spcBef>
@@ -1408,9 +2416,9 @@
               <a:spcAft>
                 <a:spcPts val="0"/>
               </a:spcAft>
-              <a:buSzPts val="5200"/>
-              <a:buNone/>
-              <a:defRPr sz="5200"/>
+              <a:buSzPts val="3800"/>
+              <a:buNone/>
+              <a:defRPr sz="3800"/>
             </a:lvl8pPr>
             <a:lvl9pPr lvl="8" algn="ctr">
               <a:spcBef>
@@ -1419,9 +2427,9 @@
               <a:spcAft>
                 <a:spcPts val="0"/>
               </a:spcAft>
-              <a:buSzPts val="5200"/>
-              <a:buNone/>
-              <a:defRPr sz="5200"/>
+              <a:buSzPts val="3800"/>
+              <a:buNone/>
+              <a:defRPr sz="3800"/>
             </a:lvl9pPr>
           </a:lstStyle>
           <a:p/>
@@ -1429,7 +2437,7 @@
       </p:sp>
       <p:sp>
         <p:nvSpPr>
-          <p:cNvPr id="11" name="Google Shape;11;p2"/>
+          <p:cNvPr id="35" name="Google Shape;35;p2"/>
           <p:cNvSpPr txBox="1"/>
           <p:nvPr>
             <p:ph idx="1" type="subTitle"/>
@@ -1437,8 +2445,8 @@
         </p:nvSpPr>
         <p:spPr>
           <a:xfrm>
-            <a:off x="311700" y="2834125"/>
-            <a:ext cx="8520600" cy="792600"/>
+            <a:off x="1858700" y="3413158"/>
+            <a:ext cx="5361300" cy="522600"/>
           </a:xfrm>
           <a:prstGeom prst="rect">
             <a:avLst/>
@@ -1459,9 +2467,16 @@
               <a:spcAft>
                 <a:spcPts val="0"/>
               </a:spcAft>
-              <a:buSzPts val="2800"/>
-              <a:buNone/>
-              <a:defRPr sz="2800"/>
+              <a:buClr>
+                <a:schemeClr val="lt1"/>
+              </a:buClr>
+              <a:buSzPts val="1600"/>
+              <a:buNone/>
+              <a:defRPr sz="1600">
+                <a:solidFill>
+                  <a:schemeClr val="lt1"/>
+                </a:solidFill>
+              </a:defRPr>
             </a:lvl1pPr>
             <a:lvl2pPr lvl="1" algn="ctr">
               <a:lnSpc>
@@ -1473,9 +2488,16 @@
               <a:spcAft>
                 <a:spcPts val="0"/>
               </a:spcAft>
-              <a:buSzPts val="2800"/>
-              <a:buNone/>
-              <a:defRPr sz="2800"/>
+              <a:buClr>
+                <a:schemeClr val="lt1"/>
+              </a:buClr>
+              <a:buSzPts val="1600"/>
+              <a:buNone/>
+              <a:defRPr sz="1600">
+                <a:solidFill>
+                  <a:schemeClr val="lt1"/>
+                </a:solidFill>
+              </a:defRPr>
             </a:lvl2pPr>
             <a:lvl3pPr lvl="2" algn="ctr">
               <a:lnSpc>
@@ -1487,9 +2509,16 @@
               <a:spcAft>
                 <a:spcPts val="0"/>
               </a:spcAft>
-              <a:buSzPts val="2800"/>
-              <a:buNone/>
-              <a:defRPr sz="2800"/>
+              <a:buClr>
+                <a:schemeClr val="lt1"/>
+              </a:buClr>
+              <a:buSzPts val="1600"/>
+              <a:buNone/>
+              <a:defRPr sz="1600">
+                <a:solidFill>
+                  <a:schemeClr val="lt1"/>
+                </a:solidFill>
+              </a:defRPr>
             </a:lvl3pPr>
             <a:lvl4pPr lvl="3" algn="ctr">
               <a:lnSpc>
@@ -1501,9 +2530,16 @@
               <a:spcAft>
                 <a:spcPts val="0"/>
               </a:spcAft>
-              <a:buSzPts val="2800"/>
-              <a:buNone/>
-              <a:defRPr sz="2800"/>
+              <a:buClr>
+                <a:schemeClr val="lt1"/>
+              </a:buClr>
+              <a:buSzPts val="1600"/>
+              <a:buNone/>
+              <a:defRPr sz="1600">
+                <a:solidFill>
+                  <a:schemeClr val="lt1"/>
+                </a:solidFill>
+              </a:defRPr>
             </a:lvl4pPr>
             <a:lvl5pPr lvl="4" algn="ctr">
               <a:lnSpc>
@@ -1515,9 +2551,16 @@
               <a:spcAft>
                 <a:spcPts val="0"/>
               </a:spcAft>
-              <a:buSzPts val="2800"/>
-              <a:buNone/>
-              <a:defRPr sz="2800"/>
+              <a:buClr>
+                <a:schemeClr val="lt1"/>
+              </a:buClr>
+              <a:buSzPts val="1600"/>
+              <a:buNone/>
+              <a:defRPr sz="1600">
+                <a:solidFill>
+                  <a:schemeClr val="lt1"/>
+                </a:solidFill>
+              </a:defRPr>
             </a:lvl5pPr>
             <a:lvl6pPr lvl="5" algn="ctr">
               <a:lnSpc>
@@ -1529,9 +2572,16 @@
               <a:spcAft>
                 <a:spcPts val="0"/>
               </a:spcAft>
-              <a:buSzPts val="2800"/>
-              <a:buNone/>
-              <a:defRPr sz="2800"/>
+              <a:buClr>
+                <a:schemeClr val="lt1"/>
+              </a:buClr>
+              <a:buSzPts val="1600"/>
+              <a:buNone/>
+              <a:defRPr sz="1600">
+                <a:solidFill>
+                  <a:schemeClr val="lt1"/>
+                </a:solidFill>
+              </a:defRPr>
             </a:lvl6pPr>
             <a:lvl7pPr lvl="6" algn="ctr">
               <a:lnSpc>
@@ -1543,9 +2593,16 @@
               <a:spcAft>
                 <a:spcPts val="0"/>
               </a:spcAft>
-              <a:buSzPts val="2800"/>
-              <a:buNone/>
-              <a:defRPr sz="2800"/>
+              <a:buClr>
+                <a:schemeClr val="lt1"/>
+              </a:buClr>
+              <a:buSzPts val="1600"/>
+              <a:buNone/>
+              <a:defRPr sz="1600">
+                <a:solidFill>
+                  <a:schemeClr val="lt1"/>
+                </a:solidFill>
+              </a:defRPr>
             </a:lvl7pPr>
             <a:lvl8pPr lvl="7" algn="ctr">
               <a:lnSpc>
@@ -1557,9 +2614,16 @@
               <a:spcAft>
                 <a:spcPts val="0"/>
               </a:spcAft>
-              <a:buSzPts val="2800"/>
-              <a:buNone/>
-              <a:defRPr sz="2800"/>
+              <a:buClr>
+                <a:schemeClr val="lt1"/>
+              </a:buClr>
+              <a:buSzPts val="1600"/>
+              <a:buNone/>
+              <a:defRPr sz="1600">
+                <a:solidFill>
+                  <a:schemeClr val="lt1"/>
+                </a:solidFill>
+              </a:defRPr>
             </a:lvl8pPr>
             <a:lvl9pPr lvl="8" algn="ctr">
               <a:lnSpc>
@@ -1571,9 +2635,16 @@
               <a:spcAft>
                 <a:spcPts val="0"/>
               </a:spcAft>
-              <a:buSzPts val="2800"/>
-              <a:buNone/>
-              <a:defRPr sz="2800"/>
+              <a:buClr>
+                <a:schemeClr val="lt1"/>
+              </a:buClr>
+              <a:buSzPts val="1600"/>
+              <a:buNone/>
+              <a:defRPr sz="1600">
+                <a:solidFill>
+                  <a:schemeClr val="lt1"/>
+                </a:solidFill>
+              </a:defRPr>
             </a:lvl9pPr>
           </a:lstStyle>
           <a:p/>
@@ -1581,7 +2652,7 @@
       </p:sp>
       <p:sp>
         <p:nvSpPr>
-          <p:cNvPr id="12" name="Google Shape;12;p2"/>
+          <p:cNvPr id="36" name="Google Shape;36;p2"/>
           <p:cNvSpPr txBox="1"/>
           <p:nvPr>
             <p:ph idx="12" type="sldNum"/>
@@ -1589,7 +2660,7 @@
         </p:nvSpPr>
         <p:spPr>
           <a:xfrm>
-            <a:off x="8472458" y="4663217"/>
+            <a:off x="8390734" y="4543668"/>
             <a:ext cx="548700" cy="393600"/>
           </a:xfrm>
           <a:prstGeom prst="rect">
@@ -1669,7 +2740,7 @@
   <p:cSld name="BIG_NUMBER">
     <p:spTree>
       <p:nvGrpSpPr>
-        <p:cNvPr id="44" name="Shape 44"/>
+        <p:cNvPr id="109" name="Shape 109"/>
         <p:cNvGrpSpPr/>
         <p:nvPr/>
       </p:nvGrpSpPr>
@@ -1683,7 +2754,350 @@
       </p:grpSpPr>
       <p:sp>
         <p:nvSpPr>
-          <p:cNvPr id="45" name="Google Shape;45;p11"/>
+          <p:cNvPr id="110" name="Google Shape;110;p11"/>
+          <p:cNvSpPr/>
+          <p:nvPr/>
+        </p:nvSpPr>
+        <p:spPr>
+          <a:xfrm flipH="1">
+            <a:off x="5569200" y="2834075"/>
+            <a:ext cx="3574800" cy="2309400"/>
+          </a:xfrm>
+          <a:prstGeom prst="rtTriangle">
+            <a:avLst/>
+          </a:prstGeom>
+          <a:solidFill>
+            <a:schemeClr val="dk1"/>
+          </a:solidFill>
+          <a:ln>
+            <a:noFill/>
+          </a:ln>
+        </p:spPr>
+        <p:txBody>
+          <a:bodyPr anchorCtr="0" anchor="ctr" bIns="91425" lIns="91425" spcFirstLastPara="1" rIns="91425" wrap="square" tIns="91425">
+            <a:noAutofit/>
+          </a:bodyPr>
+          <a:lstStyle/>
+          <a:p>
+            <a:pPr indent="0" lvl="0" marL="0" rtl="0" algn="l">
+              <a:spcBef>
+                <a:spcPts val="0"/>
+              </a:spcBef>
+              <a:spcAft>
+                <a:spcPts val="0"/>
+              </a:spcAft>
+              <a:buNone/>
+            </a:pPr>
+            <a:r>
+              <a:t/>
+            </a:r>
+            <a:endParaRPr/>
+          </a:p>
+        </p:txBody>
+      </p:sp>
+      <p:grpSp>
+        <p:nvGrpSpPr>
+          <p:cNvPr id="111" name="Google Shape;111;p11"/>
+          <p:cNvGrpSpPr/>
+          <p:nvPr/>
+        </p:nvGrpSpPr>
+        <p:grpSpPr>
+          <a:xfrm>
+            <a:off x="5959222" y="4119576"/>
+            <a:ext cx="2520952" cy="1024165"/>
+            <a:chOff x="6917201" y="0"/>
+            <a:chExt cx="2227777" cy="863400"/>
+          </a:xfrm>
+        </p:grpSpPr>
+        <p:sp>
+          <p:nvSpPr>
+            <p:cNvPr id="112" name="Google Shape;112;p11"/>
+            <p:cNvSpPr/>
+            <p:nvPr/>
+          </p:nvSpPr>
+          <p:spPr>
+            <a:xfrm>
+              <a:off x="7641677" y="0"/>
+              <a:ext cx="1503300" cy="863400"/>
+            </a:xfrm>
+            <a:prstGeom prst="parallelogram">
+              <a:avLst>
+                <a:gd fmla="val 158024" name="adj"/>
+              </a:avLst>
+            </a:prstGeom>
+            <a:solidFill>
+              <a:schemeClr val="accent3"/>
+            </a:solidFill>
+            <a:ln>
+              <a:noFill/>
+            </a:ln>
+          </p:spPr>
+          <p:txBody>
+            <a:bodyPr anchorCtr="0" anchor="ctr" bIns="91425" lIns="91425" spcFirstLastPara="1" rIns="91425" wrap="square" tIns="91425">
+              <a:noAutofit/>
+            </a:bodyPr>
+            <a:lstStyle/>
+            <a:p>
+              <a:pPr indent="0" lvl="0" marL="0" rtl="0" algn="l">
+                <a:spcBef>
+                  <a:spcPts val="0"/>
+                </a:spcBef>
+                <a:spcAft>
+                  <a:spcPts val="0"/>
+                </a:spcAft>
+                <a:buNone/>
+              </a:pPr>
+              <a:r>
+                <a:t/>
+              </a:r>
+              <a:endParaRPr/>
+            </a:p>
+          </p:txBody>
+        </p:sp>
+        <p:sp>
+          <p:nvSpPr>
+            <p:cNvPr id="113" name="Google Shape;113;p11"/>
+            <p:cNvSpPr/>
+            <p:nvPr/>
+          </p:nvSpPr>
+          <p:spPr>
+            <a:xfrm>
+              <a:off x="7279439" y="0"/>
+              <a:ext cx="1503300" cy="863400"/>
+            </a:xfrm>
+            <a:prstGeom prst="parallelogram">
+              <a:avLst>
+                <a:gd fmla="val 158024" name="adj"/>
+              </a:avLst>
+            </a:prstGeom>
+            <a:solidFill>
+              <a:schemeClr val="accent3"/>
+            </a:solidFill>
+            <a:ln>
+              <a:noFill/>
+            </a:ln>
+          </p:spPr>
+          <p:txBody>
+            <a:bodyPr anchorCtr="0" anchor="ctr" bIns="91425" lIns="91425" spcFirstLastPara="1" rIns="91425" wrap="square" tIns="91425">
+              <a:noAutofit/>
+            </a:bodyPr>
+            <a:lstStyle/>
+            <a:p>
+              <a:pPr indent="0" lvl="0" marL="0" rtl="0" algn="l">
+                <a:spcBef>
+                  <a:spcPts val="0"/>
+                </a:spcBef>
+                <a:spcAft>
+                  <a:spcPts val="0"/>
+                </a:spcAft>
+                <a:buNone/>
+              </a:pPr>
+              <a:r>
+                <a:t/>
+              </a:r>
+              <a:endParaRPr/>
+            </a:p>
+          </p:txBody>
+        </p:sp>
+        <p:sp>
+          <p:nvSpPr>
+            <p:cNvPr id="114" name="Google Shape;114;p11"/>
+            <p:cNvSpPr/>
+            <p:nvPr/>
+          </p:nvSpPr>
+          <p:spPr>
+            <a:xfrm>
+              <a:off x="6917201" y="0"/>
+              <a:ext cx="1503300" cy="863400"/>
+            </a:xfrm>
+            <a:prstGeom prst="parallelogram">
+              <a:avLst>
+                <a:gd fmla="val 158024" name="adj"/>
+              </a:avLst>
+            </a:prstGeom>
+            <a:solidFill>
+              <a:schemeClr val="accent3"/>
+            </a:solidFill>
+            <a:ln>
+              <a:noFill/>
+            </a:ln>
+          </p:spPr>
+          <p:txBody>
+            <a:bodyPr anchorCtr="0" anchor="ctr" bIns="91425" lIns="91425" spcFirstLastPara="1" rIns="91425" wrap="square" tIns="91425">
+              <a:noAutofit/>
+            </a:bodyPr>
+            <a:lstStyle/>
+            <a:p>
+              <a:pPr indent="0" lvl="0" marL="0" rtl="0" algn="l">
+                <a:spcBef>
+                  <a:spcPts val="0"/>
+                </a:spcBef>
+                <a:spcAft>
+                  <a:spcPts val="0"/>
+                </a:spcAft>
+                <a:buNone/>
+              </a:pPr>
+              <a:r>
+                <a:t/>
+              </a:r>
+              <a:endParaRPr/>
+            </a:p>
+          </p:txBody>
+        </p:sp>
+      </p:grpSp>
+      <p:grpSp>
+        <p:nvGrpSpPr>
+          <p:cNvPr id="115" name="Google Shape;115;p11"/>
+          <p:cNvGrpSpPr/>
+          <p:nvPr/>
+        </p:nvGrpSpPr>
+        <p:grpSpPr>
+          <a:xfrm>
+            <a:off x="199149" y="2"/>
+            <a:ext cx="2795414" cy="1083308"/>
+            <a:chOff x="6917201" y="0"/>
+            <a:chExt cx="2227777" cy="863400"/>
+          </a:xfrm>
+        </p:grpSpPr>
+        <p:sp>
+          <p:nvSpPr>
+            <p:cNvPr id="116" name="Google Shape;116;p11"/>
+            <p:cNvSpPr/>
+            <p:nvPr/>
+          </p:nvSpPr>
+          <p:spPr>
+            <a:xfrm>
+              <a:off x="7641677" y="0"/>
+              <a:ext cx="1503300" cy="863400"/>
+            </a:xfrm>
+            <a:prstGeom prst="parallelogram">
+              <a:avLst>
+                <a:gd fmla="val 158024" name="adj"/>
+              </a:avLst>
+            </a:prstGeom>
+            <a:solidFill>
+              <a:schemeClr val="dk2"/>
+            </a:solidFill>
+            <a:ln>
+              <a:noFill/>
+            </a:ln>
+          </p:spPr>
+          <p:txBody>
+            <a:bodyPr anchorCtr="0" anchor="ctr" bIns="91425" lIns="91425" spcFirstLastPara="1" rIns="91425" wrap="square" tIns="91425">
+              <a:noAutofit/>
+            </a:bodyPr>
+            <a:lstStyle/>
+            <a:p>
+              <a:pPr indent="0" lvl="0" marL="0" rtl="0" algn="l">
+                <a:spcBef>
+                  <a:spcPts val="0"/>
+                </a:spcBef>
+                <a:spcAft>
+                  <a:spcPts val="0"/>
+                </a:spcAft>
+                <a:buNone/>
+              </a:pPr>
+              <a:r>
+                <a:t/>
+              </a:r>
+              <a:endParaRPr/>
+            </a:p>
+          </p:txBody>
+        </p:sp>
+        <p:sp>
+          <p:nvSpPr>
+            <p:cNvPr id="117" name="Google Shape;117;p11"/>
+            <p:cNvSpPr/>
+            <p:nvPr/>
+          </p:nvSpPr>
+          <p:spPr>
+            <a:xfrm>
+              <a:off x="7279439" y="0"/>
+              <a:ext cx="1503300" cy="863400"/>
+            </a:xfrm>
+            <a:prstGeom prst="parallelogram">
+              <a:avLst>
+                <a:gd fmla="val 158024" name="adj"/>
+              </a:avLst>
+            </a:prstGeom>
+            <a:solidFill>
+              <a:schemeClr val="dk2"/>
+            </a:solidFill>
+            <a:ln>
+              <a:noFill/>
+            </a:ln>
+          </p:spPr>
+          <p:txBody>
+            <a:bodyPr anchorCtr="0" anchor="ctr" bIns="91425" lIns="91425" spcFirstLastPara="1" rIns="91425" wrap="square" tIns="91425">
+              <a:noAutofit/>
+            </a:bodyPr>
+            <a:lstStyle/>
+            <a:p>
+              <a:pPr indent="0" lvl="0" marL="0" rtl="0" algn="l">
+                <a:spcBef>
+                  <a:spcPts val="0"/>
+                </a:spcBef>
+                <a:spcAft>
+                  <a:spcPts val="0"/>
+                </a:spcAft>
+                <a:buNone/>
+              </a:pPr>
+              <a:r>
+                <a:t/>
+              </a:r>
+              <a:endParaRPr/>
+            </a:p>
+          </p:txBody>
+        </p:sp>
+        <p:sp>
+          <p:nvSpPr>
+            <p:cNvPr id="118" name="Google Shape;118;p11"/>
+            <p:cNvSpPr/>
+            <p:nvPr/>
+          </p:nvSpPr>
+          <p:spPr>
+            <a:xfrm>
+              <a:off x="6917201" y="0"/>
+              <a:ext cx="1503300" cy="863400"/>
+            </a:xfrm>
+            <a:prstGeom prst="parallelogram">
+              <a:avLst>
+                <a:gd fmla="val 158024" name="adj"/>
+              </a:avLst>
+            </a:prstGeom>
+            <a:solidFill>
+              <a:schemeClr val="dk2"/>
+            </a:solidFill>
+            <a:ln>
+              <a:noFill/>
+            </a:ln>
+          </p:spPr>
+          <p:txBody>
+            <a:bodyPr anchorCtr="0" anchor="ctr" bIns="91425" lIns="91425" spcFirstLastPara="1" rIns="91425" wrap="square" tIns="91425">
+              <a:noAutofit/>
+            </a:bodyPr>
+            <a:lstStyle/>
+            <a:p>
+              <a:pPr indent="0" lvl="0" marL="0" rtl="0" algn="l">
+                <a:spcBef>
+                  <a:spcPts val="0"/>
+                </a:spcBef>
+                <a:spcAft>
+                  <a:spcPts val="0"/>
+                </a:spcAft>
+                <a:buNone/>
+              </a:pPr>
+              <a:r>
+                <a:t/>
+              </a:r>
+              <a:endParaRPr/>
+            </a:p>
+          </p:txBody>
+        </p:sp>
+      </p:grpSp>
+      <p:sp>
+        <p:nvSpPr>
+          <p:cNvPr id="119" name="Google Shape;119;p11"/>
           <p:cNvSpPr txBox="1"/>
           <p:nvPr>
             <p:ph hasCustomPrompt="1" type="title"/>
@@ -1691,15 +3105,15 @@
         </p:nvSpPr>
         <p:spPr>
           <a:xfrm>
-            <a:off x="311700" y="1106125"/>
-            <a:ext cx="8520600" cy="1963500"/>
+            <a:off x="1385850" y="1383850"/>
+            <a:ext cx="6372300" cy="1379700"/>
           </a:xfrm>
           <a:prstGeom prst="rect">
             <a:avLst/>
           </a:prstGeom>
         </p:spPr>
         <p:txBody>
-          <a:bodyPr anchorCtr="0" anchor="b" bIns="91425" lIns="91425" spcFirstLastPara="1" rIns="91425" wrap="square" tIns="91425">
+          <a:bodyPr anchorCtr="0" anchor="ctr" bIns="91425" lIns="91425" spcFirstLastPara="1" rIns="91425" wrap="square" tIns="91425">
             <a:normAutofit/>
           </a:bodyPr>
           <a:lstStyle>
@@ -1710,9 +3124,16 @@
               <a:spcAft>
                 <a:spcPts val="0"/>
               </a:spcAft>
-              <a:buSzPts val="12000"/>
-              <a:buNone/>
-              <a:defRPr sz="12000"/>
+              <a:buClr>
+                <a:schemeClr val="dk2"/>
+              </a:buClr>
+              <a:buSzPts val="8600"/>
+              <a:buNone/>
+              <a:defRPr sz="8600">
+                <a:solidFill>
+                  <a:schemeClr val="dk2"/>
+                </a:solidFill>
+              </a:defRPr>
             </a:lvl1pPr>
             <a:lvl2pPr lvl="1" algn="ctr">
               <a:spcBef>
@@ -1721,9 +3142,16 @@
               <a:spcAft>
                 <a:spcPts val="0"/>
               </a:spcAft>
-              <a:buSzPts val="12000"/>
-              <a:buNone/>
-              <a:defRPr sz="12000"/>
+              <a:buClr>
+                <a:schemeClr val="dk2"/>
+              </a:buClr>
+              <a:buSzPts val="8600"/>
+              <a:buNone/>
+              <a:defRPr sz="8600">
+                <a:solidFill>
+                  <a:schemeClr val="dk2"/>
+                </a:solidFill>
+              </a:defRPr>
             </a:lvl2pPr>
             <a:lvl3pPr lvl="2" algn="ctr">
               <a:spcBef>
@@ -1732,9 +3160,16 @@
               <a:spcAft>
                 <a:spcPts val="0"/>
               </a:spcAft>
-              <a:buSzPts val="12000"/>
-              <a:buNone/>
-              <a:defRPr sz="12000"/>
+              <a:buClr>
+                <a:schemeClr val="dk2"/>
+              </a:buClr>
+              <a:buSzPts val="8600"/>
+              <a:buNone/>
+              <a:defRPr sz="8600">
+                <a:solidFill>
+                  <a:schemeClr val="dk2"/>
+                </a:solidFill>
+              </a:defRPr>
             </a:lvl3pPr>
             <a:lvl4pPr lvl="3" algn="ctr">
               <a:spcBef>
@@ -1743,9 +3178,16 @@
               <a:spcAft>
                 <a:spcPts val="0"/>
               </a:spcAft>
-              <a:buSzPts val="12000"/>
-              <a:buNone/>
-              <a:defRPr sz="12000"/>
+              <a:buClr>
+                <a:schemeClr val="dk2"/>
+              </a:buClr>
+              <a:buSzPts val="8600"/>
+              <a:buNone/>
+              <a:defRPr sz="8600">
+                <a:solidFill>
+                  <a:schemeClr val="dk2"/>
+                </a:solidFill>
+              </a:defRPr>
             </a:lvl4pPr>
             <a:lvl5pPr lvl="4" algn="ctr">
               <a:spcBef>
@@ -1754,9 +3196,16 @@
               <a:spcAft>
                 <a:spcPts val="0"/>
               </a:spcAft>
-              <a:buSzPts val="12000"/>
-              <a:buNone/>
-              <a:defRPr sz="12000"/>
+              <a:buClr>
+                <a:schemeClr val="dk2"/>
+              </a:buClr>
+              <a:buSzPts val="8600"/>
+              <a:buNone/>
+              <a:defRPr sz="8600">
+                <a:solidFill>
+                  <a:schemeClr val="dk2"/>
+                </a:solidFill>
+              </a:defRPr>
             </a:lvl5pPr>
             <a:lvl6pPr lvl="5" algn="ctr">
               <a:spcBef>
@@ -1765,9 +3214,16 @@
               <a:spcAft>
                 <a:spcPts val="0"/>
               </a:spcAft>
-              <a:buSzPts val="12000"/>
-              <a:buNone/>
-              <a:defRPr sz="12000"/>
+              <a:buClr>
+                <a:schemeClr val="dk2"/>
+              </a:buClr>
+              <a:buSzPts val="8600"/>
+              <a:buNone/>
+              <a:defRPr sz="8600">
+                <a:solidFill>
+                  <a:schemeClr val="dk2"/>
+                </a:solidFill>
+              </a:defRPr>
             </a:lvl6pPr>
             <a:lvl7pPr lvl="6" algn="ctr">
               <a:spcBef>
@@ -1776,9 +3232,16 @@
               <a:spcAft>
                 <a:spcPts val="0"/>
               </a:spcAft>
-              <a:buSzPts val="12000"/>
-              <a:buNone/>
-              <a:defRPr sz="12000"/>
+              <a:buClr>
+                <a:schemeClr val="dk2"/>
+              </a:buClr>
+              <a:buSzPts val="8600"/>
+              <a:buNone/>
+              <a:defRPr sz="8600">
+                <a:solidFill>
+                  <a:schemeClr val="dk2"/>
+                </a:solidFill>
+              </a:defRPr>
             </a:lvl7pPr>
             <a:lvl8pPr lvl="7" algn="ctr">
               <a:spcBef>
@@ -1787,9 +3250,16 @@
               <a:spcAft>
                 <a:spcPts val="0"/>
               </a:spcAft>
-              <a:buSzPts val="12000"/>
-              <a:buNone/>
-              <a:defRPr sz="12000"/>
+              <a:buClr>
+                <a:schemeClr val="dk2"/>
+              </a:buClr>
+              <a:buSzPts val="8600"/>
+              <a:buNone/>
+              <a:defRPr sz="8600">
+                <a:solidFill>
+                  <a:schemeClr val="dk2"/>
+                </a:solidFill>
+              </a:defRPr>
             </a:lvl8pPr>
             <a:lvl9pPr lvl="8" algn="ctr">
               <a:spcBef>
@@ -1798,9 +3268,16 @@
               <a:spcAft>
                 <a:spcPts val="0"/>
               </a:spcAft>
-              <a:buSzPts val="12000"/>
-              <a:buNone/>
-              <a:defRPr sz="12000"/>
+              <a:buClr>
+                <a:schemeClr val="dk2"/>
+              </a:buClr>
+              <a:buSzPts val="8600"/>
+              <a:buNone/>
+              <a:defRPr sz="8600">
+                <a:solidFill>
+                  <a:schemeClr val="dk2"/>
+                </a:solidFill>
+              </a:defRPr>
             </a:lvl9pPr>
           </a:lstStyle>
           <a:p>
@@ -1812,7 +3289,7 @@
       </p:sp>
       <p:sp>
         <p:nvSpPr>
-          <p:cNvPr id="46" name="Google Shape;46;p11"/>
+          <p:cNvPr id="120" name="Google Shape;120;p11"/>
           <p:cNvSpPr txBox="1"/>
           <p:nvPr>
             <p:ph idx="1" type="body"/>
@@ -1820,8 +3297,8 @@
         </p:nvSpPr>
         <p:spPr>
           <a:xfrm>
-            <a:off x="311700" y="3152225"/>
-            <a:ext cx="8520600" cy="1300800"/>
+            <a:off x="1385850" y="2863850"/>
+            <a:ext cx="6372300" cy="641100"/>
           </a:xfrm>
           <a:prstGeom prst="rect">
             <a:avLst/>
@@ -1832,102 +3309,102 @@
             <a:normAutofit/>
           </a:bodyPr>
           <a:lstStyle>
-            <a:lvl1pPr indent="-342900" lvl="0" marL="457200" algn="ctr">
-              <a:spcBef>
-                <a:spcPts val="0"/>
-              </a:spcBef>
-              <a:spcAft>
-                <a:spcPts val="0"/>
-              </a:spcAft>
-              <a:buSzPts val="1800"/>
+            <a:lvl1pPr indent="-311150" lvl="0" marL="457200" algn="ctr">
+              <a:spcBef>
+                <a:spcPts val="0"/>
+              </a:spcBef>
+              <a:spcAft>
+                <a:spcPts val="0"/>
+              </a:spcAft>
+              <a:buSzPts val="1300"/>
               <a:buChar char="●"/>
               <a:defRPr/>
             </a:lvl1pPr>
-            <a:lvl2pPr indent="-317500" lvl="1" marL="914400" algn="ctr">
-              <a:spcBef>
-                <a:spcPts val="0"/>
-              </a:spcBef>
-              <a:spcAft>
-                <a:spcPts val="0"/>
-              </a:spcAft>
-              <a:buSzPts val="1400"/>
+            <a:lvl2pPr indent="-298450" lvl="1" marL="914400" algn="ctr">
+              <a:spcBef>
+                <a:spcPts val="0"/>
+              </a:spcBef>
+              <a:spcAft>
+                <a:spcPts val="0"/>
+              </a:spcAft>
+              <a:buSzPts val="1100"/>
               <a:buChar char="○"/>
               <a:defRPr/>
             </a:lvl2pPr>
-            <a:lvl3pPr indent="-317500" lvl="2" marL="1371600" algn="ctr">
-              <a:spcBef>
-                <a:spcPts val="0"/>
-              </a:spcBef>
-              <a:spcAft>
-                <a:spcPts val="0"/>
-              </a:spcAft>
-              <a:buSzPts val="1400"/>
+            <a:lvl3pPr indent="-298450" lvl="2" marL="1371600" algn="ctr">
+              <a:spcBef>
+                <a:spcPts val="0"/>
+              </a:spcBef>
+              <a:spcAft>
+                <a:spcPts val="0"/>
+              </a:spcAft>
+              <a:buSzPts val="1100"/>
               <a:buChar char="■"/>
               <a:defRPr/>
             </a:lvl3pPr>
-            <a:lvl4pPr indent="-317500" lvl="3" marL="1828800" algn="ctr">
-              <a:spcBef>
-                <a:spcPts val="0"/>
-              </a:spcBef>
-              <a:spcAft>
-                <a:spcPts val="0"/>
-              </a:spcAft>
-              <a:buSzPts val="1400"/>
+            <a:lvl4pPr indent="-298450" lvl="3" marL="1828800" algn="ctr">
+              <a:spcBef>
+                <a:spcPts val="0"/>
+              </a:spcBef>
+              <a:spcAft>
+                <a:spcPts val="0"/>
+              </a:spcAft>
+              <a:buSzPts val="1100"/>
               <a:buChar char="●"/>
               <a:defRPr/>
             </a:lvl4pPr>
-            <a:lvl5pPr indent="-317500" lvl="4" marL="2286000" algn="ctr">
-              <a:spcBef>
-                <a:spcPts val="0"/>
-              </a:spcBef>
-              <a:spcAft>
-                <a:spcPts val="0"/>
-              </a:spcAft>
-              <a:buSzPts val="1400"/>
+            <a:lvl5pPr indent="-298450" lvl="4" marL="2286000" algn="ctr">
+              <a:spcBef>
+                <a:spcPts val="0"/>
+              </a:spcBef>
+              <a:spcAft>
+                <a:spcPts val="0"/>
+              </a:spcAft>
+              <a:buSzPts val="1100"/>
               <a:buChar char="○"/>
               <a:defRPr/>
             </a:lvl5pPr>
-            <a:lvl6pPr indent="-317500" lvl="5" marL="2743200" algn="ctr">
-              <a:spcBef>
-                <a:spcPts val="0"/>
-              </a:spcBef>
-              <a:spcAft>
-                <a:spcPts val="0"/>
-              </a:spcAft>
-              <a:buSzPts val="1400"/>
+            <a:lvl6pPr indent="-298450" lvl="5" marL="2743200" algn="ctr">
+              <a:spcBef>
+                <a:spcPts val="0"/>
+              </a:spcBef>
+              <a:spcAft>
+                <a:spcPts val="0"/>
+              </a:spcAft>
+              <a:buSzPts val="1100"/>
               <a:buChar char="■"/>
               <a:defRPr/>
             </a:lvl6pPr>
-            <a:lvl7pPr indent="-317500" lvl="6" marL="3200400" algn="ctr">
-              <a:spcBef>
-                <a:spcPts val="0"/>
-              </a:spcBef>
-              <a:spcAft>
-                <a:spcPts val="0"/>
-              </a:spcAft>
-              <a:buSzPts val="1400"/>
+            <a:lvl7pPr indent="-298450" lvl="6" marL="3200400" algn="ctr">
+              <a:spcBef>
+                <a:spcPts val="0"/>
+              </a:spcBef>
+              <a:spcAft>
+                <a:spcPts val="0"/>
+              </a:spcAft>
+              <a:buSzPts val="1100"/>
               <a:buChar char="●"/>
               <a:defRPr/>
             </a:lvl7pPr>
-            <a:lvl8pPr indent="-317500" lvl="7" marL="3657600" algn="ctr">
-              <a:spcBef>
-                <a:spcPts val="0"/>
-              </a:spcBef>
-              <a:spcAft>
-                <a:spcPts val="0"/>
-              </a:spcAft>
-              <a:buSzPts val="1400"/>
+            <a:lvl8pPr indent="-298450" lvl="7" marL="3657600" algn="ctr">
+              <a:spcBef>
+                <a:spcPts val="0"/>
+              </a:spcBef>
+              <a:spcAft>
+                <a:spcPts val="0"/>
+              </a:spcAft>
+              <a:buSzPts val="1100"/>
               <a:buChar char="○"/>
               <a:defRPr/>
             </a:lvl8pPr>
-            <a:lvl9pPr indent="-317500" lvl="8" marL="4114800" algn="ctr">
-              <a:spcBef>
-                <a:spcPts val="0"/>
-              </a:spcBef>
-              <a:spcAft>
-                <a:spcPts val="0"/>
-              </a:spcAft>
-              <a:buSzPts val="1400"/>
+            <a:lvl9pPr indent="-298450" lvl="8" marL="4114800" algn="ctr">
+              <a:spcBef>
+                <a:spcPts val="0"/>
+              </a:spcBef>
+              <a:spcAft>
+                <a:spcPts val="0"/>
+              </a:spcAft>
+              <a:buSzPts val="1100"/>
               <a:buChar char="■"/>
               <a:defRPr/>
             </a:lvl9pPr>
@@ -1937,7 +3414,7 @@
       </p:sp>
       <p:sp>
         <p:nvSpPr>
-          <p:cNvPr id="47" name="Google Shape;47;p11"/>
+          <p:cNvPr id="121" name="Google Shape;121;p11"/>
           <p:cNvSpPr txBox="1"/>
           <p:nvPr>
             <p:ph idx="12" type="sldNum"/>
@@ -1945,7 +3422,7 @@
         </p:nvSpPr>
         <p:spPr>
           <a:xfrm>
-            <a:off x="8472458" y="4663217"/>
+            <a:off x="8390734" y="4543668"/>
             <a:ext cx="548700" cy="393600"/>
           </a:xfrm>
           <a:prstGeom prst="rect">
@@ -2025,7 +3502,7 @@
   <p:cSld name="BLANK">
     <p:spTree>
       <p:nvGrpSpPr>
-        <p:cNvPr id="48" name="Shape 48"/>
+        <p:cNvPr id="122" name="Shape 122"/>
         <p:cNvGrpSpPr/>
         <p:nvPr/>
       </p:nvGrpSpPr>
@@ -2039,7 +3516,7 @@
       </p:grpSpPr>
       <p:sp>
         <p:nvSpPr>
-          <p:cNvPr id="49" name="Google Shape;49;p12"/>
+          <p:cNvPr id="123" name="Google Shape;123;p12"/>
           <p:cNvSpPr txBox="1"/>
           <p:nvPr>
             <p:ph idx="12" type="sldNum"/>
@@ -2047,7 +3524,7 @@
         </p:nvSpPr>
         <p:spPr>
           <a:xfrm>
-            <a:off x="8472458" y="4663217"/>
+            <a:off x="8390734" y="4543668"/>
             <a:ext cx="548700" cy="393600"/>
           </a:xfrm>
           <a:prstGeom prst="rect">
@@ -2127,7 +3604,7 @@
   <p:cSld name="SECTION_HEADER">
     <p:spTree>
       <p:nvGrpSpPr>
-        <p:cNvPr id="13" name="Shape 13"/>
+        <p:cNvPr id="37" name="Shape 37"/>
         <p:cNvGrpSpPr/>
         <p:nvPr/>
       </p:nvGrpSpPr>
@@ -2141,7 +3618,350 @@
       </p:grpSpPr>
       <p:sp>
         <p:nvSpPr>
-          <p:cNvPr id="14" name="Google Shape;14;p3"/>
+          <p:cNvPr id="38" name="Google Shape;38;p3"/>
+          <p:cNvSpPr/>
+          <p:nvPr/>
+        </p:nvSpPr>
+        <p:spPr>
+          <a:xfrm flipH="1">
+            <a:off x="4757100" y="2309400"/>
+            <a:ext cx="4386900" cy="2834100"/>
+          </a:xfrm>
+          <a:prstGeom prst="rtTriangle">
+            <a:avLst/>
+          </a:prstGeom>
+          <a:solidFill>
+            <a:schemeClr val="dk1"/>
+          </a:solidFill>
+          <a:ln>
+            <a:noFill/>
+          </a:ln>
+        </p:spPr>
+        <p:txBody>
+          <a:bodyPr anchorCtr="0" anchor="ctr" bIns="91425" lIns="91425" spcFirstLastPara="1" rIns="91425" wrap="square" tIns="91425">
+            <a:noAutofit/>
+          </a:bodyPr>
+          <a:lstStyle/>
+          <a:p>
+            <a:pPr indent="0" lvl="0" marL="0" rtl="0" algn="l">
+              <a:spcBef>
+                <a:spcPts val="0"/>
+              </a:spcBef>
+              <a:spcAft>
+                <a:spcPts val="0"/>
+              </a:spcAft>
+              <a:buNone/>
+            </a:pPr>
+            <a:r>
+              <a:t/>
+            </a:r>
+            <a:endParaRPr/>
+          </a:p>
+        </p:txBody>
+      </p:sp>
+      <p:grpSp>
+        <p:nvGrpSpPr>
+          <p:cNvPr id="39" name="Google Shape;39;p3"/>
+          <p:cNvGrpSpPr/>
+          <p:nvPr/>
+        </p:nvGrpSpPr>
+        <p:grpSpPr>
+          <a:xfrm>
+            <a:off x="5594191" y="3961115"/>
+            <a:ext cx="2910145" cy="1182340"/>
+            <a:chOff x="6917201" y="0"/>
+            <a:chExt cx="2227777" cy="863400"/>
+          </a:xfrm>
+        </p:grpSpPr>
+        <p:sp>
+          <p:nvSpPr>
+            <p:cNvPr id="40" name="Google Shape;40;p3"/>
+            <p:cNvSpPr/>
+            <p:nvPr/>
+          </p:nvSpPr>
+          <p:spPr>
+            <a:xfrm>
+              <a:off x="7641677" y="0"/>
+              <a:ext cx="1503300" cy="863400"/>
+            </a:xfrm>
+            <a:prstGeom prst="parallelogram">
+              <a:avLst>
+                <a:gd fmla="val 158024" name="adj"/>
+              </a:avLst>
+            </a:prstGeom>
+            <a:solidFill>
+              <a:schemeClr val="accent3"/>
+            </a:solidFill>
+            <a:ln>
+              <a:noFill/>
+            </a:ln>
+          </p:spPr>
+          <p:txBody>
+            <a:bodyPr anchorCtr="0" anchor="ctr" bIns="91425" lIns="91425" spcFirstLastPara="1" rIns="91425" wrap="square" tIns="91425">
+              <a:noAutofit/>
+            </a:bodyPr>
+            <a:lstStyle/>
+            <a:p>
+              <a:pPr indent="0" lvl="0" marL="0" rtl="0" algn="l">
+                <a:spcBef>
+                  <a:spcPts val="0"/>
+                </a:spcBef>
+                <a:spcAft>
+                  <a:spcPts val="0"/>
+                </a:spcAft>
+                <a:buNone/>
+              </a:pPr>
+              <a:r>
+                <a:t/>
+              </a:r>
+              <a:endParaRPr/>
+            </a:p>
+          </p:txBody>
+        </p:sp>
+        <p:sp>
+          <p:nvSpPr>
+            <p:cNvPr id="41" name="Google Shape;41;p3"/>
+            <p:cNvSpPr/>
+            <p:nvPr/>
+          </p:nvSpPr>
+          <p:spPr>
+            <a:xfrm>
+              <a:off x="7279439" y="0"/>
+              <a:ext cx="1503300" cy="863400"/>
+            </a:xfrm>
+            <a:prstGeom prst="parallelogram">
+              <a:avLst>
+                <a:gd fmla="val 158024" name="adj"/>
+              </a:avLst>
+            </a:prstGeom>
+            <a:solidFill>
+              <a:schemeClr val="accent3"/>
+            </a:solidFill>
+            <a:ln>
+              <a:noFill/>
+            </a:ln>
+          </p:spPr>
+          <p:txBody>
+            <a:bodyPr anchorCtr="0" anchor="ctr" bIns="91425" lIns="91425" spcFirstLastPara="1" rIns="91425" wrap="square" tIns="91425">
+              <a:noAutofit/>
+            </a:bodyPr>
+            <a:lstStyle/>
+            <a:p>
+              <a:pPr indent="0" lvl="0" marL="0" rtl="0" algn="l">
+                <a:spcBef>
+                  <a:spcPts val="0"/>
+                </a:spcBef>
+                <a:spcAft>
+                  <a:spcPts val="0"/>
+                </a:spcAft>
+                <a:buNone/>
+              </a:pPr>
+              <a:r>
+                <a:t/>
+              </a:r>
+              <a:endParaRPr/>
+            </a:p>
+          </p:txBody>
+        </p:sp>
+        <p:sp>
+          <p:nvSpPr>
+            <p:cNvPr id="42" name="Google Shape;42;p3"/>
+            <p:cNvSpPr/>
+            <p:nvPr/>
+          </p:nvSpPr>
+          <p:spPr>
+            <a:xfrm>
+              <a:off x="6917201" y="0"/>
+              <a:ext cx="1503300" cy="863400"/>
+            </a:xfrm>
+            <a:prstGeom prst="parallelogram">
+              <a:avLst>
+                <a:gd fmla="val 158024" name="adj"/>
+              </a:avLst>
+            </a:prstGeom>
+            <a:solidFill>
+              <a:schemeClr val="accent3"/>
+            </a:solidFill>
+            <a:ln>
+              <a:noFill/>
+            </a:ln>
+          </p:spPr>
+          <p:txBody>
+            <a:bodyPr anchorCtr="0" anchor="ctr" bIns="91425" lIns="91425" spcFirstLastPara="1" rIns="91425" wrap="square" tIns="91425">
+              <a:noAutofit/>
+            </a:bodyPr>
+            <a:lstStyle/>
+            <a:p>
+              <a:pPr indent="0" lvl="0" marL="0" rtl="0" algn="l">
+                <a:spcBef>
+                  <a:spcPts val="0"/>
+                </a:spcBef>
+                <a:spcAft>
+                  <a:spcPts val="0"/>
+                </a:spcAft>
+                <a:buNone/>
+              </a:pPr>
+              <a:r>
+                <a:t/>
+              </a:r>
+              <a:endParaRPr/>
+            </a:p>
+          </p:txBody>
+        </p:sp>
+      </p:grpSp>
+      <p:grpSp>
+        <p:nvGrpSpPr>
+          <p:cNvPr id="43" name="Google Shape;43;p3"/>
+          <p:cNvGrpSpPr/>
+          <p:nvPr/>
+        </p:nvGrpSpPr>
+        <p:grpSpPr>
+          <a:xfrm>
+            <a:off x="199149" y="2"/>
+            <a:ext cx="2795414" cy="1083308"/>
+            <a:chOff x="6917201" y="0"/>
+            <a:chExt cx="2227777" cy="863400"/>
+          </a:xfrm>
+        </p:grpSpPr>
+        <p:sp>
+          <p:nvSpPr>
+            <p:cNvPr id="44" name="Google Shape;44;p3"/>
+            <p:cNvSpPr/>
+            <p:nvPr/>
+          </p:nvSpPr>
+          <p:spPr>
+            <a:xfrm>
+              <a:off x="7641677" y="0"/>
+              <a:ext cx="1503300" cy="863400"/>
+            </a:xfrm>
+            <a:prstGeom prst="parallelogram">
+              <a:avLst>
+                <a:gd fmla="val 158024" name="adj"/>
+              </a:avLst>
+            </a:prstGeom>
+            <a:solidFill>
+              <a:schemeClr val="dk2"/>
+            </a:solidFill>
+            <a:ln>
+              <a:noFill/>
+            </a:ln>
+          </p:spPr>
+          <p:txBody>
+            <a:bodyPr anchorCtr="0" anchor="ctr" bIns="91425" lIns="91425" spcFirstLastPara="1" rIns="91425" wrap="square" tIns="91425">
+              <a:noAutofit/>
+            </a:bodyPr>
+            <a:lstStyle/>
+            <a:p>
+              <a:pPr indent="0" lvl="0" marL="0" rtl="0" algn="l">
+                <a:spcBef>
+                  <a:spcPts val="0"/>
+                </a:spcBef>
+                <a:spcAft>
+                  <a:spcPts val="0"/>
+                </a:spcAft>
+                <a:buNone/>
+              </a:pPr>
+              <a:r>
+                <a:t/>
+              </a:r>
+              <a:endParaRPr/>
+            </a:p>
+          </p:txBody>
+        </p:sp>
+        <p:sp>
+          <p:nvSpPr>
+            <p:cNvPr id="45" name="Google Shape;45;p3"/>
+            <p:cNvSpPr/>
+            <p:nvPr/>
+          </p:nvSpPr>
+          <p:spPr>
+            <a:xfrm>
+              <a:off x="7279439" y="0"/>
+              <a:ext cx="1503300" cy="863400"/>
+            </a:xfrm>
+            <a:prstGeom prst="parallelogram">
+              <a:avLst>
+                <a:gd fmla="val 158024" name="adj"/>
+              </a:avLst>
+            </a:prstGeom>
+            <a:solidFill>
+              <a:schemeClr val="dk2"/>
+            </a:solidFill>
+            <a:ln>
+              <a:noFill/>
+            </a:ln>
+          </p:spPr>
+          <p:txBody>
+            <a:bodyPr anchorCtr="0" anchor="ctr" bIns="91425" lIns="91425" spcFirstLastPara="1" rIns="91425" wrap="square" tIns="91425">
+              <a:noAutofit/>
+            </a:bodyPr>
+            <a:lstStyle/>
+            <a:p>
+              <a:pPr indent="0" lvl="0" marL="0" rtl="0" algn="l">
+                <a:spcBef>
+                  <a:spcPts val="0"/>
+                </a:spcBef>
+                <a:spcAft>
+                  <a:spcPts val="0"/>
+                </a:spcAft>
+                <a:buNone/>
+              </a:pPr>
+              <a:r>
+                <a:t/>
+              </a:r>
+              <a:endParaRPr/>
+            </a:p>
+          </p:txBody>
+        </p:sp>
+        <p:sp>
+          <p:nvSpPr>
+            <p:cNvPr id="46" name="Google Shape;46;p3"/>
+            <p:cNvSpPr/>
+            <p:nvPr/>
+          </p:nvSpPr>
+          <p:spPr>
+            <a:xfrm>
+              <a:off x="6917201" y="0"/>
+              <a:ext cx="1503300" cy="863400"/>
+            </a:xfrm>
+            <a:prstGeom prst="parallelogram">
+              <a:avLst>
+                <a:gd fmla="val 158024" name="adj"/>
+              </a:avLst>
+            </a:prstGeom>
+            <a:solidFill>
+              <a:schemeClr val="dk2"/>
+            </a:solidFill>
+            <a:ln>
+              <a:noFill/>
+            </a:ln>
+          </p:spPr>
+          <p:txBody>
+            <a:bodyPr anchorCtr="0" anchor="ctr" bIns="91425" lIns="91425" spcFirstLastPara="1" rIns="91425" wrap="square" tIns="91425">
+              <a:noAutofit/>
+            </a:bodyPr>
+            <a:lstStyle/>
+            <a:p>
+              <a:pPr indent="0" lvl="0" marL="0" rtl="0" algn="l">
+                <a:spcBef>
+                  <a:spcPts val="0"/>
+                </a:spcBef>
+                <a:spcAft>
+                  <a:spcPts val="0"/>
+                </a:spcAft>
+                <a:buNone/>
+              </a:pPr>
+              <a:r>
+                <a:t/>
+              </a:r>
+              <a:endParaRPr/>
+            </a:p>
+          </p:txBody>
+        </p:sp>
+      </p:grpSp>
+      <p:sp>
+        <p:nvSpPr>
+          <p:cNvPr id="47" name="Google Shape;47;p3"/>
           <p:cNvSpPr txBox="1"/>
           <p:nvPr>
             <p:ph type="title"/>
@@ -2149,8 +3969,8 @@
         </p:nvSpPr>
         <p:spPr>
           <a:xfrm>
-            <a:off x="311700" y="2150850"/>
-            <a:ext cx="8520600" cy="841800"/>
+            <a:off x="1888684" y="1746100"/>
+            <a:ext cx="5377500" cy="1646100"/>
           </a:xfrm>
           <a:prstGeom prst="rect">
             <a:avLst/>
@@ -2168,9 +3988,16 @@
               <a:spcAft>
                 <a:spcPts val="0"/>
               </a:spcAft>
-              <a:buSzPts val="3600"/>
-              <a:buNone/>
-              <a:defRPr sz="3600"/>
+              <a:buClr>
+                <a:schemeClr val="dk2"/>
+              </a:buClr>
+              <a:buSzPts val="3200"/>
+              <a:buNone/>
+              <a:defRPr sz="3200">
+                <a:solidFill>
+                  <a:schemeClr val="dk2"/>
+                </a:solidFill>
+              </a:defRPr>
             </a:lvl1pPr>
             <a:lvl2pPr lvl="1" algn="ctr">
               <a:spcBef>
@@ -2179,9 +4006,16 @@
               <a:spcAft>
                 <a:spcPts val="0"/>
               </a:spcAft>
-              <a:buSzPts val="3600"/>
-              <a:buNone/>
-              <a:defRPr sz="3600"/>
+              <a:buClr>
+                <a:schemeClr val="dk2"/>
+              </a:buClr>
+              <a:buSzPts val="3200"/>
+              <a:buNone/>
+              <a:defRPr sz="3200">
+                <a:solidFill>
+                  <a:schemeClr val="dk2"/>
+                </a:solidFill>
+              </a:defRPr>
             </a:lvl2pPr>
             <a:lvl3pPr lvl="2" algn="ctr">
               <a:spcBef>
@@ -2190,9 +4024,16 @@
               <a:spcAft>
                 <a:spcPts val="0"/>
               </a:spcAft>
-              <a:buSzPts val="3600"/>
-              <a:buNone/>
-              <a:defRPr sz="3600"/>
+              <a:buClr>
+                <a:schemeClr val="dk2"/>
+              </a:buClr>
+              <a:buSzPts val="3200"/>
+              <a:buNone/>
+              <a:defRPr sz="3200">
+                <a:solidFill>
+                  <a:schemeClr val="dk2"/>
+                </a:solidFill>
+              </a:defRPr>
             </a:lvl3pPr>
             <a:lvl4pPr lvl="3" algn="ctr">
               <a:spcBef>
@@ -2201,9 +4042,16 @@
               <a:spcAft>
                 <a:spcPts val="0"/>
               </a:spcAft>
-              <a:buSzPts val="3600"/>
-              <a:buNone/>
-              <a:defRPr sz="3600"/>
+              <a:buClr>
+                <a:schemeClr val="dk2"/>
+              </a:buClr>
+              <a:buSzPts val="3200"/>
+              <a:buNone/>
+              <a:defRPr sz="3200">
+                <a:solidFill>
+                  <a:schemeClr val="dk2"/>
+                </a:solidFill>
+              </a:defRPr>
             </a:lvl4pPr>
             <a:lvl5pPr lvl="4" algn="ctr">
               <a:spcBef>
@@ -2212,9 +4060,16 @@
               <a:spcAft>
                 <a:spcPts val="0"/>
               </a:spcAft>
-              <a:buSzPts val="3600"/>
-              <a:buNone/>
-              <a:defRPr sz="3600"/>
+              <a:buClr>
+                <a:schemeClr val="dk2"/>
+              </a:buClr>
+              <a:buSzPts val="3200"/>
+              <a:buNone/>
+              <a:defRPr sz="3200">
+                <a:solidFill>
+                  <a:schemeClr val="dk2"/>
+                </a:solidFill>
+              </a:defRPr>
             </a:lvl5pPr>
             <a:lvl6pPr lvl="5" algn="ctr">
               <a:spcBef>
@@ -2223,9 +4078,16 @@
               <a:spcAft>
                 <a:spcPts val="0"/>
               </a:spcAft>
-              <a:buSzPts val="3600"/>
-              <a:buNone/>
-              <a:defRPr sz="3600"/>
+              <a:buClr>
+                <a:schemeClr val="dk2"/>
+              </a:buClr>
+              <a:buSzPts val="3200"/>
+              <a:buNone/>
+              <a:defRPr sz="3200">
+                <a:solidFill>
+                  <a:schemeClr val="dk2"/>
+                </a:solidFill>
+              </a:defRPr>
             </a:lvl6pPr>
             <a:lvl7pPr lvl="6" algn="ctr">
               <a:spcBef>
@@ -2234,9 +4096,16 @@
               <a:spcAft>
                 <a:spcPts val="0"/>
               </a:spcAft>
-              <a:buSzPts val="3600"/>
-              <a:buNone/>
-              <a:defRPr sz="3600"/>
+              <a:buClr>
+                <a:schemeClr val="dk2"/>
+              </a:buClr>
+              <a:buSzPts val="3200"/>
+              <a:buNone/>
+              <a:defRPr sz="3200">
+                <a:solidFill>
+                  <a:schemeClr val="dk2"/>
+                </a:solidFill>
+              </a:defRPr>
             </a:lvl7pPr>
             <a:lvl8pPr lvl="7" algn="ctr">
               <a:spcBef>
@@ -2245,9 +4114,16 @@
               <a:spcAft>
                 <a:spcPts val="0"/>
               </a:spcAft>
-              <a:buSzPts val="3600"/>
-              <a:buNone/>
-              <a:defRPr sz="3600"/>
+              <a:buClr>
+                <a:schemeClr val="dk2"/>
+              </a:buClr>
+              <a:buSzPts val="3200"/>
+              <a:buNone/>
+              <a:defRPr sz="3200">
+                <a:solidFill>
+                  <a:schemeClr val="dk2"/>
+                </a:solidFill>
+              </a:defRPr>
             </a:lvl8pPr>
             <a:lvl9pPr lvl="8" algn="ctr">
               <a:spcBef>
@@ -2256,9 +4132,16 @@
               <a:spcAft>
                 <a:spcPts val="0"/>
               </a:spcAft>
-              <a:buSzPts val="3600"/>
-              <a:buNone/>
-              <a:defRPr sz="3600"/>
+              <a:buClr>
+                <a:schemeClr val="dk2"/>
+              </a:buClr>
+              <a:buSzPts val="3200"/>
+              <a:buNone/>
+              <a:defRPr sz="3200">
+                <a:solidFill>
+                  <a:schemeClr val="dk2"/>
+                </a:solidFill>
+              </a:defRPr>
             </a:lvl9pPr>
           </a:lstStyle>
           <a:p/>
@@ -2266,7 +4149,7 @@
       </p:sp>
       <p:sp>
         <p:nvSpPr>
-          <p:cNvPr id="15" name="Google Shape;15;p3"/>
+          <p:cNvPr id="48" name="Google Shape;48;p3"/>
           <p:cNvSpPr txBox="1"/>
           <p:nvPr>
             <p:ph idx="12" type="sldNum"/>
@@ -2274,7 +4157,7 @@
         </p:nvSpPr>
         <p:spPr>
           <a:xfrm>
-            <a:off x="8472458" y="4663217"/>
+            <a:off x="8390734" y="4543668"/>
             <a:ext cx="548700" cy="393600"/>
           </a:xfrm>
           <a:prstGeom prst="rect">
@@ -2354,7 +4237,7 @@
   <p:cSld name="TITLE_AND_BODY">
     <p:spTree>
       <p:nvGrpSpPr>
-        <p:cNvPr id="16" name="Shape 16"/>
+        <p:cNvPr id="49" name="Shape 49"/>
         <p:cNvGrpSpPr/>
         <p:nvPr/>
       </p:nvGrpSpPr>
@@ -2368,7 +4251,143 @@
       </p:grpSpPr>
       <p:sp>
         <p:nvSpPr>
-          <p:cNvPr id="17" name="Google Shape;17;p4"/>
+          <p:cNvPr id="50" name="Google Shape;50;p4"/>
+          <p:cNvSpPr/>
+          <p:nvPr/>
+        </p:nvSpPr>
+        <p:spPr>
+          <a:xfrm flipH="1">
+            <a:off x="3582600" y="1550700"/>
+            <a:ext cx="5561400" cy="3592800"/>
+          </a:xfrm>
+          <a:prstGeom prst="rtTriangle">
+            <a:avLst/>
+          </a:prstGeom>
+          <a:solidFill>
+            <a:schemeClr val="lt2"/>
+          </a:solidFill>
+          <a:ln>
+            <a:noFill/>
+          </a:ln>
+        </p:spPr>
+        <p:txBody>
+          <a:bodyPr anchorCtr="0" anchor="ctr" bIns="91425" lIns="91425" spcFirstLastPara="1" rIns="91425" wrap="square" tIns="91425">
+            <a:noAutofit/>
+          </a:bodyPr>
+          <a:lstStyle/>
+          <a:p>
+            <a:pPr indent="0" lvl="0" marL="0" rtl="0" algn="l">
+              <a:spcBef>
+                <a:spcPts val="0"/>
+              </a:spcBef>
+              <a:spcAft>
+                <a:spcPts val="0"/>
+              </a:spcAft>
+              <a:buNone/>
+            </a:pPr>
+            <a:r>
+              <a:t/>
+            </a:r>
+            <a:endParaRPr/>
+          </a:p>
+        </p:txBody>
+      </p:sp>
+      <p:sp>
+        <p:nvSpPr>
+          <p:cNvPr id="51" name="Google Shape;51;p4"/>
+          <p:cNvSpPr/>
+          <p:nvPr/>
+        </p:nvSpPr>
+        <p:spPr>
+          <a:xfrm>
+            <a:off x="31" y="2824500"/>
+            <a:ext cx="7370400" cy="2319000"/>
+          </a:xfrm>
+          <a:prstGeom prst="rtTriangle">
+            <a:avLst/>
+          </a:prstGeom>
+          <a:solidFill>
+            <a:schemeClr val="accent3"/>
+          </a:solidFill>
+          <a:ln>
+            <a:noFill/>
+          </a:ln>
+        </p:spPr>
+        <p:txBody>
+          <a:bodyPr anchorCtr="0" anchor="ctr" bIns="91425" lIns="91425" spcFirstLastPara="1" rIns="91425" wrap="square" tIns="91425">
+            <a:noAutofit/>
+          </a:bodyPr>
+          <a:lstStyle/>
+          <a:p>
+            <a:pPr indent="0" lvl="0" marL="0" rtl="0" algn="l">
+              <a:spcBef>
+                <a:spcPts val="0"/>
+              </a:spcBef>
+              <a:spcAft>
+                <a:spcPts val="0"/>
+              </a:spcAft>
+              <a:buNone/>
+            </a:pPr>
+            <a:r>
+              <a:t/>
+            </a:r>
+            <a:endParaRPr/>
+          </a:p>
+        </p:txBody>
+      </p:sp>
+      <p:sp>
+        <p:nvSpPr>
+          <p:cNvPr id="52" name="Google Shape;52;p4"/>
+          <p:cNvSpPr/>
+          <p:nvPr/>
+        </p:nvSpPr>
+        <p:spPr>
+          <a:xfrm>
+            <a:off x="203225" y="206250"/>
+            <a:ext cx="8737500" cy="4731000"/>
+          </a:xfrm>
+          <a:prstGeom prst="rect">
+            <a:avLst/>
+          </a:prstGeom>
+          <a:solidFill>
+            <a:schemeClr val="dk1"/>
+          </a:solidFill>
+          <a:ln>
+            <a:noFill/>
+          </a:ln>
+          <a:effectLst>
+            <a:outerShdw blurRad="228600" sx="101000" rotWithShape="0" algn="ctr" sy="101000">
+              <a:srgbClr val="000000">
+                <a:alpha val="40000"/>
+              </a:srgbClr>
+            </a:outerShdw>
+          </a:effectLst>
+        </p:spPr>
+        <p:txBody>
+          <a:bodyPr anchorCtr="0" anchor="ctr" bIns="91425" lIns="91425" spcFirstLastPara="1" rIns="91425" wrap="square" tIns="91425">
+            <a:noAutofit/>
+          </a:bodyPr>
+          <a:lstStyle/>
+          <a:p>
+            <a:pPr indent="0" lvl="0" marL="0" rtl="0" algn="l">
+              <a:spcBef>
+                <a:spcPts val="0"/>
+              </a:spcBef>
+              <a:spcAft>
+                <a:spcPts val="0"/>
+              </a:spcAft>
+              <a:buNone/>
+            </a:pPr>
+            <a:r>
+              <a:t/>
+            </a:r>
+            <a:endParaRPr/>
+          </a:p>
+        </p:txBody>
+      </p:sp>
+      <p:sp>
+        <p:nvSpPr>
+          <p:cNvPr id="53" name="Google Shape;53;p4"/>
           <p:cNvSpPr txBox="1"/>
           <p:nvPr>
             <p:ph type="title"/>
@@ -2376,8 +4395,8 @@
         </p:nvSpPr>
         <p:spPr>
           <a:xfrm>
-            <a:off x="311700" y="445025"/>
-            <a:ext cx="8520600" cy="572700"/>
+            <a:off x="819150" y="845600"/>
+            <a:ext cx="7505700" cy="954600"/>
           </a:xfrm>
           <a:prstGeom prst="rect">
             <a:avLst/>
@@ -2395,9 +4414,9 @@
               <a:spcAft>
                 <a:spcPts val="0"/>
               </a:spcAft>
-              <a:buSzPts val="2800"/>
-              <a:buNone/>
-              <a:defRPr/>
+              <a:buSzPts val="3000"/>
+              <a:buNone/>
+              <a:defRPr sz="3000"/>
             </a:lvl1pPr>
             <a:lvl2pPr lvl="1">
               <a:spcBef>
@@ -2406,9 +4425,9 @@
               <a:spcAft>
                 <a:spcPts val="0"/>
               </a:spcAft>
-              <a:buSzPts val="2800"/>
-              <a:buNone/>
-              <a:defRPr/>
+              <a:buSzPts val="3000"/>
+              <a:buNone/>
+              <a:defRPr sz="3000"/>
             </a:lvl2pPr>
             <a:lvl3pPr lvl="2">
               <a:spcBef>
@@ -2417,9 +4436,9 @@
               <a:spcAft>
                 <a:spcPts val="0"/>
               </a:spcAft>
-              <a:buSzPts val="2800"/>
-              <a:buNone/>
-              <a:defRPr/>
+              <a:buSzPts val="3000"/>
+              <a:buNone/>
+              <a:defRPr sz="3000"/>
             </a:lvl3pPr>
             <a:lvl4pPr lvl="3">
               <a:spcBef>
@@ -2428,9 +4447,9 @@
               <a:spcAft>
                 <a:spcPts val="0"/>
               </a:spcAft>
-              <a:buSzPts val="2800"/>
-              <a:buNone/>
-              <a:defRPr/>
+              <a:buSzPts val="3000"/>
+              <a:buNone/>
+              <a:defRPr sz="3000"/>
             </a:lvl4pPr>
             <a:lvl5pPr lvl="4">
               <a:spcBef>
@@ -2439,9 +4458,9 @@
               <a:spcAft>
                 <a:spcPts val="0"/>
               </a:spcAft>
-              <a:buSzPts val="2800"/>
-              <a:buNone/>
-              <a:defRPr/>
+              <a:buSzPts val="3000"/>
+              <a:buNone/>
+              <a:defRPr sz="3000"/>
             </a:lvl5pPr>
             <a:lvl6pPr lvl="5">
               <a:spcBef>
@@ -2450,9 +4469,9 @@
               <a:spcAft>
                 <a:spcPts val="0"/>
               </a:spcAft>
-              <a:buSzPts val="2800"/>
-              <a:buNone/>
-              <a:defRPr/>
+              <a:buSzPts val="3000"/>
+              <a:buNone/>
+              <a:defRPr sz="3000"/>
             </a:lvl6pPr>
             <a:lvl7pPr lvl="6">
               <a:spcBef>
@@ -2461,9 +4480,9 @@
               <a:spcAft>
                 <a:spcPts val="0"/>
               </a:spcAft>
-              <a:buSzPts val="2800"/>
-              <a:buNone/>
-              <a:defRPr/>
+              <a:buSzPts val="3000"/>
+              <a:buNone/>
+              <a:defRPr sz="3000"/>
             </a:lvl7pPr>
             <a:lvl8pPr lvl="7">
               <a:spcBef>
@@ -2472,9 +4491,9 @@
               <a:spcAft>
                 <a:spcPts val="0"/>
               </a:spcAft>
-              <a:buSzPts val="2800"/>
-              <a:buNone/>
-              <a:defRPr/>
+              <a:buSzPts val="3000"/>
+              <a:buNone/>
+              <a:defRPr sz="3000"/>
             </a:lvl8pPr>
             <a:lvl9pPr lvl="8">
               <a:spcBef>
@@ -2483,9 +4502,9 @@
               <a:spcAft>
                 <a:spcPts val="0"/>
               </a:spcAft>
-              <a:buSzPts val="2800"/>
-              <a:buNone/>
-              <a:defRPr/>
+              <a:buSzPts val="3000"/>
+              <a:buNone/>
+              <a:defRPr sz="3000"/>
             </a:lvl9pPr>
           </a:lstStyle>
           <a:p/>
@@ -2493,7 +4512,7 @@
       </p:sp>
       <p:sp>
         <p:nvSpPr>
-          <p:cNvPr id="18" name="Google Shape;18;p4"/>
+          <p:cNvPr id="54" name="Google Shape;54;p4"/>
           <p:cNvSpPr txBox="1"/>
           <p:nvPr>
             <p:ph idx="1" type="body"/>
@@ -2501,8 +4520,8 @@
         </p:nvSpPr>
         <p:spPr>
           <a:xfrm>
-            <a:off x="311700" y="1152475"/>
-            <a:ext cx="8520600" cy="3416400"/>
+            <a:off x="819150" y="1990725"/>
+            <a:ext cx="7505700" cy="2448000"/>
           </a:xfrm>
           <a:prstGeom prst="rect">
             <a:avLst/>
@@ -2513,102 +4532,102 @@
             <a:normAutofit/>
           </a:bodyPr>
           <a:lstStyle>
-            <a:lvl1pPr indent="-342900" lvl="0" marL="457200">
-              <a:spcBef>
-                <a:spcPts val="0"/>
-              </a:spcBef>
-              <a:spcAft>
-                <a:spcPts val="0"/>
-              </a:spcAft>
-              <a:buSzPts val="1800"/>
+            <a:lvl1pPr indent="-311150" lvl="0" marL="457200">
+              <a:spcBef>
+                <a:spcPts val="0"/>
+              </a:spcBef>
+              <a:spcAft>
+                <a:spcPts val="0"/>
+              </a:spcAft>
+              <a:buSzPts val="1300"/>
               <a:buChar char="●"/>
               <a:defRPr/>
             </a:lvl1pPr>
-            <a:lvl2pPr indent="-317500" lvl="1" marL="914400">
-              <a:spcBef>
-                <a:spcPts val="0"/>
-              </a:spcBef>
-              <a:spcAft>
-                <a:spcPts val="0"/>
-              </a:spcAft>
-              <a:buSzPts val="1400"/>
+            <a:lvl2pPr indent="-298450" lvl="1" marL="914400">
+              <a:spcBef>
+                <a:spcPts val="0"/>
+              </a:spcBef>
+              <a:spcAft>
+                <a:spcPts val="0"/>
+              </a:spcAft>
+              <a:buSzPts val="1100"/>
               <a:buChar char="○"/>
               <a:defRPr/>
             </a:lvl2pPr>
-            <a:lvl3pPr indent="-317500" lvl="2" marL="1371600">
-              <a:spcBef>
-                <a:spcPts val="0"/>
-              </a:spcBef>
-              <a:spcAft>
-                <a:spcPts val="0"/>
-              </a:spcAft>
-              <a:buSzPts val="1400"/>
+            <a:lvl3pPr indent="-298450" lvl="2" marL="1371600">
+              <a:spcBef>
+                <a:spcPts val="0"/>
+              </a:spcBef>
+              <a:spcAft>
+                <a:spcPts val="0"/>
+              </a:spcAft>
+              <a:buSzPts val="1100"/>
               <a:buChar char="■"/>
               <a:defRPr/>
             </a:lvl3pPr>
-            <a:lvl4pPr indent="-317500" lvl="3" marL="1828800">
-              <a:spcBef>
-                <a:spcPts val="0"/>
-              </a:spcBef>
-              <a:spcAft>
-                <a:spcPts val="0"/>
-              </a:spcAft>
-              <a:buSzPts val="1400"/>
+            <a:lvl4pPr indent="-298450" lvl="3" marL="1828800">
+              <a:spcBef>
+                <a:spcPts val="0"/>
+              </a:spcBef>
+              <a:spcAft>
+                <a:spcPts val="0"/>
+              </a:spcAft>
+              <a:buSzPts val="1100"/>
               <a:buChar char="●"/>
               <a:defRPr/>
             </a:lvl4pPr>
-            <a:lvl5pPr indent="-317500" lvl="4" marL="2286000">
-              <a:spcBef>
-                <a:spcPts val="0"/>
-              </a:spcBef>
-              <a:spcAft>
-                <a:spcPts val="0"/>
-              </a:spcAft>
-              <a:buSzPts val="1400"/>
+            <a:lvl5pPr indent="-298450" lvl="4" marL="2286000">
+              <a:spcBef>
+                <a:spcPts val="0"/>
+              </a:spcBef>
+              <a:spcAft>
+                <a:spcPts val="0"/>
+              </a:spcAft>
+              <a:buSzPts val="1100"/>
               <a:buChar char="○"/>
               <a:defRPr/>
             </a:lvl5pPr>
-            <a:lvl6pPr indent="-317500" lvl="5" marL="2743200">
-              <a:spcBef>
-                <a:spcPts val="0"/>
-              </a:spcBef>
-              <a:spcAft>
-                <a:spcPts val="0"/>
-              </a:spcAft>
-              <a:buSzPts val="1400"/>
+            <a:lvl6pPr indent="-298450" lvl="5" marL="2743200">
+              <a:spcBef>
+                <a:spcPts val="0"/>
+              </a:spcBef>
+              <a:spcAft>
+                <a:spcPts val="0"/>
+              </a:spcAft>
+              <a:buSzPts val="1100"/>
               <a:buChar char="■"/>
               <a:defRPr/>
             </a:lvl6pPr>
-            <a:lvl7pPr indent="-317500" lvl="6" marL="3200400">
-              <a:spcBef>
-                <a:spcPts val="0"/>
-              </a:spcBef>
-              <a:spcAft>
-                <a:spcPts val="0"/>
-              </a:spcAft>
-              <a:buSzPts val="1400"/>
+            <a:lvl7pPr indent="-298450" lvl="6" marL="3200400">
+              <a:spcBef>
+                <a:spcPts val="0"/>
+              </a:spcBef>
+              <a:spcAft>
+                <a:spcPts val="0"/>
+              </a:spcAft>
+              <a:buSzPts val="1100"/>
               <a:buChar char="●"/>
               <a:defRPr/>
             </a:lvl7pPr>
-            <a:lvl8pPr indent="-317500" lvl="7" marL="3657600">
-              <a:spcBef>
-                <a:spcPts val="0"/>
-              </a:spcBef>
-              <a:spcAft>
-                <a:spcPts val="0"/>
-              </a:spcAft>
-              <a:buSzPts val="1400"/>
+            <a:lvl8pPr indent="-298450" lvl="7" marL="3657600">
+              <a:spcBef>
+                <a:spcPts val="0"/>
+              </a:spcBef>
+              <a:spcAft>
+                <a:spcPts val="0"/>
+              </a:spcAft>
+              <a:buSzPts val="1100"/>
               <a:buChar char="○"/>
               <a:defRPr/>
             </a:lvl8pPr>
-            <a:lvl9pPr indent="-317500" lvl="8" marL="4114800">
-              <a:spcBef>
-                <a:spcPts val="0"/>
-              </a:spcBef>
-              <a:spcAft>
-                <a:spcPts val="0"/>
-              </a:spcAft>
-              <a:buSzPts val="1400"/>
+            <a:lvl9pPr indent="-298450" lvl="8" marL="4114800">
+              <a:spcBef>
+                <a:spcPts val="0"/>
+              </a:spcBef>
+              <a:spcAft>
+                <a:spcPts val="0"/>
+              </a:spcAft>
+              <a:buSzPts val="1100"/>
               <a:buChar char="■"/>
               <a:defRPr/>
             </a:lvl9pPr>
@@ -2618,7 +4637,7 @@
       </p:sp>
       <p:sp>
         <p:nvSpPr>
-          <p:cNvPr id="19" name="Google Shape;19;p4"/>
+          <p:cNvPr id="55" name="Google Shape;55;p4"/>
           <p:cNvSpPr txBox="1"/>
           <p:nvPr>
             <p:ph idx="12" type="sldNum"/>
@@ -2626,7 +4645,7 @@
         </p:nvSpPr>
         <p:spPr>
           <a:xfrm>
-            <a:off x="8472458" y="4663217"/>
+            <a:off x="8390734" y="4543668"/>
             <a:ext cx="548700" cy="393600"/>
           </a:xfrm>
           <a:prstGeom prst="rect">
@@ -2706,7 +4725,7 @@
   <p:cSld name="TITLE_AND_TWO_COLUMNS">
     <p:spTree>
       <p:nvGrpSpPr>
-        <p:cNvPr id="20" name="Shape 20"/>
+        <p:cNvPr id="56" name="Shape 56"/>
         <p:cNvGrpSpPr/>
         <p:nvPr/>
       </p:nvGrpSpPr>
@@ -2720,7 +4739,143 @@
       </p:grpSpPr>
       <p:sp>
         <p:nvSpPr>
-          <p:cNvPr id="21" name="Google Shape;21;p5"/>
+          <p:cNvPr id="57" name="Google Shape;57;p5"/>
+          <p:cNvSpPr/>
+          <p:nvPr/>
+        </p:nvSpPr>
+        <p:spPr>
+          <a:xfrm flipH="1">
+            <a:off x="3582600" y="1550700"/>
+            <a:ext cx="5561400" cy="3592800"/>
+          </a:xfrm>
+          <a:prstGeom prst="rtTriangle">
+            <a:avLst/>
+          </a:prstGeom>
+          <a:solidFill>
+            <a:schemeClr val="lt2"/>
+          </a:solidFill>
+          <a:ln>
+            <a:noFill/>
+          </a:ln>
+        </p:spPr>
+        <p:txBody>
+          <a:bodyPr anchorCtr="0" anchor="ctr" bIns="91425" lIns="91425" spcFirstLastPara="1" rIns="91425" wrap="square" tIns="91425">
+            <a:noAutofit/>
+          </a:bodyPr>
+          <a:lstStyle/>
+          <a:p>
+            <a:pPr indent="0" lvl="0" marL="0" rtl="0" algn="l">
+              <a:spcBef>
+                <a:spcPts val="0"/>
+              </a:spcBef>
+              <a:spcAft>
+                <a:spcPts val="0"/>
+              </a:spcAft>
+              <a:buNone/>
+            </a:pPr>
+            <a:r>
+              <a:t/>
+            </a:r>
+            <a:endParaRPr/>
+          </a:p>
+        </p:txBody>
+      </p:sp>
+      <p:sp>
+        <p:nvSpPr>
+          <p:cNvPr id="58" name="Google Shape;58;p5"/>
+          <p:cNvSpPr/>
+          <p:nvPr/>
+        </p:nvSpPr>
+        <p:spPr>
+          <a:xfrm>
+            <a:off x="31" y="2824500"/>
+            <a:ext cx="7370400" cy="2319000"/>
+          </a:xfrm>
+          <a:prstGeom prst="rtTriangle">
+            <a:avLst/>
+          </a:prstGeom>
+          <a:solidFill>
+            <a:schemeClr val="accent3"/>
+          </a:solidFill>
+          <a:ln>
+            <a:noFill/>
+          </a:ln>
+        </p:spPr>
+        <p:txBody>
+          <a:bodyPr anchorCtr="0" anchor="ctr" bIns="91425" lIns="91425" spcFirstLastPara="1" rIns="91425" wrap="square" tIns="91425">
+            <a:noAutofit/>
+          </a:bodyPr>
+          <a:lstStyle/>
+          <a:p>
+            <a:pPr indent="0" lvl="0" marL="0" rtl="0" algn="l">
+              <a:spcBef>
+                <a:spcPts val="0"/>
+              </a:spcBef>
+              <a:spcAft>
+                <a:spcPts val="0"/>
+              </a:spcAft>
+              <a:buNone/>
+            </a:pPr>
+            <a:r>
+              <a:t/>
+            </a:r>
+            <a:endParaRPr/>
+          </a:p>
+        </p:txBody>
+      </p:sp>
+      <p:sp>
+        <p:nvSpPr>
+          <p:cNvPr id="59" name="Google Shape;59;p5"/>
+          <p:cNvSpPr/>
+          <p:nvPr/>
+        </p:nvSpPr>
+        <p:spPr>
+          <a:xfrm>
+            <a:off x="203225" y="206250"/>
+            <a:ext cx="8737500" cy="4731000"/>
+          </a:xfrm>
+          <a:prstGeom prst="rect">
+            <a:avLst/>
+          </a:prstGeom>
+          <a:solidFill>
+            <a:schemeClr val="dk1"/>
+          </a:solidFill>
+          <a:ln>
+            <a:noFill/>
+          </a:ln>
+          <a:effectLst>
+            <a:outerShdw blurRad="228600" sx="101000" rotWithShape="0" algn="ctr" sy="101000">
+              <a:srgbClr val="000000">
+                <a:alpha val="40000"/>
+              </a:srgbClr>
+            </a:outerShdw>
+          </a:effectLst>
+        </p:spPr>
+        <p:txBody>
+          <a:bodyPr anchorCtr="0" anchor="ctr" bIns="91425" lIns="91425" spcFirstLastPara="1" rIns="91425" wrap="square" tIns="91425">
+            <a:noAutofit/>
+          </a:bodyPr>
+          <a:lstStyle/>
+          <a:p>
+            <a:pPr indent="0" lvl="0" marL="0" rtl="0" algn="l">
+              <a:spcBef>
+                <a:spcPts val="0"/>
+              </a:spcBef>
+              <a:spcAft>
+                <a:spcPts val="0"/>
+              </a:spcAft>
+              <a:buNone/>
+            </a:pPr>
+            <a:r>
+              <a:t/>
+            </a:r>
+            <a:endParaRPr/>
+          </a:p>
+        </p:txBody>
+      </p:sp>
+      <p:sp>
+        <p:nvSpPr>
+          <p:cNvPr id="60" name="Google Shape;60;p5"/>
           <p:cNvSpPr txBox="1"/>
           <p:nvPr>
             <p:ph type="title"/>
@@ -2728,8 +4883,8 @@
         </p:nvSpPr>
         <p:spPr>
           <a:xfrm>
-            <a:off x="311700" y="445025"/>
-            <a:ext cx="8520600" cy="572700"/>
+            <a:off x="819150" y="845600"/>
+            <a:ext cx="7505700" cy="954600"/>
           </a:xfrm>
           <a:prstGeom prst="rect">
             <a:avLst/>
@@ -2747,9 +4902,9 @@
               <a:spcAft>
                 <a:spcPts val="0"/>
               </a:spcAft>
-              <a:buSzPts val="2800"/>
-              <a:buNone/>
-              <a:defRPr/>
+              <a:buSzPts val="3000"/>
+              <a:buNone/>
+              <a:defRPr sz="3000"/>
             </a:lvl1pPr>
             <a:lvl2pPr lvl="1">
               <a:spcBef>
@@ -2758,9 +4913,9 @@
               <a:spcAft>
                 <a:spcPts val="0"/>
               </a:spcAft>
-              <a:buSzPts val="2800"/>
-              <a:buNone/>
-              <a:defRPr/>
+              <a:buSzPts val="3000"/>
+              <a:buNone/>
+              <a:defRPr sz="3000"/>
             </a:lvl2pPr>
             <a:lvl3pPr lvl="2">
               <a:spcBef>
@@ -2769,9 +4924,9 @@
               <a:spcAft>
                 <a:spcPts val="0"/>
               </a:spcAft>
-              <a:buSzPts val="2800"/>
-              <a:buNone/>
-              <a:defRPr/>
+              <a:buSzPts val="3000"/>
+              <a:buNone/>
+              <a:defRPr sz="3000"/>
             </a:lvl3pPr>
             <a:lvl4pPr lvl="3">
               <a:spcBef>
@@ -2780,9 +4935,9 @@
               <a:spcAft>
                 <a:spcPts val="0"/>
               </a:spcAft>
-              <a:buSzPts val="2800"/>
-              <a:buNone/>
-              <a:defRPr/>
+              <a:buSzPts val="3000"/>
+              <a:buNone/>
+              <a:defRPr sz="3000"/>
             </a:lvl4pPr>
             <a:lvl5pPr lvl="4">
               <a:spcBef>
@@ -2791,9 +4946,9 @@
               <a:spcAft>
                 <a:spcPts val="0"/>
               </a:spcAft>
-              <a:buSzPts val="2800"/>
-              <a:buNone/>
-              <a:defRPr/>
+              <a:buSzPts val="3000"/>
+              <a:buNone/>
+              <a:defRPr sz="3000"/>
             </a:lvl5pPr>
             <a:lvl6pPr lvl="5">
               <a:spcBef>
@@ -2802,9 +4957,9 @@
               <a:spcAft>
                 <a:spcPts val="0"/>
               </a:spcAft>
-              <a:buSzPts val="2800"/>
-              <a:buNone/>
-              <a:defRPr/>
+              <a:buSzPts val="3000"/>
+              <a:buNone/>
+              <a:defRPr sz="3000"/>
             </a:lvl6pPr>
             <a:lvl7pPr lvl="6">
               <a:spcBef>
@@ -2813,9 +4968,9 @@
               <a:spcAft>
                 <a:spcPts val="0"/>
               </a:spcAft>
-              <a:buSzPts val="2800"/>
-              <a:buNone/>
-              <a:defRPr/>
+              <a:buSzPts val="3000"/>
+              <a:buNone/>
+              <a:defRPr sz="3000"/>
             </a:lvl7pPr>
             <a:lvl8pPr lvl="7">
               <a:spcBef>
@@ -2824,9 +4979,9 @@
               <a:spcAft>
                 <a:spcPts val="0"/>
               </a:spcAft>
-              <a:buSzPts val="2800"/>
-              <a:buNone/>
-              <a:defRPr/>
+              <a:buSzPts val="3000"/>
+              <a:buNone/>
+              <a:defRPr sz="3000"/>
             </a:lvl8pPr>
             <a:lvl9pPr lvl="8">
               <a:spcBef>
@@ -2835,9 +4990,9 @@
               <a:spcAft>
                 <a:spcPts val="0"/>
               </a:spcAft>
-              <a:buSzPts val="2800"/>
-              <a:buNone/>
-              <a:defRPr/>
+              <a:buSzPts val="3000"/>
+              <a:buNone/>
+              <a:defRPr sz="3000"/>
             </a:lvl9pPr>
           </a:lstStyle>
           <a:p/>
@@ -2845,7 +5000,7 @@
       </p:sp>
       <p:sp>
         <p:nvSpPr>
-          <p:cNvPr id="22" name="Google Shape;22;p5"/>
+          <p:cNvPr id="61" name="Google Shape;61;p5"/>
           <p:cNvSpPr txBox="1"/>
           <p:nvPr>
             <p:ph idx="1" type="body"/>
@@ -2853,8 +5008,8 @@
         </p:nvSpPr>
         <p:spPr>
           <a:xfrm>
-            <a:off x="311700" y="1152475"/>
-            <a:ext cx="3999900" cy="3416400"/>
+            <a:off x="819150" y="1990725"/>
+            <a:ext cx="3686100" cy="2448000"/>
           </a:xfrm>
           <a:prstGeom prst="rect">
             <a:avLst/>
@@ -2865,104 +5020,104 @@
             <a:normAutofit/>
           </a:bodyPr>
           <a:lstStyle>
-            <a:lvl1pPr indent="-317500" lvl="0" marL="457200">
-              <a:spcBef>
-                <a:spcPts val="0"/>
-              </a:spcBef>
-              <a:spcAft>
-                <a:spcPts val="0"/>
-              </a:spcAft>
-              <a:buSzPts val="1400"/>
+            <a:lvl1pPr indent="-311150" lvl="0" marL="457200">
+              <a:spcBef>
+                <a:spcPts val="0"/>
+              </a:spcBef>
+              <a:spcAft>
+                <a:spcPts val="0"/>
+              </a:spcAft>
+              <a:buSzPts val="1300"/>
               <a:buChar char="●"/>
-              <a:defRPr sz="1400"/>
+              <a:defRPr/>
             </a:lvl1pPr>
-            <a:lvl2pPr indent="-304800" lvl="1" marL="914400">
-              <a:spcBef>
-                <a:spcPts val="0"/>
-              </a:spcBef>
-              <a:spcAft>
-                <a:spcPts val="0"/>
-              </a:spcAft>
-              <a:buSzPts val="1200"/>
+            <a:lvl2pPr indent="-298450" lvl="1" marL="914400">
+              <a:spcBef>
+                <a:spcPts val="0"/>
+              </a:spcBef>
+              <a:spcAft>
+                <a:spcPts val="0"/>
+              </a:spcAft>
+              <a:buSzPts val="1100"/>
               <a:buChar char="○"/>
-              <a:defRPr sz="1200"/>
+              <a:defRPr/>
             </a:lvl2pPr>
-            <a:lvl3pPr indent="-304800" lvl="2" marL="1371600">
-              <a:spcBef>
-                <a:spcPts val="0"/>
-              </a:spcBef>
-              <a:spcAft>
-                <a:spcPts val="0"/>
-              </a:spcAft>
-              <a:buSzPts val="1200"/>
+            <a:lvl3pPr indent="-298450" lvl="2" marL="1371600">
+              <a:spcBef>
+                <a:spcPts val="0"/>
+              </a:spcBef>
+              <a:spcAft>
+                <a:spcPts val="0"/>
+              </a:spcAft>
+              <a:buSzPts val="1100"/>
               <a:buChar char="■"/>
-              <a:defRPr sz="1200"/>
+              <a:defRPr/>
             </a:lvl3pPr>
-            <a:lvl4pPr indent="-304800" lvl="3" marL="1828800">
-              <a:spcBef>
-                <a:spcPts val="0"/>
-              </a:spcBef>
-              <a:spcAft>
-                <a:spcPts val="0"/>
-              </a:spcAft>
-              <a:buSzPts val="1200"/>
+            <a:lvl4pPr indent="-298450" lvl="3" marL="1828800">
+              <a:spcBef>
+                <a:spcPts val="0"/>
+              </a:spcBef>
+              <a:spcAft>
+                <a:spcPts val="0"/>
+              </a:spcAft>
+              <a:buSzPts val="1100"/>
               <a:buChar char="●"/>
-              <a:defRPr sz="1200"/>
+              <a:defRPr/>
             </a:lvl4pPr>
-            <a:lvl5pPr indent="-304800" lvl="4" marL="2286000">
-              <a:spcBef>
-                <a:spcPts val="0"/>
-              </a:spcBef>
-              <a:spcAft>
-                <a:spcPts val="0"/>
-              </a:spcAft>
-              <a:buSzPts val="1200"/>
+            <a:lvl5pPr indent="-298450" lvl="4" marL="2286000">
+              <a:spcBef>
+                <a:spcPts val="0"/>
+              </a:spcBef>
+              <a:spcAft>
+                <a:spcPts val="0"/>
+              </a:spcAft>
+              <a:buSzPts val="1100"/>
               <a:buChar char="○"/>
-              <a:defRPr sz="1200"/>
+              <a:defRPr/>
             </a:lvl5pPr>
-            <a:lvl6pPr indent="-304800" lvl="5" marL="2743200">
-              <a:spcBef>
-                <a:spcPts val="0"/>
-              </a:spcBef>
-              <a:spcAft>
-                <a:spcPts val="0"/>
-              </a:spcAft>
-              <a:buSzPts val="1200"/>
+            <a:lvl6pPr indent="-298450" lvl="5" marL="2743200">
+              <a:spcBef>
+                <a:spcPts val="0"/>
+              </a:spcBef>
+              <a:spcAft>
+                <a:spcPts val="0"/>
+              </a:spcAft>
+              <a:buSzPts val="1100"/>
               <a:buChar char="■"/>
-              <a:defRPr sz="1200"/>
+              <a:defRPr/>
             </a:lvl6pPr>
-            <a:lvl7pPr indent="-304800" lvl="6" marL="3200400">
-              <a:spcBef>
-                <a:spcPts val="0"/>
-              </a:spcBef>
-              <a:spcAft>
-                <a:spcPts val="0"/>
-              </a:spcAft>
-              <a:buSzPts val="1200"/>
+            <a:lvl7pPr indent="-298450" lvl="6" marL="3200400">
+              <a:spcBef>
+                <a:spcPts val="0"/>
+              </a:spcBef>
+              <a:spcAft>
+                <a:spcPts val="0"/>
+              </a:spcAft>
+              <a:buSzPts val="1100"/>
               <a:buChar char="●"/>
-              <a:defRPr sz="1200"/>
+              <a:defRPr/>
             </a:lvl7pPr>
-            <a:lvl8pPr indent="-304800" lvl="7" marL="3657600">
-              <a:spcBef>
-                <a:spcPts val="0"/>
-              </a:spcBef>
-              <a:spcAft>
-                <a:spcPts val="0"/>
-              </a:spcAft>
-              <a:buSzPts val="1200"/>
+            <a:lvl8pPr indent="-298450" lvl="7" marL="3657600">
+              <a:spcBef>
+                <a:spcPts val="0"/>
+              </a:spcBef>
+              <a:spcAft>
+                <a:spcPts val="0"/>
+              </a:spcAft>
+              <a:buSzPts val="1100"/>
               <a:buChar char="○"/>
-              <a:defRPr sz="1200"/>
+              <a:defRPr/>
             </a:lvl8pPr>
-            <a:lvl9pPr indent="-304800" lvl="8" marL="4114800">
-              <a:spcBef>
-                <a:spcPts val="0"/>
-              </a:spcBef>
-              <a:spcAft>
-                <a:spcPts val="0"/>
-              </a:spcAft>
-              <a:buSzPts val="1200"/>
+            <a:lvl9pPr indent="-298450" lvl="8" marL="4114800">
+              <a:spcBef>
+                <a:spcPts val="0"/>
+              </a:spcBef>
+              <a:spcAft>
+                <a:spcPts val="0"/>
+              </a:spcAft>
+              <a:buSzPts val="1100"/>
               <a:buChar char="■"/>
-              <a:defRPr sz="1200"/>
+              <a:defRPr/>
             </a:lvl9pPr>
           </a:lstStyle>
           <a:p/>
@@ -2970,7 +5125,7 @@
       </p:sp>
       <p:sp>
         <p:nvSpPr>
-          <p:cNvPr id="23" name="Google Shape;23;p5"/>
+          <p:cNvPr id="62" name="Google Shape;62;p5"/>
           <p:cNvSpPr txBox="1"/>
           <p:nvPr>
             <p:ph idx="2" type="body"/>
@@ -2978,8 +5133,8 @@
         </p:nvSpPr>
         <p:spPr>
           <a:xfrm>
-            <a:off x="4832400" y="1152475"/>
-            <a:ext cx="3999900" cy="3416400"/>
+            <a:off x="4638675" y="1990725"/>
+            <a:ext cx="3686100" cy="2448000"/>
           </a:xfrm>
           <a:prstGeom prst="rect">
             <a:avLst/>
@@ -2990,104 +5145,104 @@
             <a:normAutofit/>
           </a:bodyPr>
           <a:lstStyle>
-            <a:lvl1pPr indent="-317500" lvl="0" marL="457200">
-              <a:spcBef>
-                <a:spcPts val="0"/>
-              </a:spcBef>
-              <a:spcAft>
-                <a:spcPts val="0"/>
-              </a:spcAft>
-              <a:buSzPts val="1400"/>
+            <a:lvl1pPr indent="-311150" lvl="0" marL="457200">
+              <a:spcBef>
+                <a:spcPts val="0"/>
+              </a:spcBef>
+              <a:spcAft>
+                <a:spcPts val="0"/>
+              </a:spcAft>
+              <a:buSzPts val="1300"/>
               <a:buChar char="●"/>
-              <a:defRPr sz="1400"/>
+              <a:defRPr/>
             </a:lvl1pPr>
-            <a:lvl2pPr indent="-304800" lvl="1" marL="914400">
-              <a:spcBef>
-                <a:spcPts val="0"/>
-              </a:spcBef>
-              <a:spcAft>
-                <a:spcPts val="0"/>
-              </a:spcAft>
-              <a:buSzPts val="1200"/>
+            <a:lvl2pPr indent="-298450" lvl="1" marL="914400">
+              <a:spcBef>
+                <a:spcPts val="0"/>
+              </a:spcBef>
+              <a:spcAft>
+                <a:spcPts val="0"/>
+              </a:spcAft>
+              <a:buSzPts val="1100"/>
               <a:buChar char="○"/>
-              <a:defRPr sz="1200"/>
+              <a:defRPr/>
             </a:lvl2pPr>
-            <a:lvl3pPr indent="-304800" lvl="2" marL="1371600">
-              <a:spcBef>
-                <a:spcPts val="0"/>
-              </a:spcBef>
-              <a:spcAft>
-                <a:spcPts val="0"/>
-              </a:spcAft>
-              <a:buSzPts val="1200"/>
+            <a:lvl3pPr indent="-298450" lvl="2" marL="1371600">
+              <a:spcBef>
+                <a:spcPts val="0"/>
+              </a:spcBef>
+              <a:spcAft>
+                <a:spcPts val="0"/>
+              </a:spcAft>
+              <a:buSzPts val="1100"/>
               <a:buChar char="■"/>
-              <a:defRPr sz="1200"/>
+              <a:defRPr/>
             </a:lvl3pPr>
-            <a:lvl4pPr indent="-304800" lvl="3" marL="1828800">
-              <a:spcBef>
-                <a:spcPts val="0"/>
-              </a:spcBef>
-              <a:spcAft>
-                <a:spcPts val="0"/>
-              </a:spcAft>
-              <a:buSzPts val="1200"/>
+            <a:lvl4pPr indent="-298450" lvl="3" marL="1828800">
+              <a:spcBef>
+                <a:spcPts val="0"/>
+              </a:spcBef>
+              <a:spcAft>
+                <a:spcPts val="0"/>
+              </a:spcAft>
+              <a:buSzPts val="1100"/>
               <a:buChar char="●"/>
-              <a:defRPr sz="1200"/>
+              <a:defRPr/>
             </a:lvl4pPr>
-            <a:lvl5pPr indent="-304800" lvl="4" marL="2286000">
-              <a:spcBef>
-                <a:spcPts val="0"/>
-              </a:spcBef>
-              <a:spcAft>
-                <a:spcPts val="0"/>
-              </a:spcAft>
-              <a:buSzPts val="1200"/>
+            <a:lvl5pPr indent="-298450" lvl="4" marL="2286000">
+              <a:spcBef>
+                <a:spcPts val="0"/>
+              </a:spcBef>
+              <a:spcAft>
+                <a:spcPts val="0"/>
+              </a:spcAft>
+              <a:buSzPts val="1100"/>
               <a:buChar char="○"/>
-              <a:defRPr sz="1200"/>
+              <a:defRPr/>
             </a:lvl5pPr>
-            <a:lvl6pPr indent="-304800" lvl="5" marL="2743200">
-              <a:spcBef>
-                <a:spcPts val="0"/>
-              </a:spcBef>
-              <a:spcAft>
-                <a:spcPts val="0"/>
-              </a:spcAft>
-              <a:buSzPts val="1200"/>
+            <a:lvl6pPr indent="-298450" lvl="5" marL="2743200">
+              <a:spcBef>
+                <a:spcPts val="0"/>
+              </a:spcBef>
+              <a:spcAft>
+                <a:spcPts val="0"/>
+              </a:spcAft>
+              <a:buSzPts val="1100"/>
               <a:buChar char="■"/>
-              <a:defRPr sz="1200"/>
+              <a:defRPr/>
             </a:lvl6pPr>
-            <a:lvl7pPr indent="-304800" lvl="6" marL="3200400">
-              <a:spcBef>
-                <a:spcPts val="0"/>
-              </a:spcBef>
-              <a:spcAft>
-                <a:spcPts val="0"/>
-              </a:spcAft>
-              <a:buSzPts val="1200"/>
+            <a:lvl7pPr indent="-298450" lvl="6" marL="3200400">
+              <a:spcBef>
+                <a:spcPts val="0"/>
+              </a:spcBef>
+              <a:spcAft>
+                <a:spcPts val="0"/>
+              </a:spcAft>
+              <a:buSzPts val="1100"/>
               <a:buChar char="●"/>
-              <a:defRPr sz="1200"/>
+              <a:defRPr/>
             </a:lvl7pPr>
-            <a:lvl8pPr indent="-304800" lvl="7" marL="3657600">
-              <a:spcBef>
-                <a:spcPts val="0"/>
-              </a:spcBef>
-              <a:spcAft>
-                <a:spcPts val="0"/>
-              </a:spcAft>
-              <a:buSzPts val="1200"/>
+            <a:lvl8pPr indent="-298450" lvl="7" marL="3657600">
+              <a:spcBef>
+                <a:spcPts val="0"/>
+              </a:spcBef>
+              <a:spcAft>
+                <a:spcPts val="0"/>
+              </a:spcAft>
+              <a:buSzPts val="1100"/>
               <a:buChar char="○"/>
-              <a:defRPr sz="1200"/>
+              <a:defRPr/>
             </a:lvl8pPr>
-            <a:lvl9pPr indent="-304800" lvl="8" marL="4114800">
-              <a:spcBef>
-                <a:spcPts val="0"/>
-              </a:spcBef>
-              <a:spcAft>
-                <a:spcPts val="0"/>
-              </a:spcAft>
-              <a:buSzPts val="1200"/>
+            <a:lvl9pPr indent="-298450" lvl="8" marL="4114800">
+              <a:spcBef>
+                <a:spcPts val="0"/>
+              </a:spcBef>
+              <a:spcAft>
+                <a:spcPts val="0"/>
+              </a:spcAft>
+              <a:buSzPts val="1100"/>
               <a:buChar char="■"/>
-              <a:defRPr sz="1200"/>
+              <a:defRPr/>
             </a:lvl9pPr>
           </a:lstStyle>
           <a:p/>
@@ -3095,7 +5250,7 @@
       </p:sp>
       <p:sp>
         <p:nvSpPr>
-          <p:cNvPr id="24" name="Google Shape;24;p5"/>
+          <p:cNvPr id="63" name="Google Shape;63;p5"/>
           <p:cNvSpPr txBox="1"/>
           <p:nvPr>
             <p:ph idx="12" type="sldNum"/>
@@ -3103,7 +5258,7 @@
         </p:nvSpPr>
         <p:spPr>
           <a:xfrm>
-            <a:off x="8472458" y="4663217"/>
+            <a:off x="8390734" y="4543668"/>
             <a:ext cx="548700" cy="393600"/>
           </a:xfrm>
           <a:prstGeom prst="rect">
@@ -3183,7 +5338,7 @@
   <p:cSld name="TITLE_ONLY">
     <p:spTree>
       <p:nvGrpSpPr>
-        <p:cNvPr id="25" name="Shape 25"/>
+        <p:cNvPr id="64" name="Shape 64"/>
         <p:cNvGrpSpPr/>
         <p:nvPr/>
       </p:nvGrpSpPr>
@@ -3197,7 +5352,143 @@
       </p:grpSpPr>
       <p:sp>
         <p:nvSpPr>
-          <p:cNvPr id="26" name="Google Shape;26;p6"/>
+          <p:cNvPr id="65" name="Google Shape;65;p6"/>
+          <p:cNvSpPr/>
+          <p:nvPr/>
+        </p:nvSpPr>
+        <p:spPr>
+          <a:xfrm flipH="1">
+            <a:off x="3582600" y="1550700"/>
+            <a:ext cx="5561400" cy="3592800"/>
+          </a:xfrm>
+          <a:prstGeom prst="rtTriangle">
+            <a:avLst/>
+          </a:prstGeom>
+          <a:solidFill>
+            <a:schemeClr val="lt2"/>
+          </a:solidFill>
+          <a:ln>
+            <a:noFill/>
+          </a:ln>
+        </p:spPr>
+        <p:txBody>
+          <a:bodyPr anchorCtr="0" anchor="ctr" bIns="91425" lIns="91425" spcFirstLastPara="1" rIns="91425" wrap="square" tIns="91425">
+            <a:noAutofit/>
+          </a:bodyPr>
+          <a:lstStyle/>
+          <a:p>
+            <a:pPr indent="0" lvl="0" marL="0" rtl="0" algn="l">
+              <a:spcBef>
+                <a:spcPts val="0"/>
+              </a:spcBef>
+              <a:spcAft>
+                <a:spcPts val="0"/>
+              </a:spcAft>
+              <a:buNone/>
+            </a:pPr>
+            <a:r>
+              <a:t/>
+            </a:r>
+            <a:endParaRPr/>
+          </a:p>
+        </p:txBody>
+      </p:sp>
+      <p:sp>
+        <p:nvSpPr>
+          <p:cNvPr id="66" name="Google Shape;66;p6"/>
+          <p:cNvSpPr/>
+          <p:nvPr/>
+        </p:nvSpPr>
+        <p:spPr>
+          <a:xfrm>
+            <a:off x="31" y="2824500"/>
+            <a:ext cx="7370400" cy="2319000"/>
+          </a:xfrm>
+          <a:prstGeom prst="rtTriangle">
+            <a:avLst/>
+          </a:prstGeom>
+          <a:solidFill>
+            <a:schemeClr val="accent3"/>
+          </a:solidFill>
+          <a:ln>
+            <a:noFill/>
+          </a:ln>
+        </p:spPr>
+        <p:txBody>
+          <a:bodyPr anchorCtr="0" anchor="ctr" bIns="91425" lIns="91425" spcFirstLastPara="1" rIns="91425" wrap="square" tIns="91425">
+            <a:noAutofit/>
+          </a:bodyPr>
+          <a:lstStyle/>
+          <a:p>
+            <a:pPr indent="0" lvl="0" marL="0" rtl="0" algn="l">
+              <a:spcBef>
+                <a:spcPts val="0"/>
+              </a:spcBef>
+              <a:spcAft>
+                <a:spcPts val="0"/>
+              </a:spcAft>
+              <a:buNone/>
+            </a:pPr>
+            <a:r>
+              <a:t/>
+            </a:r>
+            <a:endParaRPr/>
+          </a:p>
+        </p:txBody>
+      </p:sp>
+      <p:sp>
+        <p:nvSpPr>
+          <p:cNvPr id="67" name="Google Shape;67;p6"/>
+          <p:cNvSpPr/>
+          <p:nvPr/>
+        </p:nvSpPr>
+        <p:spPr>
+          <a:xfrm>
+            <a:off x="203225" y="206250"/>
+            <a:ext cx="8737500" cy="4731000"/>
+          </a:xfrm>
+          <a:prstGeom prst="rect">
+            <a:avLst/>
+          </a:prstGeom>
+          <a:solidFill>
+            <a:schemeClr val="dk1"/>
+          </a:solidFill>
+          <a:ln>
+            <a:noFill/>
+          </a:ln>
+          <a:effectLst>
+            <a:outerShdw blurRad="228600" sx="101000" rotWithShape="0" algn="ctr" sy="101000">
+              <a:srgbClr val="000000">
+                <a:alpha val="40000"/>
+              </a:srgbClr>
+            </a:outerShdw>
+          </a:effectLst>
+        </p:spPr>
+        <p:txBody>
+          <a:bodyPr anchorCtr="0" anchor="ctr" bIns="91425" lIns="91425" spcFirstLastPara="1" rIns="91425" wrap="square" tIns="91425">
+            <a:noAutofit/>
+          </a:bodyPr>
+          <a:lstStyle/>
+          <a:p>
+            <a:pPr indent="0" lvl="0" marL="0" rtl="0" algn="l">
+              <a:spcBef>
+                <a:spcPts val="0"/>
+              </a:spcBef>
+              <a:spcAft>
+                <a:spcPts val="0"/>
+              </a:spcAft>
+              <a:buNone/>
+            </a:pPr>
+            <a:r>
+              <a:t/>
+            </a:r>
+            <a:endParaRPr/>
+          </a:p>
+        </p:txBody>
+      </p:sp>
+      <p:sp>
+        <p:nvSpPr>
+          <p:cNvPr id="68" name="Google Shape;68;p6"/>
           <p:cNvSpPr txBox="1"/>
           <p:nvPr>
             <p:ph type="title"/>
@@ -3205,8 +5496,8 @@
         </p:nvSpPr>
         <p:spPr>
           <a:xfrm>
-            <a:off x="311700" y="445025"/>
-            <a:ext cx="8520600" cy="572700"/>
+            <a:off x="819150" y="845600"/>
+            <a:ext cx="7505700" cy="954600"/>
           </a:xfrm>
           <a:prstGeom prst="rect">
             <a:avLst/>
@@ -3224,9 +5515,9 @@
               <a:spcAft>
                 <a:spcPts val="0"/>
               </a:spcAft>
-              <a:buSzPts val="2800"/>
-              <a:buNone/>
-              <a:defRPr/>
+              <a:buSzPts val="3000"/>
+              <a:buNone/>
+              <a:defRPr sz="3000"/>
             </a:lvl1pPr>
             <a:lvl2pPr lvl="1">
               <a:spcBef>
@@ -3235,9 +5526,9 @@
               <a:spcAft>
                 <a:spcPts val="0"/>
               </a:spcAft>
-              <a:buSzPts val="2800"/>
-              <a:buNone/>
-              <a:defRPr/>
+              <a:buSzPts val="3000"/>
+              <a:buNone/>
+              <a:defRPr sz="3000"/>
             </a:lvl2pPr>
             <a:lvl3pPr lvl="2">
               <a:spcBef>
@@ -3246,9 +5537,9 @@
               <a:spcAft>
                 <a:spcPts val="0"/>
               </a:spcAft>
-              <a:buSzPts val="2800"/>
-              <a:buNone/>
-              <a:defRPr/>
+              <a:buSzPts val="3000"/>
+              <a:buNone/>
+              <a:defRPr sz="3000"/>
             </a:lvl3pPr>
             <a:lvl4pPr lvl="3">
               <a:spcBef>
@@ -3257,9 +5548,9 @@
               <a:spcAft>
                 <a:spcPts val="0"/>
               </a:spcAft>
-              <a:buSzPts val="2800"/>
-              <a:buNone/>
-              <a:defRPr/>
+              <a:buSzPts val="3000"/>
+              <a:buNone/>
+              <a:defRPr sz="3000"/>
             </a:lvl4pPr>
             <a:lvl5pPr lvl="4">
               <a:spcBef>
@@ -3268,9 +5559,9 @@
               <a:spcAft>
                 <a:spcPts val="0"/>
               </a:spcAft>
-              <a:buSzPts val="2800"/>
-              <a:buNone/>
-              <a:defRPr/>
+              <a:buSzPts val="3000"/>
+              <a:buNone/>
+              <a:defRPr sz="3000"/>
             </a:lvl5pPr>
             <a:lvl6pPr lvl="5">
               <a:spcBef>
@@ -3279,9 +5570,9 @@
               <a:spcAft>
                 <a:spcPts val="0"/>
               </a:spcAft>
-              <a:buSzPts val="2800"/>
-              <a:buNone/>
-              <a:defRPr/>
+              <a:buSzPts val="3000"/>
+              <a:buNone/>
+              <a:defRPr sz="3000"/>
             </a:lvl6pPr>
             <a:lvl7pPr lvl="6">
               <a:spcBef>
@@ -3290,9 +5581,9 @@
               <a:spcAft>
                 <a:spcPts val="0"/>
               </a:spcAft>
-              <a:buSzPts val="2800"/>
-              <a:buNone/>
-              <a:defRPr/>
+              <a:buSzPts val="3000"/>
+              <a:buNone/>
+              <a:defRPr sz="3000"/>
             </a:lvl7pPr>
             <a:lvl8pPr lvl="7">
               <a:spcBef>
@@ -3301,9 +5592,9 @@
               <a:spcAft>
                 <a:spcPts val="0"/>
               </a:spcAft>
-              <a:buSzPts val="2800"/>
-              <a:buNone/>
-              <a:defRPr/>
+              <a:buSzPts val="3000"/>
+              <a:buNone/>
+              <a:defRPr sz="3000"/>
             </a:lvl8pPr>
             <a:lvl9pPr lvl="8">
               <a:spcBef>
@@ -3312,9 +5603,9 @@
               <a:spcAft>
                 <a:spcPts val="0"/>
               </a:spcAft>
-              <a:buSzPts val="2800"/>
-              <a:buNone/>
-              <a:defRPr/>
+              <a:buSzPts val="3000"/>
+              <a:buNone/>
+              <a:defRPr sz="3000"/>
             </a:lvl9pPr>
           </a:lstStyle>
           <a:p/>
@@ -3322,7 +5613,7 @@
       </p:sp>
       <p:sp>
         <p:nvSpPr>
-          <p:cNvPr id="27" name="Google Shape;27;p6"/>
+          <p:cNvPr id="69" name="Google Shape;69;p6"/>
           <p:cNvSpPr txBox="1"/>
           <p:nvPr>
             <p:ph idx="12" type="sldNum"/>
@@ -3330,7 +5621,7 @@
         </p:nvSpPr>
         <p:spPr>
           <a:xfrm>
-            <a:off x="8472458" y="4663217"/>
+            <a:off x="8390734" y="4543668"/>
             <a:ext cx="548700" cy="393600"/>
           </a:xfrm>
           <a:prstGeom prst="rect">
@@ -3410,7 +5701,7 @@
   <p:cSld name="ONE_COLUMN_TEXT">
     <p:spTree>
       <p:nvGrpSpPr>
-        <p:cNvPr id="28" name="Shape 28"/>
+        <p:cNvPr id="70" name="Shape 70"/>
         <p:cNvGrpSpPr/>
         <p:nvPr/>
       </p:nvGrpSpPr>
@@ -3424,7 +5715,143 @@
       </p:grpSpPr>
       <p:sp>
         <p:nvSpPr>
-          <p:cNvPr id="29" name="Google Shape;29;p7"/>
+          <p:cNvPr id="71" name="Google Shape;71;p7"/>
+          <p:cNvSpPr/>
+          <p:nvPr/>
+        </p:nvSpPr>
+        <p:spPr>
+          <a:xfrm flipH="1">
+            <a:off x="3582600" y="1550700"/>
+            <a:ext cx="5561400" cy="3592800"/>
+          </a:xfrm>
+          <a:prstGeom prst="rtTriangle">
+            <a:avLst/>
+          </a:prstGeom>
+          <a:solidFill>
+            <a:schemeClr val="lt2"/>
+          </a:solidFill>
+          <a:ln>
+            <a:noFill/>
+          </a:ln>
+        </p:spPr>
+        <p:txBody>
+          <a:bodyPr anchorCtr="0" anchor="ctr" bIns="91425" lIns="91425" spcFirstLastPara="1" rIns="91425" wrap="square" tIns="91425">
+            <a:noAutofit/>
+          </a:bodyPr>
+          <a:lstStyle/>
+          <a:p>
+            <a:pPr indent="0" lvl="0" marL="0" rtl="0" algn="l">
+              <a:spcBef>
+                <a:spcPts val="0"/>
+              </a:spcBef>
+              <a:spcAft>
+                <a:spcPts val="0"/>
+              </a:spcAft>
+              <a:buNone/>
+            </a:pPr>
+            <a:r>
+              <a:t/>
+            </a:r>
+            <a:endParaRPr/>
+          </a:p>
+        </p:txBody>
+      </p:sp>
+      <p:sp>
+        <p:nvSpPr>
+          <p:cNvPr id="72" name="Google Shape;72;p7"/>
+          <p:cNvSpPr/>
+          <p:nvPr/>
+        </p:nvSpPr>
+        <p:spPr>
+          <a:xfrm>
+            <a:off x="31" y="2824500"/>
+            <a:ext cx="7370400" cy="2319000"/>
+          </a:xfrm>
+          <a:prstGeom prst="rtTriangle">
+            <a:avLst/>
+          </a:prstGeom>
+          <a:solidFill>
+            <a:schemeClr val="dk2"/>
+          </a:solidFill>
+          <a:ln>
+            <a:noFill/>
+          </a:ln>
+        </p:spPr>
+        <p:txBody>
+          <a:bodyPr anchorCtr="0" anchor="ctr" bIns="91425" lIns="91425" spcFirstLastPara="1" rIns="91425" wrap="square" tIns="91425">
+            <a:noAutofit/>
+          </a:bodyPr>
+          <a:lstStyle/>
+          <a:p>
+            <a:pPr indent="0" lvl="0" marL="0" rtl="0" algn="l">
+              <a:spcBef>
+                <a:spcPts val="0"/>
+              </a:spcBef>
+              <a:spcAft>
+                <a:spcPts val="0"/>
+              </a:spcAft>
+              <a:buNone/>
+            </a:pPr>
+            <a:r>
+              <a:t/>
+            </a:r>
+            <a:endParaRPr/>
+          </a:p>
+        </p:txBody>
+      </p:sp>
+      <p:sp>
+        <p:nvSpPr>
+          <p:cNvPr id="73" name="Google Shape;73;p7"/>
+          <p:cNvSpPr/>
+          <p:nvPr/>
+        </p:nvSpPr>
+        <p:spPr>
+          <a:xfrm>
+            <a:off x="203225" y="206250"/>
+            <a:ext cx="8737500" cy="4731000"/>
+          </a:xfrm>
+          <a:prstGeom prst="rect">
+            <a:avLst/>
+          </a:prstGeom>
+          <a:solidFill>
+            <a:schemeClr val="dk1"/>
+          </a:solidFill>
+          <a:ln>
+            <a:noFill/>
+          </a:ln>
+          <a:effectLst>
+            <a:outerShdw blurRad="228600" sx="101000" rotWithShape="0" algn="ctr" sy="101000">
+              <a:srgbClr val="000000">
+                <a:alpha val="40000"/>
+              </a:srgbClr>
+            </a:outerShdw>
+          </a:effectLst>
+        </p:spPr>
+        <p:txBody>
+          <a:bodyPr anchorCtr="0" anchor="ctr" bIns="91425" lIns="91425" spcFirstLastPara="1" rIns="91425" wrap="square" tIns="91425">
+            <a:noAutofit/>
+          </a:bodyPr>
+          <a:lstStyle/>
+          <a:p>
+            <a:pPr indent="0" lvl="0" marL="0" rtl="0" algn="l">
+              <a:spcBef>
+                <a:spcPts val="0"/>
+              </a:spcBef>
+              <a:spcAft>
+                <a:spcPts val="0"/>
+              </a:spcAft>
+              <a:buNone/>
+            </a:pPr>
+            <a:r>
+              <a:t/>
+            </a:r>
+            <a:endParaRPr/>
+          </a:p>
+        </p:txBody>
+      </p:sp>
+      <p:sp>
+        <p:nvSpPr>
+          <p:cNvPr id="74" name="Google Shape;74;p7"/>
           <p:cNvSpPr txBox="1"/>
           <p:nvPr>
             <p:ph type="title"/>
@@ -3432,133 +5859,8 @@
         </p:nvSpPr>
         <p:spPr>
           <a:xfrm>
-            <a:off x="311700" y="555600"/>
-            <a:ext cx="2808000" cy="755700"/>
-          </a:xfrm>
-          <a:prstGeom prst="rect">
-            <a:avLst/>
-          </a:prstGeom>
-        </p:spPr>
-        <p:txBody>
-          <a:bodyPr anchorCtr="0" anchor="b" bIns="91425" lIns="91425" spcFirstLastPara="1" rIns="91425" wrap="square" tIns="91425">
-            <a:normAutofit/>
-          </a:bodyPr>
-          <a:lstStyle>
-            <a:lvl1pPr lvl="0">
-              <a:spcBef>
-                <a:spcPts val="0"/>
-              </a:spcBef>
-              <a:spcAft>
-                <a:spcPts val="0"/>
-              </a:spcAft>
-              <a:buSzPts val="2400"/>
-              <a:buNone/>
-              <a:defRPr sz="2400"/>
-            </a:lvl1pPr>
-            <a:lvl2pPr lvl="1">
-              <a:spcBef>
-                <a:spcPts val="0"/>
-              </a:spcBef>
-              <a:spcAft>
-                <a:spcPts val="0"/>
-              </a:spcAft>
-              <a:buSzPts val="2400"/>
-              <a:buNone/>
-              <a:defRPr sz="2400"/>
-            </a:lvl2pPr>
-            <a:lvl3pPr lvl="2">
-              <a:spcBef>
-                <a:spcPts val="0"/>
-              </a:spcBef>
-              <a:spcAft>
-                <a:spcPts val="0"/>
-              </a:spcAft>
-              <a:buSzPts val="2400"/>
-              <a:buNone/>
-              <a:defRPr sz="2400"/>
-            </a:lvl3pPr>
-            <a:lvl4pPr lvl="3">
-              <a:spcBef>
-                <a:spcPts val="0"/>
-              </a:spcBef>
-              <a:spcAft>
-                <a:spcPts val="0"/>
-              </a:spcAft>
-              <a:buSzPts val="2400"/>
-              <a:buNone/>
-              <a:defRPr sz="2400"/>
-            </a:lvl4pPr>
-            <a:lvl5pPr lvl="4">
-              <a:spcBef>
-                <a:spcPts val="0"/>
-              </a:spcBef>
-              <a:spcAft>
-                <a:spcPts val="0"/>
-              </a:spcAft>
-              <a:buSzPts val="2400"/>
-              <a:buNone/>
-              <a:defRPr sz="2400"/>
-            </a:lvl5pPr>
-            <a:lvl6pPr lvl="5">
-              <a:spcBef>
-                <a:spcPts val="0"/>
-              </a:spcBef>
-              <a:spcAft>
-                <a:spcPts val="0"/>
-              </a:spcAft>
-              <a:buSzPts val="2400"/>
-              <a:buNone/>
-              <a:defRPr sz="2400"/>
-            </a:lvl6pPr>
-            <a:lvl7pPr lvl="6">
-              <a:spcBef>
-                <a:spcPts val="0"/>
-              </a:spcBef>
-              <a:spcAft>
-                <a:spcPts val="0"/>
-              </a:spcAft>
-              <a:buSzPts val="2400"/>
-              <a:buNone/>
-              <a:defRPr sz="2400"/>
-            </a:lvl7pPr>
-            <a:lvl8pPr lvl="7">
-              <a:spcBef>
-                <a:spcPts val="0"/>
-              </a:spcBef>
-              <a:spcAft>
-                <a:spcPts val="0"/>
-              </a:spcAft>
-              <a:buSzPts val="2400"/>
-              <a:buNone/>
-              <a:defRPr sz="2400"/>
-            </a:lvl8pPr>
-            <a:lvl9pPr lvl="8">
-              <a:spcBef>
-                <a:spcPts val="0"/>
-              </a:spcBef>
-              <a:spcAft>
-                <a:spcPts val="0"/>
-              </a:spcAft>
-              <a:buSzPts val="2400"/>
-              <a:buNone/>
-              <a:defRPr sz="2400"/>
-            </a:lvl9pPr>
-          </a:lstStyle>
-          <a:p/>
-        </p:txBody>
-      </p:sp>
-      <p:sp>
-        <p:nvSpPr>
-          <p:cNvPr id="30" name="Google Shape;30;p7"/>
-          <p:cNvSpPr txBox="1"/>
-          <p:nvPr>
-            <p:ph idx="1" type="body"/>
-          </p:nvPr>
-        </p:nvSpPr>
-        <p:spPr>
-          <a:xfrm>
-            <a:off x="311700" y="1389600"/>
-            <a:ext cx="2808000" cy="3179400"/>
+            <a:off x="819150" y="845600"/>
+            <a:ext cx="3709200" cy="1383000"/>
           </a:xfrm>
           <a:prstGeom prst="rect">
             <a:avLst/>
@@ -3569,104 +5871,104 @@
             <a:normAutofit/>
           </a:bodyPr>
           <a:lstStyle>
-            <a:lvl1pPr indent="-304800" lvl="0" marL="457200">
-              <a:spcBef>
-                <a:spcPts val="0"/>
-              </a:spcBef>
-              <a:spcAft>
-                <a:spcPts val="0"/>
-              </a:spcAft>
-              <a:buSzPts val="1200"/>
-              <a:buChar char="●"/>
-              <a:defRPr sz="1200"/>
+            <a:lvl1pPr lvl="0">
+              <a:spcBef>
+                <a:spcPts val="0"/>
+              </a:spcBef>
+              <a:spcAft>
+                <a:spcPts val="0"/>
+              </a:spcAft>
+              <a:buSzPts val="3000"/>
+              <a:buNone/>
+              <a:defRPr sz="3000"/>
             </a:lvl1pPr>
-            <a:lvl2pPr indent="-304800" lvl="1" marL="914400">
-              <a:spcBef>
-                <a:spcPts val="0"/>
-              </a:spcBef>
-              <a:spcAft>
-                <a:spcPts val="0"/>
-              </a:spcAft>
-              <a:buSzPts val="1200"/>
-              <a:buChar char="○"/>
-              <a:defRPr sz="1200"/>
+            <a:lvl2pPr lvl="1">
+              <a:spcBef>
+                <a:spcPts val="0"/>
+              </a:spcBef>
+              <a:spcAft>
+                <a:spcPts val="0"/>
+              </a:spcAft>
+              <a:buSzPts val="3000"/>
+              <a:buNone/>
+              <a:defRPr sz="3000"/>
             </a:lvl2pPr>
-            <a:lvl3pPr indent="-304800" lvl="2" marL="1371600">
-              <a:spcBef>
-                <a:spcPts val="0"/>
-              </a:spcBef>
-              <a:spcAft>
-                <a:spcPts val="0"/>
-              </a:spcAft>
-              <a:buSzPts val="1200"/>
-              <a:buChar char="■"/>
-              <a:defRPr sz="1200"/>
+            <a:lvl3pPr lvl="2">
+              <a:spcBef>
+                <a:spcPts val="0"/>
+              </a:spcBef>
+              <a:spcAft>
+                <a:spcPts val="0"/>
+              </a:spcAft>
+              <a:buSzPts val="3000"/>
+              <a:buNone/>
+              <a:defRPr sz="3000"/>
             </a:lvl3pPr>
-            <a:lvl4pPr indent="-304800" lvl="3" marL="1828800">
-              <a:spcBef>
-                <a:spcPts val="0"/>
-              </a:spcBef>
-              <a:spcAft>
-                <a:spcPts val="0"/>
-              </a:spcAft>
-              <a:buSzPts val="1200"/>
-              <a:buChar char="●"/>
-              <a:defRPr sz="1200"/>
+            <a:lvl4pPr lvl="3">
+              <a:spcBef>
+                <a:spcPts val="0"/>
+              </a:spcBef>
+              <a:spcAft>
+                <a:spcPts val="0"/>
+              </a:spcAft>
+              <a:buSzPts val="3000"/>
+              <a:buNone/>
+              <a:defRPr sz="3000"/>
             </a:lvl4pPr>
-            <a:lvl5pPr indent="-304800" lvl="4" marL="2286000">
-              <a:spcBef>
-                <a:spcPts val="0"/>
-              </a:spcBef>
-              <a:spcAft>
-                <a:spcPts val="0"/>
-              </a:spcAft>
-              <a:buSzPts val="1200"/>
-              <a:buChar char="○"/>
-              <a:defRPr sz="1200"/>
+            <a:lvl5pPr lvl="4">
+              <a:spcBef>
+                <a:spcPts val="0"/>
+              </a:spcBef>
+              <a:spcAft>
+                <a:spcPts val="0"/>
+              </a:spcAft>
+              <a:buSzPts val="3000"/>
+              <a:buNone/>
+              <a:defRPr sz="3000"/>
             </a:lvl5pPr>
-            <a:lvl6pPr indent="-304800" lvl="5" marL="2743200">
-              <a:spcBef>
-                <a:spcPts val="0"/>
-              </a:spcBef>
-              <a:spcAft>
-                <a:spcPts val="0"/>
-              </a:spcAft>
-              <a:buSzPts val="1200"/>
-              <a:buChar char="■"/>
-              <a:defRPr sz="1200"/>
+            <a:lvl6pPr lvl="5">
+              <a:spcBef>
+                <a:spcPts val="0"/>
+              </a:spcBef>
+              <a:spcAft>
+                <a:spcPts val="0"/>
+              </a:spcAft>
+              <a:buSzPts val="3000"/>
+              <a:buNone/>
+              <a:defRPr sz="3000"/>
             </a:lvl6pPr>
-            <a:lvl7pPr indent="-304800" lvl="6" marL="3200400">
-              <a:spcBef>
-                <a:spcPts val="0"/>
-              </a:spcBef>
-              <a:spcAft>
-                <a:spcPts val="0"/>
-              </a:spcAft>
-              <a:buSzPts val="1200"/>
-              <a:buChar char="●"/>
-              <a:defRPr sz="1200"/>
+            <a:lvl7pPr lvl="6">
+              <a:spcBef>
+                <a:spcPts val="0"/>
+              </a:spcBef>
+              <a:spcAft>
+                <a:spcPts val="0"/>
+              </a:spcAft>
+              <a:buSzPts val="3000"/>
+              <a:buNone/>
+              <a:defRPr sz="3000"/>
             </a:lvl7pPr>
-            <a:lvl8pPr indent="-304800" lvl="7" marL="3657600">
-              <a:spcBef>
-                <a:spcPts val="0"/>
-              </a:spcBef>
-              <a:spcAft>
-                <a:spcPts val="0"/>
-              </a:spcAft>
-              <a:buSzPts val="1200"/>
-              <a:buChar char="○"/>
-              <a:defRPr sz="1200"/>
+            <a:lvl8pPr lvl="7">
+              <a:spcBef>
+                <a:spcPts val="0"/>
+              </a:spcBef>
+              <a:spcAft>
+                <a:spcPts val="0"/>
+              </a:spcAft>
+              <a:buSzPts val="3000"/>
+              <a:buNone/>
+              <a:defRPr sz="3000"/>
             </a:lvl8pPr>
-            <a:lvl9pPr indent="-304800" lvl="8" marL="4114800">
-              <a:spcBef>
-                <a:spcPts val="0"/>
-              </a:spcBef>
-              <a:spcAft>
-                <a:spcPts val="0"/>
-              </a:spcAft>
-              <a:buSzPts val="1200"/>
-              <a:buChar char="■"/>
-              <a:defRPr sz="1200"/>
+            <a:lvl9pPr lvl="8">
+              <a:spcBef>
+                <a:spcPts val="0"/>
+              </a:spcBef>
+              <a:spcAft>
+                <a:spcPts val="0"/>
+              </a:spcAft>
+              <a:buSzPts val="3000"/>
+              <a:buNone/>
+              <a:defRPr sz="3000"/>
             </a:lvl9pPr>
           </a:lstStyle>
           <a:p/>
@@ -3674,7 +5976,132 @@
       </p:sp>
       <p:sp>
         <p:nvSpPr>
-          <p:cNvPr id="31" name="Google Shape;31;p7"/>
+          <p:cNvPr id="75" name="Google Shape;75;p7"/>
+          <p:cNvSpPr txBox="1"/>
+          <p:nvPr>
+            <p:ph idx="1" type="body"/>
+          </p:nvPr>
+        </p:nvSpPr>
+        <p:spPr>
+          <a:xfrm>
+            <a:off x="830700" y="2319050"/>
+            <a:ext cx="3709200" cy="2119800"/>
+          </a:xfrm>
+          <a:prstGeom prst="rect">
+            <a:avLst/>
+          </a:prstGeom>
+        </p:spPr>
+        <p:txBody>
+          <a:bodyPr anchorCtr="0" anchor="t" bIns="91425" lIns="91425" spcFirstLastPara="1" rIns="91425" wrap="square" tIns="91425">
+            <a:normAutofit/>
+          </a:bodyPr>
+          <a:lstStyle>
+            <a:lvl1pPr indent="-311150" lvl="0" marL="457200">
+              <a:spcBef>
+                <a:spcPts val="0"/>
+              </a:spcBef>
+              <a:spcAft>
+                <a:spcPts val="0"/>
+              </a:spcAft>
+              <a:buSzPts val="1300"/>
+              <a:buChar char="●"/>
+              <a:defRPr/>
+            </a:lvl1pPr>
+            <a:lvl2pPr indent="-298450" lvl="1" marL="914400">
+              <a:spcBef>
+                <a:spcPts val="0"/>
+              </a:spcBef>
+              <a:spcAft>
+                <a:spcPts val="0"/>
+              </a:spcAft>
+              <a:buSzPts val="1100"/>
+              <a:buChar char="○"/>
+              <a:defRPr/>
+            </a:lvl2pPr>
+            <a:lvl3pPr indent="-298450" lvl="2" marL="1371600">
+              <a:spcBef>
+                <a:spcPts val="0"/>
+              </a:spcBef>
+              <a:spcAft>
+                <a:spcPts val="0"/>
+              </a:spcAft>
+              <a:buSzPts val="1100"/>
+              <a:buChar char="■"/>
+              <a:defRPr/>
+            </a:lvl3pPr>
+            <a:lvl4pPr indent="-298450" lvl="3" marL="1828800">
+              <a:spcBef>
+                <a:spcPts val="0"/>
+              </a:spcBef>
+              <a:spcAft>
+                <a:spcPts val="0"/>
+              </a:spcAft>
+              <a:buSzPts val="1100"/>
+              <a:buChar char="●"/>
+              <a:defRPr/>
+            </a:lvl4pPr>
+            <a:lvl5pPr indent="-298450" lvl="4" marL="2286000">
+              <a:spcBef>
+                <a:spcPts val="0"/>
+              </a:spcBef>
+              <a:spcAft>
+                <a:spcPts val="0"/>
+              </a:spcAft>
+              <a:buSzPts val="1100"/>
+              <a:buChar char="○"/>
+              <a:defRPr/>
+            </a:lvl5pPr>
+            <a:lvl6pPr indent="-298450" lvl="5" marL="2743200">
+              <a:spcBef>
+                <a:spcPts val="0"/>
+              </a:spcBef>
+              <a:spcAft>
+                <a:spcPts val="0"/>
+              </a:spcAft>
+              <a:buSzPts val="1100"/>
+              <a:buChar char="■"/>
+              <a:defRPr/>
+            </a:lvl6pPr>
+            <a:lvl7pPr indent="-298450" lvl="6" marL="3200400">
+              <a:spcBef>
+                <a:spcPts val="0"/>
+              </a:spcBef>
+              <a:spcAft>
+                <a:spcPts val="0"/>
+              </a:spcAft>
+              <a:buSzPts val="1100"/>
+              <a:buChar char="●"/>
+              <a:defRPr/>
+            </a:lvl7pPr>
+            <a:lvl8pPr indent="-298450" lvl="7" marL="3657600">
+              <a:spcBef>
+                <a:spcPts val="0"/>
+              </a:spcBef>
+              <a:spcAft>
+                <a:spcPts val="0"/>
+              </a:spcAft>
+              <a:buSzPts val="1100"/>
+              <a:buChar char="○"/>
+              <a:defRPr/>
+            </a:lvl8pPr>
+            <a:lvl9pPr indent="-298450" lvl="8" marL="4114800">
+              <a:spcBef>
+                <a:spcPts val="0"/>
+              </a:spcBef>
+              <a:spcAft>
+                <a:spcPts val="0"/>
+              </a:spcAft>
+              <a:buSzPts val="1100"/>
+              <a:buChar char="■"/>
+              <a:defRPr/>
+            </a:lvl9pPr>
+          </a:lstStyle>
+          <a:p/>
+        </p:txBody>
+      </p:sp>
+      <p:sp>
+        <p:nvSpPr>
+          <p:cNvPr id="76" name="Google Shape;76;p7"/>
           <p:cNvSpPr txBox="1"/>
           <p:nvPr>
             <p:ph idx="12" type="sldNum"/>
@@ -3682,7 +6109,7 @@
         </p:nvSpPr>
         <p:spPr>
           <a:xfrm>
-            <a:off x="8472458" y="4663217"/>
+            <a:off x="8390734" y="4543668"/>
             <a:ext cx="548700" cy="393600"/>
           </a:xfrm>
           <a:prstGeom prst="rect">
@@ -3762,7 +6189,7 @@
   <p:cSld name="MAIN_POINT">
     <p:spTree>
       <p:nvGrpSpPr>
-        <p:cNvPr id="32" name="Shape 32"/>
+        <p:cNvPr id="77" name="Shape 77"/>
         <p:cNvGrpSpPr/>
         <p:nvPr/>
       </p:nvGrpSpPr>
@@ -3776,7 +6203,593 @@
       </p:grpSpPr>
       <p:sp>
         <p:nvSpPr>
-          <p:cNvPr id="33" name="Google Shape;33;p8"/>
+          <p:cNvPr id="78" name="Google Shape;78;p8"/>
+          <p:cNvSpPr/>
+          <p:nvPr/>
+        </p:nvSpPr>
+        <p:spPr>
+          <a:xfrm>
+            <a:off x="0" y="2823144"/>
+            <a:ext cx="7369200" cy="2316900"/>
+          </a:xfrm>
+          <a:prstGeom prst="rtTriangle">
+            <a:avLst/>
+          </a:prstGeom>
+          <a:solidFill>
+            <a:schemeClr val="accent6"/>
+          </a:solidFill>
+          <a:ln>
+            <a:noFill/>
+          </a:ln>
+        </p:spPr>
+        <p:txBody>
+          <a:bodyPr anchorCtr="0" anchor="ctr" bIns="91425" lIns="91425" spcFirstLastPara="1" rIns="91425" wrap="square" tIns="91425">
+            <a:noAutofit/>
+          </a:bodyPr>
+          <a:lstStyle/>
+          <a:p>
+            <a:pPr indent="0" lvl="0" marL="0" rtl="0" algn="l">
+              <a:spcBef>
+                <a:spcPts val="0"/>
+              </a:spcBef>
+              <a:spcAft>
+                <a:spcPts val="0"/>
+              </a:spcAft>
+              <a:buNone/>
+            </a:pPr>
+            <a:r>
+              <a:t/>
+            </a:r>
+            <a:endParaRPr/>
+          </a:p>
+        </p:txBody>
+      </p:sp>
+      <p:sp>
+        <p:nvSpPr>
+          <p:cNvPr id="79" name="Google Shape;79;p8"/>
+          <p:cNvSpPr/>
+          <p:nvPr/>
+        </p:nvSpPr>
+        <p:spPr>
+          <a:xfrm flipH="1">
+            <a:off x="3583210" y="1554113"/>
+            <a:ext cx="5560500" cy="3589500"/>
+          </a:xfrm>
+          <a:prstGeom prst="rtTriangle">
+            <a:avLst/>
+          </a:prstGeom>
+          <a:solidFill>
+            <a:schemeClr val="lt2"/>
+          </a:solidFill>
+          <a:ln>
+            <a:noFill/>
+          </a:ln>
+        </p:spPr>
+        <p:txBody>
+          <a:bodyPr anchorCtr="0" anchor="ctr" bIns="91425" lIns="91425" spcFirstLastPara="1" rIns="91425" wrap="square" tIns="91425">
+            <a:noAutofit/>
+          </a:bodyPr>
+          <a:lstStyle/>
+          <a:p>
+            <a:pPr indent="0" lvl="0" marL="0" rtl="0" algn="l">
+              <a:spcBef>
+                <a:spcPts val="0"/>
+              </a:spcBef>
+              <a:spcAft>
+                <a:spcPts val="0"/>
+              </a:spcAft>
+              <a:buNone/>
+            </a:pPr>
+            <a:r>
+              <a:t/>
+            </a:r>
+            <a:endParaRPr/>
+          </a:p>
+        </p:txBody>
+      </p:sp>
+      <p:grpSp>
+        <p:nvGrpSpPr>
+          <p:cNvPr id="80" name="Google Shape;80;p8"/>
+          <p:cNvGrpSpPr/>
+          <p:nvPr/>
+        </p:nvGrpSpPr>
+        <p:grpSpPr>
+          <a:xfrm>
+            <a:off x="255991" y="-118"/>
+            <a:ext cx="2251347" cy="1043408"/>
+            <a:chOff x="3961956" y="4383950"/>
+            <a:chExt cx="1160548" cy="548700"/>
+          </a:xfrm>
+        </p:grpSpPr>
+        <p:sp>
+          <p:nvSpPr>
+            <p:cNvPr id="81" name="Google Shape;81;p8"/>
+            <p:cNvSpPr/>
+            <p:nvPr/>
+          </p:nvSpPr>
+          <p:spPr>
+            <a:xfrm>
+              <a:off x="4224904" y="4383950"/>
+              <a:ext cx="897600" cy="548700"/>
+            </a:xfrm>
+            <a:prstGeom prst="parallelogram">
+              <a:avLst>
+                <a:gd fmla="val 153193" name="adj"/>
+              </a:avLst>
+            </a:prstGeom>
+            <a:solidFill>
+              <a:schemeClr val="dk1"/>
+            </a:solidFill>
+            <a:ln>
+              <a:noFill/>
+            </a:ln>
+          </p:spPr>
+          <p:txBody>
+            <a:bodyPr anchorCtr="0" anchor="ctr" bIns="91425" lIns="91425" spcFirstLastPara="1" rIns="91425" wrap="square" tIns="91425">
+              <a:noAutofit/>
+            </a:bodyPr>
+            <a:lstStyle/>
+            <a:p>
+              <a:pPr indent="0" lvl="0" marL="0" rtl="0" algn="l">
+                <a:spcBef>
+                  <a:spcPts val="0"/>
+                </a:spcBef>
+                <a:spcAft>
+                  <a:spcPts val="0"/>
+                </a:spcAft>
+                <a:buNone/>
+              </a:pPr>
+              <a:r>
+                <a:t/>
+              </a:r>
+              <a:endParaRPr/>
+            </a:p>
+          </p:txBody>
+        </p:sp>
+        <p:sp>
+          <p:nvSpPr>
+            <p:cNvPr id="82" name="Google Shape;82;p8"/>
+            <p:cNvSpPr/>
+            <p:nvPr/>
+          </p:nvSpPr>
+          <p:spPr>
+            <a:xfrm>
+              <a:off x="4093430" y="4383950"/>
+              <a:ext cx="897600" cy="548700"/>
+            </a:xfrm>
+            <a:prstGeom prst="parallelogram">
+              <a:avLst>
+                <a:gd fmla="val 153193" name="adj"/>
+              </a:avLst>
+            </a:prstGeom>
+            <a:solidFill>
+              <a:schemeClr val="dk1"/>
+            </a:solidFill>
+            <a:ln>
+              <a:noFill/>
+            </a:ln>
+          </p:spPr>
+          <p:txBody>
+            <a:bodyPr anchorCtr="0" anchor="ctr" bIns="91425" lIns="91425" spcFirstLastPara="1" rIns="91425" wrap="square" tIns="91425">
+              <a:noAutofit/>
+            </a:bodyPr>
+            <a:lstStyle/>
+            <a:p>
+              <a:pPr indent="0" lvl="0" marL="0" rtl="0" algn="l">
+                <a:spcBef>
+                  <a:spcPts val="0"/>
+                </a:spcBef>
+                <a:spcAft>
+                  <a:spcPts val="0"/>
+                </a:spcAft>
+                <a:buNone/>
+              </a:pPr>
+              <a:r>
+                <a:t/>
+              </a:r>
+              <a:endParaRPr/>
+            </a:p>
+          </p:txBody>
+        </p:sp>
+        <p:sp>
+          <p:nvSpPr>
+            <p:cNvPr id="83" name="Google Shape;83;p8"/>
+            <p:cNvSpPr/>
+            <p:nvPr/>
+          </p:nvSpPr>
+          <p:spPr>
+            <a:xfrm>
+              <a:off x="3961956" y="4383950"/>
+              <a:ext cx="897600" cy="548700"/>
+            </a:xfrm>
+            <a:prstGeom prst="parallelogram">
+              <a:avLst>
+                <a:gd fmla="val 153193" name="adj"/>
+              </a:avLst>
+            </a:prstGeom>
+            <a:solidFill>
+              <a:schemeClr val="dk1"/>
+            </a:solidFill>
+            <a:ln>
+              <a:noFill/>
+            </a:ln>
+          </p:spPr>
+          <p:txBody>
+            <a:bodyPr anchorCtr="0" anchor="ctr" bIns="91425" lIns="91425" spcFirstLastPara="1" rIns="91425" wrap="square" tIns="91425">
+              <a:noAutofit/>
+            </a:bodyPr>
+            <a:lstStyle/>
+            <a:p>
+              <a:pPr indent="0" lvl="0" marL="0" rtl="0" algn="l">
+                <a:spcBef>
+                  <a:spcPts val="0"/>
+                </a:spcBef>
+                <a:spcAft>
+                  <a:spcPts val="0"/>
+                </a:spcAft>
+                <a:buNone/>
+              </a:pPr>
+              <a:r>
+                <a:t/>
+              </a:r>
+              <a:endParaRPr/>
+            </a:p>
+          </p:txBody>
+        </p:sp>
+      </p:grpSp>
+      <p:sp>
+        <p:nvSpPr>
+          <p:cNvPr id="84" name="Google Shape;84;p8"/>
+          <p:cNvSpPr/>
+          <p:nvPr/>
+        </p:nvSpPr>
+        <p:spPr>
+          <a:xfrm>
+            <a:off x="203225" y="206250"/>
+            <a:ext cx="8737500" cy="4731000"/>
+          </a:xfrm>
+          <a:prstGeom prst="rect">
+            <a:avLst/>
+          </a:prstGeom>
+          <a:solidFill>
+            <a:schemeClr val="dk1"/>
+          </a:solidFill>
+          <a:ln>
+            <a:noFill/>
+          </a:ln>
+          <a:effectLst>
+            <a:outerShdw blurRad="228600" sx="101000" rotWithShape="0" algn="ctr" sy="101000">
+              <a:srgbClr val="000000">
+                <a:alpha val="40000"/>
+              </a:srgbClr>
+            </a:outerShdw>
+          </a:effectLst>
+        </p:spPr>
+        <p:txBody>
+          <a:bodyPr anchorCtr="0" anchor="ctr" bIns="91425" lIns="91425" spcFirstLastPara="1" rIns="91425" wrap="square" tIns="91425">
+            <a:noAutofit/>
+          </a:bodyPr>
+          <a:lstStyle/>
+          <a:p>
+            <a:pPr indent="0" lvl="0" marL="0" rtl="0" algn="l">
+              <a:spcBef>
+                <a:spcPts val="0"/>
+              </a:spcBef>
+              <a:spcAft>
+                <a:spcPts val="0"/>
+              </a:spcAft>
+              <a:buNone/>
+            </a:pPr>
+            <a:r>
+              <a:t/>
+            </a:r>
+            <a:endParaRPr/>
+          </a:p>
+        </p:txBody>
+      </p:sp>
+      <p:grpSp>
+        <p:nvGrpSpPr>
+          <p:cNvPr id="85" name="Google Shape;85;p8"/>
+          <p:cNvGrpSpPr/>
+          <p:nvPr/>
+        </p:nvGrpSpPr>
+        <p:grpSpPr>
+          <a:xfrm>
+            <a:off x="34934" y="4522125"/>
+            <a:ext cx="1593306" cy="617072"/>
+            <a:chOff x="6917201" y="0"/>
+            <a:chExt cx="2227777" cy="863400"/>
+          </a:xfrm>
+        </p:grpSpPr>
+        <p:sp>
+          <p:nvSpPr>
+            <p:cNvPr id="86" name="Google Shape;86;p8"/>
+            <p:cNvSpPr/>
+            <p:nvPr/>
+          </p:nvSpPr>
+          <p:spPr>
+            <a:xfrm>
+              <a:off x="7641677" y="0"/>
+              <a:ext cx="1503300" cy="863400"/>
+            </a:xfrm>
+            <a:prstGeom prst="parallelogram">
+              <a:avLst>
+                <a:gd fmla="val 158024" name="adj"/>
+              </a:avLst>
+            </a:prstGeom>
+            <a:solidFill>
+              <a:schemeClr val="accent6"/>
+            </a:solidFill>
+            <a:ln>
+              <a:noFill/>
+            </a:ln>
+          </p:spPr>
+          <p:txBody>
+            <a:bodyPr anchorCtr="0" anchor="ctr" bIns="91425" lIns="91425" spcFirstLastPara="1" rIns="91425" wrap="square" tIns="91425">
+              <a:noAutofit/>
+            </a:bodyPr>
+            <a:lstStyle/>
+            <a:p>
+              <a:pPr indent="0" lvl="0" marL="0" rtl="0" algn="l">
+                <a:spcBef>
+                  <a:spcPts val="0"/>
+                </a:spcBef>
+                <a:spcAft>
+                  <a:spcPts val="0"/>
+                </a:spcAft>
+                <a:buNone/>
+              </a:pPr>
+              <a:r>
+                <a:t/>
+              </a:r>
+              <a:endParaRPr/>
+            </a:p>
+          </p:txBody>
+        </p:sp>
+        <p:sp>
+          <p:nvSpPr>
+            <p:cNvPr id="87" name="Google Shape;87;p8"/>
+            <p:cNvSpPr/>
+            <p:nvPr/>
+          </p:nvSpPr>
+          <p:spPr>
+            <a:xfrm>
+              <a:off x="7279439" y="0"/>
+              <a:ext cx="1503300" cy="863400"/>
+            </a:xfrm>
+            <a:prstGeom prst="parallelogram">
+              <a:avLst>
+                <a:gd fmla="val 158024" name="adj"/>
+              </a:avLst>
+            </a:prstGeom>
+            <a:solidFill>
+              <a:schemeClr val="accent6"/>
+            </a:solidFill>
+            <a:ln>
+              <a:noFill/>
+            </a:ln>
+          </p:spPr>
+          <p:txBody>
+            <a:bodyPr anchorCtr="0" anchor="ctr" bIns="91425" lIns="91425" spcFirstLastPara="1" rIns="91425" wrap="square" tIns="91425">
+              <a:noAutofit/>
+            </a:bodyPr>
+            <a:lstStyle/>
+            <a:p>
+              <a:pPr indent="0" lvl="0" marL="0" rtl="0" algn="l">
+                <a:spcBef>
+                  <a:spcPts val="0"/>
+                </a:spcBef>
+                <a:spcAft>
+                  <a:spcPts val="0"/>
+                </a:spcAft>
+                <a:buNone/>
+              </a:pPr>
+              <a:r>
+                <a:t/>
+              </a:r>
+              <a:endParaRPr/>
+            </a:p>
+          </p:txBody>
+        </p:sp>
+        <p:sp>
+          <p:nvSpPr>
+            <p:cNvPr id="88" name="Google Shape;88;p8"/>
+            <p:cNvSpPr/>
+            <p:nvPr/>
+          </p:nvSpPr>
+          <p:spPr>
+            <a:xfrm>
+              <a:off x="6917201" y="0"/>
+              <a:ext cx="1503300" cy="863400"/>
+            </a:xfrm>
+            <a:prstGeom prst="parallelogram">
+              <a:avLst>
+                <a:gd fmla="val 158024" name="adj"/>
+              </a:avLst>
+            </a:prstGeom>
+            <a:solidFill>
+              <a:schemeClr val="accent6"/>
+            </a:solidFill>
+            <a:ln>
+              <a:noFill/>
+            </a:ln>
+          </p:spPr>
+          <p:txBody>
+            <a:bodyPr anchorCtr="0" anchor="ctr" bIns="91425" lIns="91425" spcFirstLastPara="1" rIns="91425" wrap="square" tIns="91425">
+              <a:noAutofit/>
+            </a:bodyPr>
+            <a:lstStyle/>
+            <a:p>
+              <a:pPr indent="0" lvl="0" marL="0" rtl="0" algn="l">
+                <a:spcBef>
+                  <a:spcPts val="0"/>
+                </a:spcBef>
+                <a:spcAft>
+                  <a:spcPts val="0"/>
+                </a:spcAft>
+                <a:buNone/>
+              </a:pPr>
+              <a:r>
+                <a:t/>
+              </a:r>
+              <a:endParaRPr/>
+            </a:p>
+          </p:txBody>
+        </p:sp>
+      </p:grpSp>
+      <p:grpSp>
+        <p:nvGrpSpPr>
+          <p:cNvPr id="89" name="Google Shape;89;p8"/>
+          <p:cNvGrpSpPr/>
+          <p:nvPr/>
+        </p:nvGrpSpPr>
+        <p:grpSpPr>
+          <a:xfrm>
+            <a:off x="5886353" y="1243"/>
+            <a:ext cx="3257455" cy="1261514"/>
+            <a:chOff x="6917201" y="0"/>
+            <a:chExt cx="2227777" cy="863400"/>
+          </a:xfrm>
+        </p:grpSpPr>
+        <p:sp>
+          <p:nvSpPr>
+            <p:cNvPr id="90" name="Google Shape;90;p8"/>
+            <p:cNvSpPr/>
+            <p:nvPr/>
+          </p:nvSpPr>
+          <p:spPr>
+            <a:xfrm>
+              <a:off x="7641677" y="0"/>
+              <a:ext cx="1503300" cy="863400"/>
+            </a:xfrm>
+            <a:prstGeom prst="parallelogram">
+              <a:avLst>
+                <a:gd fmla="val 158024" name="adj"/>
+              </a:avLst>
+            </a:prstGeom>
+            <a:solidFill>
+              <a:schemeClr val="accent1"/>
+            </a:solidFill>
+            <a:ln>
+              <a:noFill/>
+            </a:ln>
+          </p:spPr>
+          <p:txBody>
+            <a:bodyPr anchorCtr="0" anchor="ctr" bIns="91425" lIns="91425" spcFirstLastPara="1" rIns="91425" wrap="square" tIns="91425">
+              <a:noAutofit/>
+            </a:bodyPr>
+            <a:lstStyle/>
+            <a:p>
+              <a:pPr indent="0" lvl="0" marL="0" rtl="0" algn="l">
+                <a:spcBef>
+                  <a:spcPts val="0"/>
+                </a:spcBef>
+                <a:spcAft>
+                  <a:spcPts val="0"/>
+                </a:spcAft>
+                <a:buNone/>
+              </a:pPr>
+              <a:r>
+                <a:t/>
+              </a:r>
+              <a:endParaRPr/>
+            </a:p>
+          </p:txBody>
+        </p:sp>
+        <p:sp>
+          <p:nvSpPr>
+            <p:cNvPr id="91" name="Google Shape;91;p8"/>
+            <p:cNvSpPr/>
+            <p:nvPr/>
+          </p:nvSpPr>
+          <p:spPr>
+            <a:xfrm>
+              <a:off x="7279439" y="0"/>
+              <a:ext cx="1503300" cy="863400"/>
+            </a:xfrm>
+            <a:prstGeom prst="parallelogram">
+              <a:avLst>
+                <a:gd fmla="val 158024" name="adj"/>
+              </a:avLst>
+            </a:prstGeom>
+            <a:solidFill>
+              <a:schemeClr val="accent1"/>
+            </a:solidFill>
+            <a:ln>
+              <a:noFill/>
+            </a:ln>
+          </p:spPr>
+          <p:txBody>
+            <a:bodyPr anchorCtr="0" anchor="ctr" bIns="91425" lIns="91425" spcFirstLastPara="1" rIns="91425" wrap="square" tIns="91425">
+              <a:noAutofit/>
+            </a:bodyPr>
+            <a:lstStyle/>
+            <a:p>
+              <a:pPr indent="0" lvl="0" marL="0" rtl="0" algn="l">
+                <a:spcBef>
+                  <a:spcPts val="0"/>
+                </a:spcBef>
+                <a:spcAft>
+                  <a:spcPts val="0"/>
+                </a:spcAft>
+                <a:buNone/>
+              </a:pPr>
+              <a:r>
+                <a:t/>
+              </a:r>
+              <a:endParaRPr/>
+            </a:p>
+          </p:txBody>
+        </p:sp>
+        <p:sp>
+          <p:nvSpPr>
+            <p:cNvPr id="92" name="Google Shape;92;p8"/>
+            <p:cNvSpPr/>
+            <p:nvPr/>
+          </p:nvSpPr>
+          <p:spPr>
+            <a:xfrm>
+              <a:off x="6917201" y="0"/>
+              <a:ext cx="1503300" cy="863400"/>
+            </a:xfrm>
+            <a:prstGeom prst="parallelogram">
+              <a:avLst>
+                <a:gd fmla="val 158024" name="adj"/>
+              </a:avLst>
+            </a:prstGeom>
+            <a:solidFill>
+              <a:schemeClr val="accent1"/>
+            </a:solidFill>
+            <a:ln>
+              <a:noFill/>
+            </a:ln>
+          </p:spPr>
+          <p:txBody>
+            <a:bodyPr anchorCtr="0" anchor="ctr" bIns="91425" lIns="91425" spcFirstLastPara="1" rIns="91425" wrap="square" tIns="91425">
+              <a:noAutofit/>
+            </a:bodyPr>
+            <a:lstStyle/>
+            <a:p>
+              <a:pPr indent="0" lvl="0" marL="0" rtl="0" algn="l">
+                <a:spcBef>
+                  <a:spcPts val="0"/>
+                </a:spcBef>
+                <a:spcAft>
+                  <a:spcPts val="0"/>
+                </a:spcAft>
+                <a:buNone/>
+              </a:pPr>
+              <a:r>
+                <a:t/>
+              </a:r>
+              <a:endParaRPr/>
+            </a:p>
+          </p:txBody>
+        </p:sp>
+      </p:grpSp>
+      <p:sp>
+        <p:nvSpPr>
+          <p:cNvPr id="93" name="Google Shape;93;p8"/>
           <p:cNvSpPr txBox="1"/>
           <p:nvPr>
             <p:ph type="title"/>
@@ -3784,8 +6797,8 @@
         </p:nvSpPr>
         <p:spPr>
           <a:xfrm>
-            <a:off x="490250" y="450150"/>
-            <a:ext cx="6367800" cy="4090800"/>
+            <a:off x="1393929" y="1301146"/>
+            <a:ext cx="6366900" cy="2539200"/>
           </a:xfrm>
           <a:prstGeom prst="rect">
             <a:avLst/>
@@ -3796,104 +6809,104 @@
             <a:normAutofit/>
           </a:bodyPr>
           <a:lstStyle>
-            <a:lvl1pPr lvl="0">
-              <a:spcBef>
-                <a:spcPts val="0"/>
-              </a:spcBef>
-              <a:spcAft>
-                <a:spcPts val="0"/>
-              </a:spcAft>
-              <a:buSzPts val="4800"/>
-              <a:buNone/>
-              <a:defRPr sz="4800"/>
+            <a:lvl1pPr lvl="0" algn="ctr">
+              <a:spcBef>
+                <a:spcPts val="0"/>
+              </a:spcBef>
+              <a:spcAft>
+                <a:spcPts val="0"/>
+              </a:spcAft>
+              <a:buSzPts val="3200"/>
+              <a:buNone/>
+              <a:defRPr sz="3200"/>
             </a:lvl1pPr>
-            <a:lvl2pPr lvl="1">
-              <a:spcBef>
-                <a:spcPts val="0"/>
-              </a:spcBef>
-              <a:spcAft>
-                <a:spcPts val="0"/>
-              </a:spcAft>
-              <a:buSzPts val="4800"/>
-              <a:buNone/>
-              <a:defRPr sz="4800"/>
+            <a:lvl2pPr lvl="1" algn="ctr">
+              <a:spcBef>
+                <a:spcPts val="0"/>
+              </a:spcBef>
+              <a:spcAft>
+                <a:spcPts val="0"/>
+              </a:spcAft>
+              <a:buSzPts val="3200"/>
+              <a:buNone/>
+              <a:defRPr sz="3200"/>
             </a:lvl2pPr>
-            <a:lvl3pPr lvl="2">
-              <a:spcBef>
-                <a:spcPts val="0"/>
-              </a:spcBef>
-              <a:spcAft>
-                <a:spcPts val="0"/>
-              </a:spcAft>
-              <a:buSzPts val="4800"/>
-              <a:buNone/>
-              <a:defRPr sz="4800"/>
+            <a:lvl3pPr lvl="2" algn="ctr">
+              <a:spcBef>
+                <a:spcPts val="0"/>
+              </a:spcBef>
+              <a:spcAft>
+                <a:spcPts val="0"/>
+              </a:spcAft>
+              <a:buSzPts val="3200"/>
+              <a:buNone/>
+              <a:defRPr sz="3200"/>
             </a:lvl3pPr>
-            <a:lvl4pPr lvl="3">
-              <a:spcBef>
-                <a:spcPts val="0"/>
-              </a:spcBef>
-              <a:spcAft>
-                <a:spcPts val="0"/>
-              </a:spcAft>
-              <a:buSzPts val="4800"/>
-              <a:buNone/>
-              <a:defRPr sz="4800"/>
+            <a:lvl4pPr lvl="3" algn="ctr">
+              <a:spcBef>
+                <a:spcPts val="0"/>
+              </a:spcBef>
+              <a:spcAft>
+                <a:spcPts val="0"/>
+              </a:spcAft>
+              <a:buSzPts val="3200"/>
+              <a:buNone/>
+              <a:defRPr sz="3200"/>
             </a:lvl4pPr>
-            <a:lvl5pPr lvl="4">
-              <a:spcBef>
-                <a:spcPts val="0"/>
-              </a:spcBef>
-              <a:spcAft>
-                <a:spcPts val="0"/>
-              </a:spcAft>
-              <a:buSzPts val="4800"/>
-              <a:buNone/>
-              <a:defRPr sz="4800"/>
+            <a:lvl5pPr lvl="4" algn="ctr">
+              <a:spcBef>
+                <a:spcPts val="0"/>
+              </a:spcBef>
+              <a:spcAft>
+                <a:spcPts val="0"/>
+              </a:spcAft>
+              <a:buSzPts val="3200"/>
+              <a:buNone/>
+              <a:defRPr sz="3200"/>
             </a:lvl5pPr>
-            <a:lvl6pPr lvl="5">
-              <a:spcBef>
-                <a:spcPts val="0"/>
-              </a:spcBef>
-              <a:spcAft>
-                <a:spcPts val="0"/>
-              </a:spcAft>
-              <a:buSzPts val="4800"/>
-              <a:buNone/>
-              <a:defRPr sz="4800"/>
+            <a:lvl6pPr lvl="5" algn="ctr">
+              <a:spcBef>
+                <a:spcPts val="0"/>
+              </a:spcBef>
+              <a:spcAft>
+                <a:spcPts val="0"/>
+              </a:spcAft>
+              <a:buSzPts val="3200"/>
+              <a:buNone/>
+              <a:defRPr sz="3200"/>
             </a:lvl6pPr>
-            <a:lvl7pPr lvl="6">
-              <a:spcBef>
-                <a:spcPts val="0"/>
-              </a:spcBef>
-              <a:spcAft>
-                <a:spcPts val="0"/>
-              </a:spcAft>
-              <a:buSzPts val="4800"/>
-              <a:buNone/>
-              <a:defRPr sz="4800"/>
+            <a:lvl7pPr lvl="6" algn="ctr">
+              <a:spcBef>
+                <a:spcPts val="0"/>
+              </a:spcBef>
+              <a:spcAft>
+                <a:spcPts val="0"/>
+              </a:spcAft>
+              <a:buSzPts val="3200"/>
+              <a:buNone/>
+              <a:defRPr sz="3200"/>
             </a:lvl7pPr>
-            <a:lvl8pPr lvl="7">
-              <a:spcBef>
-                <a:spcPts val="0"/>
-              </a:spcBef>
-              <a:spcAft>
-                <a:spcPts val="0"/>
-              </a:spcAft>
-              <a:buSzPts val="4800"/>
-              <a:buNone/>
-              <a:defRPr sz="4800"/>
+            <a:lvl8pPr lvl="7" algn="ctr">
+              <a:spcBef>
+                <a:spcPts val="0"/>
+              </a:spcBef>
+              <a:spcAft>
+                <a:spcPts val="0"/>
+              </a:spcAft>
+              <a:buSzPts val="3200"/>
+              <a:buNone/>
+              <a:defRPr sz="3200"/>
             </a:lvl8pPr>
-            <a:lvl9pPr lvl="8">
-              <a:spcBef>
-                <a:spcPts val="0"/>
-              </a:spcBef>
-              <a:spcAft>
-                <a:spcPts val="0"/>
-              </a:spcAft>
-              <a:buSzPts val="4800"/>
-              <a:buNone/>
-              <a:defRPr sz="4800"/>
+            <a:lvl9pPr lvl="8" algn="ctr">
+              <a:spcBef>
+                <a:spcPts val="0"/>
+              </a:spcBef>
+              <a:spcAft>
+                <a:spcPts val="0"/>
+              </a:spcAft>
+              <a:buSzPts val="3200"/>
+              <a:buNone/>
+              <a:defRPr sz="3200"/>
             </a:lvl9pPr>
           </a:lstStyle>
           <a:p/>
@@ -3901,7 +6914,7 @@
       </p:sp>
       <p:sp>
         <p:nvSpPr>
-          <p:cNvPr id="34" name="Google Shape;34;p8"/>
+          <p:cNvPr id="94" name="Google Shape;94;p8"/>
           <p:cNvSpPr txBox="1"/>
           <p:nvPr>
             <p:ph idx="12" type="sldNum"/>
@@ -3909,7 +6922,7 @@
         </p:nvSpPr>
         <p:spPr>
           <a:xfrm>
-            <a:off x="8472458" y="4663217"/>
+            <a:off x="8390734" y="4543668"/>
             <a:ext cx="548700" cy="393600"/>
           </a:xfrm>
           <a:prstGeom prst="rect">
@@ -3989,7 +7002,7 @@
   <p:cSld name="SECTION_TITLE_AND_DESCRIPTION">
     <p:spTree>
       <p:nvGrpSpPr>
-        <p:cNvPr id="35" name="Shape 35"/>
+        <p:cNvPr id="95" name="Shape 95"/>
         <p:cNvGrpSpPr/>
         <p:nvPr/>
       </p:nvGrpSpPr>
@@ -4003,20 +7016,20 @@
       </p:grpSpPr>
       <p:sp>
         <p:nvSpPr>
-          <p:cNvPr id="36" name="Google Shape;36;p9"/>
+          <p:cNvPr id="96" name="Google Shape;96;p9"/>
           <p:cNvSpPr/>
           <p:nvPr/>
         </p:nvSpPr>
         <p:spPr>
-          <a:xfrm>
-            <a:off x="4572000" y="25"/>
-            <a:ext cx="4572000" cy="5143500"/>
+          <a:xfrm flipH="1">
+            <a:off x="3582600" y="1550700"/>
+            <a:ext cx="5561400" cy="3592800"/>
           </a:xfrm>
-          <a:prstGeom prst="rect">
+          <a:prstGeom prst="rtTriangle">
             <a:avLst/>
           </a:prstGeom>
           <a:solidFill>
-            <a:schemeClr val="dk2"/>
+            <a:schemeClr val="lt2"/>
           </a:solidFill>
           <a:ln>
             <a:noFill/>
@@ -4046,7 +7059,100 @@
       </p:sp>
       <p:sp>
         <p:nvSpPr>
-          <p:cNvPr id="37" name="Google Shape;37;p9"/>
+          <p:cNvPr id="97" name="Google Shape;97;p9"/>
+          <p:cNvSpPr/>
+          <p:nvPr/>
+        </p:nvSpPr>
+        <p:spPr>
+          <a:xfrm>
+            <a:off x="31" y="2824500"/>
+            <a:ext cx="7370400" cy="2319000"/>
+          </a:xfrm>
+          <a:prstGeom prst="rtTriangle">
+            <a:avLst/>
+          </a:prstGeom>
+          <a:solidFill>
+            <a:schemeClr val="accent3"/>
+          </a:solidFill>
+          <a:ln>
+            <a:noFill/>
+          </a:ln>
+        </p:spPr>
+        <p:txBody>
+          <a:bodyPr anchorCtr="0" anchor="ctr" bIns="91425" lIns="91425" spcFirstLastPara="1" rIns="91425" wrap="square" tIns="91425">
+            <a:noAutofit/>
+          </a:bodyPr>
+          <a:lstStyle/>
+          <a:p>
+            <a:pPr indent="0" lvl="0" marL="0" rtl="0" algn="l">
+              <a:spcBef>
+                <a:spcPts val="0"/>
+              </a:spcBef>
+              <a:spcAft>
+                <a:spcPts val="0"/>
+              </a:spcAft>
+              <a:buNone/>
+            </a:pPr>
+            <a:r>
+              <a:t/>
+            </a:r>
+            <a:endParaRPr/>
+          </a:p>
+        </p:txBody>
+      </p:sp>
+      <p:sp>
+        <p:nvSpPr>
+          <p:cNvPr id="98" name="Google Shape;98;p9"/>
+          <p:cNvSpPr/>
+          <p:nvPr/>
+        </p:nvSpPr>
+        <p:spPr>
+          <a:xfrm>
+            <a:off x="203225" y="206250"/>
+            <a:ext cx="8737500" cy="4731000"/>
+          </a:xfrm>
+          <a:prstGeom prst="rect">
+            <a:avLst/>
+          </a:prstGeom>
+          <a:solidFill>
+            <a:schemeClr val="dk1"/>
+          </a:solidFill>
+          <a:ln>
+            <a:noFill/>
+          </a:ln>
+          <a:effectLst>
+            <a:outerShdw blurRad="228600" sx="101000" rotWithShape="0" algn="ctr" sy="101000">
+              <a:srgbClr val="000000">
+                <a:alpha val="40000"/>
+              </a:srgbClr>
+            </a:outerShdw>
+          </a:effectLst>
+        </p:spPr>
+        <p:txBody>
+          <a:bodyPr anchorCtr="0" anchor="ctr" bIns="91425" lIns="91425" spcFirstLastPara="1" rIns="91425" wrap="square" tIns="91425">
+            <a:noAutofit/>
+          </a:bodyPr>
+          <a:lstStyle/>
+          <a:p>
+            <a:pPr indent="0" lvl="0" marL="0" rtl="0" algn="l">
+              <a:spcBef>
+                <a:spcPts val="0"/>
+              </a:spcBef>
+              <a:spcAft>
+                <a:spcPts val="0"/>
+              </a:spcAft>
+              <a:buNone/>
+            </a:pPr>
+            <a:r>
+              <a:t/>
+            </a:r>
+            <a:endParaRPr/>
+          </a:p>
+        </p:txBody>
+      </p:sp>
+      <p:sp>
+        <p:nvSpPr>
+          <p:cNvPr id="99" name="Google Shape;99;p9"/>
           <p:cNvSpPr txBox="1"/>
           <p:nvPr>
             <p:ph type="title"/>
@@ -4054,133 +7160,8 @@
         </p:nvSpPr>
         <p:spPr>
           <a:xfrm>
-            <a:off x="265500" y="1233175"/>
-            <a:ext cx="4045200" cy="1482300"/>
-          </a:xfrm>
-          <a:prstGeom prst="rect">
-            <a:avLst/>
-          </a:prstGeom>
-        </p:spPr>
-        <p:txBody>
-          <a:bodyPr anchorCtr="0" anchor="b" bIns="91425" lIns="91425" spcFirstLastPara="1" rIns="91425" wrap="square" tIns="91425">
-            <a:normAutofit/>
-          </a:bodyPr>
-          <a:lstStyle>
-            <a:lvl1pPr lvl="0" algn="ctr">
-              <a:spcBef>
-                <a:spcPts val="0"/>
-              </a:spcBef>
-              <a:spcAft>
-                <a:spcPts val="0"/>
-              </a:spcAft>
-              <a:buSzPts val="4200"/>
-              <a:buNone/>
-              <a:defRPr sz="4200"/>
-            </a:lvl1pPr>
-            <a:lvl2pPr lvl="1" algn="ctr">
-              <a:spcBef>
-                <a:spcPts val="0"/>
-              </a:spcBef>
-              <a:spcAft>
-                <a:spcPts val="0"/>
-              </a:spcAft>
-              <a:buSzPts val="4200"/>
-              <a:buNone/>
-              <a:defRPr sz="4200"/>
-            </a:lvl2pPr>
-            <a:lvl3pPr lvl="2" algn="ctr">
-              <a:spcBef>
-                <a:spcPts val="0"/>
-              </a:spcBef>
-              <a:spcAft>
-                <a:spcPts val="0"/>
-              </a:spcAft>
-              <a:buSzPts val="4200"/>
-              <a:buNone/>
-              <a:defRPr sz="4200"/>
-            </a:lvl3pPr>
-            <a:lvl4pPr lvl="3" algn="ctr">
-              <a:spcBef>
-                <a:spcPts val="0"/>
-              </a:spcBef>
-              <a:spcAft>
-                <a:spcPts val="0"/>
-              </a:spcAft>
-              <a:buSzPts val="4200"/>
-              <a:buNone/>
-              <a:defRPr sz="4200"/>
-            </a:lvl4pPr>
-            <a:lvl5pPr lvl="4" algn="ctr">
-              <a:spcBef>
-                <a:spcPts val="0"/>
-              </a:spcBef>
-              <a:spcAft>
-                <a:spcPts val="0"/>
-              </a:spcAft>
-              <a:buSzPts val="4200"/>
-              <a:buNone/>
-              <a:defRPr sz="4200"/>
-            </a:lvl5pPr>
-            <a:lvl6pPr lvl="5" algn="ctr">
-              <a:spcBef>
-                <a:spcPts val="0"/>
-              </a:spcBef>
-              <a:spcAft>
-                <a:spcPts val="0"/>
-              </a:spcAft>
-              <a:buSzPts val="4200"/>
-              <a:buNone/>
-              <a:defRPr sz="4200"/>
-            </a:lvl6pPr>
-            <a:lvl7pPr lvl="6" algn="ctr">
-              <a:spcBef>
-                <a:spcPts val="0"/>
-              </a:spcBef>
-              <a:spcAft>
-                <a:spcPts val="0"/>
-              </a:spcAft>
-              <a:buSzPts val="4200"/>
-              <a:buNone/>
-              <a:defRPr sz="4200"/>
-            </a:lvl7pPr>
-            <a:lvl8pPr lvl="7" algn="ctr">
-              <a:spcBef>
-                <a:spcPts val="0"/>
-              </a:spcBef>
-              <a:spcAft>
-                <a:spcPts val="0"/>
-              </a:spcAft>
-              <a:buSzPts val="4200"/>
-              <a:buNone/>
-              <a:defRPr sz="4200"/>
-            </a:lvl8pPr>
-            <a:lvl9pPr lvl="8" algn="ctr">
-              <a:spcBef>
-                <a:spcPts val="0"/>
-              </a:spcBef>
-              <a:spcAft>
-                <a:spcPts val="0"/>
-              </a:spcAft>
-              <a:buSzPts val="4200"/>
-              <a:buNone/>
-              <a:defRPr sz="4200"/>
-            </a:lvl9pPr>
-          </a:lstStyle>
-          <a:p/>
-        </p:txBody>
-      </p:sp>
-      <p:sp>
-        <p:nvSpPr>
-          <p:cNvPr id="38" name="Google Shape;38;p9"/>
-          <p:cNvSpPr txBox="1"/>
-          <p:nvPr>
-            <p:ph idx="1" type="subTitle"/>
-          </p:nvPr>
-        </p:nvSpPr>
-        <p:spPr>
-          <a:xfrm>
-            <a:off x="265500" y="2803075"/>
-            <a:ext cx="4045200" cy="1235100"/>
+            <a:off x="819150" y="845600"/>
+            <a:ext cx="6424200" cy="705000"/>
           </a:xfrm>
           <a:prstGeom prst="rect">
             <a:avLst/>
@@ -4191,131 +7172,104 @@
             <a:normAutofit/>
           </a:bodyPr>
           <a:lstStyle>
-            <a:lvl1pPr lvl="0" algn="ctr">
-              <a:lnSpc>
-                <a:spcPct val="100000"/>
-              </a:lnSpc>
-              <a:spcBef>
-                <a:spcPts val="0"/>
-              </a:spcBef>
-              <a:spcAft>
-                <a:spcPts val="0"/>
-              </a:spcAft>
-              <a:buSzPts val="2100"/>
-              <a:buNone/>
-              <a:defRPr sz="2100"/>
+            <a:lvl1pPr lvl="0">
+              <a:spcBef>
+                <a:spcPts val="0"/>
+              </a:spcBef>
+              <a:spcAft>
+                <a:spcPts val="0"/>
+              </a:spcAft>
+              <a:buSzPts val="3000"/>
+              <a:buNone/>
+              <a:defRPr sz="3000"/>
             </a:lvl1pPr>
-            <a:lvl2pPr lvl="1" algn="ctr">
-              <a:lnSpc>
-                <a:spcPct val="100000"/>
-              </a:lnSpc>
-              <a:spcBef>
-                <a:spcPts val="0"/>
-              </a:spcBef>
-              <a:spcAft>
-                <a:spcPts val="0"/>
-              </a:spcAft>
-              <a:buSzPts val="2100"/>
-              <a:buNone/>
-              <a:defRPr sz="2100"/>
+            <a:lvl2pPr lvl="1">
+              <a:spcBef>
+                <a:spcPts val="0"/>
+              </a:spcBef>
+              <a:spcAft>
+                <a:spcPts val="0"/>
+              </a:spcAft>
+              <a:buSzPts val="3000"/>
+              <a:buNone/>
+              <a:defRPr sz="3000"/>
             </a:lvl2pPr>
-            <a:lvl3pPr lvl="2" algn="ctr">
-              <a:lnSpc>
-                <a:spcPct val="100000"/>
-              </a:lnSpc>
-              <a:spcBef>
-                <a:spcPts val="0"/>
-              </a:spcBef>
-              <a:spcAft>
-                <a:spcPts val="0"/>
-              </a:spcAft>
-              <a:buSzPts val="2100"/>
-              <a:buNone/>
-              <a:defRPr sz="2100"/>
+            <a:lvl3pPr lvl="2">
+              <a:spcBef>
+                <a:spcPts val="0"/>
+              </a:spcBef>
+              <a:spcAft>
+                <a:spcPts val="0"/>
+              </a:spcAft>
+              <a:buSzPts val="3000"/>
+              <a:buNone/>
+              <a:defRPr sz="3000"/>
             </a:lvl3pPr>
-            <a:lvl4pPr lvl="3" algn="ctr">
-              <a:lnSpc>
-                <a:spcPct val="100000"/>
-              </a:lnSpc>
-              <a:spcBef>
-                <a:spcPts val="0"/>
-              </a:spcBef>
-              <a:spcAft>
-                <a:spcPts val="0"/>
-              </a:spcAft>
-              <a:buSzPts val="2100"/>
-              <a:buNone/>
-              <a:defRPr sz="2100"/>
+            <a:lvl4pPr lvl="3">
+              <a:spcBef>
+                <a:spcPts val="0"/>
+              </a:spcBef>
+              <a:spcAft>
+                <a:spcPts val="0"/>
+              </a:spcAft>
+              <a:buSzPts val="3000"/>
+              <a:buNone/>
+              <a:defRPr sz="3000"/>
             </a:lvl4pPr>
-            <a:lvl5pPr lvl="4" algn="ctr">
-              <a:lnSpc>
-                <a:spcPct val="100000"/>
-              </a:lnSpc>
-              <a:spcBef>
-                <a:spcPts val="0"/>
-              </a:spcBef>
-              <a:spcAft>
-                <a:spcPts val="0"/>
-              </a:spcAft>
-              <a:buSzPts val="2100"/>
-              <a:buNone/>
-              <a:defRPr sz="2100"/>
+            <a:lvl5pPr lvl="4">
+              <a:spcBef>
+                <a:spcPts val="0"/>
+              </a:spcBef>
+              <a:spcAft>
+                <a:spcPts val="0"/>
+              </a:spcAft>
+              <a:buSzPts val="3000"/>
+              <a:buNone/>
+              <a:defRPr sz="3000"/>
             </a:lvl5pPr>
-            <a:lvl6pPr lvl="5" algn="ctr">
-              <a:lnSpc>
-                <a:spcPct val="100000"/>
-              </a:lnSpc>
-              <a:spcBef>
-                <a:spcPts val="0"/>
-              </a:spcBef>
-              <a:spcAft>
-                <a:spcPts val="0"/>
-              </a:spcAft>
-              <a:buSzPts val="2100"/>
-              <a:buNone/>
-              <a:defRPr sz="2100"/>
+            <a:lvl6pPr lvl="5">
+              <a:spcBef>
+                <a:spcPts val="0"/>
+              </a:spcBef>
+              <a:spcAft>
+                <a:spcPts val="0"/>
+              </a:spcAft>
+              <a:buSzPts val="3000"/>
+              <a:buNone/>
+              <a:defRPr sz="3000"/>
             </a:lvl6pPr>
-            <a:lvl7pPr lvl="6" algn="ctr">
-              <a:lnSpc>
-                <a:spcPct val="100000"/>
-              </a:lnSpc>
-              <a:spcBef>
-                <a:spcPts val="0"/>
-              </a:spcBef>
-              <a:spcAft>
-                <a:spcPts val="0"/>
-              </a:spcAft>
-              <a:buSzPts val="2100"/>
-              <a:buNone/>
-              <a:defRPr sz="2100"/>
+            <a:lvl7pPr lvl="6">
+              <a:spcBef>
+                <a:spcPts val="0"/>
+              </a:spcBef>
+              <a:spcAft>
+                <a:spcPts val="0"/>
+              </a:spcAft>
+              <a:buSzPts val="3000"/>
+              <a:buNone/>
+              <a:defRPr sz="3000"/>
             </a:lvl7pPr>
-            <a:lvl8pPr lvl="7" algn="ctr">
-              <a:lnSpc>
-                <a:spcPct val="100000"/>
-              </a:lnSpc>
-              <a:spcBef>
-                <a:spcPts val="0"/>
-              </a:spcBef>
-              <a:spcAft>
-                <a:spcPts val="0"/>
-              </a:spcAft>
-              <a:buSzPts val="2100"/>
-              <a:buNone/>
-              <a:defRPr sz="2100"/>
+            <a:lvl8pPr lvl="7">
+              <a:spcBef>
+                <a:spcPts val="0"/>
+              </a:spcBef>
+              <a:spcAft>
+                <a:spcPts val="0"/>
+              </a:spcAft>
+              <a:buSzPts val="3000"/>
+              <a:buNone/>
+              <a:defRPr sz="3000"/>
             </a:lvl8pPr>
-            <a:lvl9pPr lvl="8" algn="ctr">
-              <a:lnSpc>
-                <a:spcPct val="100000"/>
-              </a:lnSpc>
-              <a:spcBef>
-                <a:spcPts val="0"/>
-              </a:spcBef>
-              <a:spcAft>
-                <a:spcPts val="0"/>
-              </a:spcAft>
-              <a:buSzPts val="2100"/>
-              <a:buNone/>
-              <a:defRPr sz="2100"/>
+            <a:lvl9pPr lvl="8">
+              <a:spcBef>
+                <a:spcPts val="0"/>
+              </a:spcBef>
+              <a:spcAft>
+                <a:spcPts val="0"/>
+              </a:spcAft>
+              <a:buSzPts val="3000"/>
+              <a:buNone/>
+              <a:defRPr sz="3000"/>
             </a:lvl9pPr>
           </a:lstStyle>
           <a:p/>
@@ -4323,27 +7277,30 @@
       </p:sp>
       <p:sp>
         <p:nvSpPr>
-          <p:cNvPr id="39" name="Google Shape;39;p9"/>
+          <p:cNvPr id="100" name="Google Shape;100;p9"/>
           <p:cNvSpPr txBox="1"/>
           <p:nvPr>
-            <p:ph idx="2" type="body"/>
+            <p:ph idx="1" type="subTitle"/>
           </p:nvPr>
         </p:nvSpPr>
         <p:spPr>
           <a:xfrm>
-            <a:off x="4939500" y="724200"/>
-            <a:ext cx="3837000" cy="3695100"/>
+            <a:off x="819150" y="1550700"/>
+            <a:ext cx="5859900" cy="393600"/>
           </a:xfrm>
           <a:prstGeom prst="rect">
             <a:avLst/>
           </a:prstGeom>
         </p:spPr>
         <p:txBody>
-          <a:bodyPr anchorCtr="0" anchor="ctr" bIns="91425" lIns="91425" spcFirstLastPara="1" rIns="91425" wrap="square" tIns="91425">
+          <a:bodyPr anchorCtr="0" anchor="t" bIns="91425" lIns="91425" spcFirstLastPara="1" rIns="91425" wrap="square" tIns="91425">
             <a:normAutofit/>
           </a:bodyPr>
           <a:lstStyle>
-            <a:lvl1pPr indent="-342900" lvl="0" marL="457200">
+            <a:lvl1pPr lvl="0">
+              <a:lnSpc>
+                <a:spcPct val="100000"/>
+              </a:lnSpc>
               <a:spcBef>
                 <a:spcPts val="0"/>
               </a:spcBef>
@@ -4351,17 +7308,20 @@
                 <a:spcPts val="0"/>
               </a:spcAft>
               <a:buClr>
-                <a:schemeClr val="dk1"/>
+                <a:schemeClr val="lt1"/>
               </a:buClr>
-              <a:buSzPts val="1800"/>
-              <a:buChar char="●"/>
-              <a:defRPr>
+              <a:buSzPts val="1600"/>
+              <a:buNone/>
+              <a:defRPr sz="1600">
                 <a:solidFill>
-                  <a:schemeClr val="dk1"/>
+                  <a:schemeClr val="lt1"/>
                 </a:solidFill>
               </a:defRPr>
             </a:lvl1pPr>
-            <a:lvl2pPr indent="-317500" lvl="1" marL="914400">
+            <a:lvl2pPr lvl="1">
+              <a:lnSpc>
+                <a:spcPct val="100000"/>
+              </a:lnSpc>
               <a:spcBef>
                 <a:spcPts val="0"/>
               </a:spcBef>
@@ -4369,17 +7329,20 @@
                 <a:spcPts val="0"/>
               </a:spcAft>
               <a:buClr>
-                <a:schemeClr val="dk1"/>
+                <a:schemeClr val="lt1"/>
               </a:buClr>
-              <a:buSzPts val="1400"/>
-              <a:buChar char="○"/>
-              <a:defRPr>
+              <a:buSzPts val="1600"/>
+              <a:buNone/>
+              <a:defRPr sz="1600">
                 <a:solidFill>
-                  <a:schemeClr val="dk1"/>
+                  <a:schemeClr val="lt1"/>
                 </a:solidFill>
               </a:defRPr>
             </a:lvl2pPr>
-            <a:lvl3pPr indent="-317500" lvl="2" marL="1371600">
+            <a:lvl3pPr lvl="2">
+              <a:lnSpc>
+                <a:spcPct val="100000"/>
+              </a:lnSpc>
               <a:spcBef>
                 <a:spcPts val="0"/>
               </a:spcBef>
@@ -4387,17 +7350,20 @@
                 <a:spcPts val="0"/>
               </a:spcAft>
               <a:buClr>
-                <a:schemeClr val="dk1"/>
+                <a:schemeClr val="lt1"/>
               </a:buClr>
-              <a:buSzPts val="1400"/>
-              <a:buChar char="■"/>
-              <a:defRPr>
+              <a:buSzPts val="1600"/>
+              <a:buNone/>
+              <a:defRPr sz="1600">
                 <a:solidFill>
-                  <a:schemeClr val="dk1"/>
+                  <a:schemeClr val="lt1"/>
                 </a:solidFill>
               </a:defRPr>
             </a:lvl3pPr>
-            <a:lvl4pPr indent="-317500" lvl="3" marL="1828800">
+            <a:lvl4pPr lvl="3">
+              <a:lnSpc>
+                <a:spcPct val="100000"/>
+              </a:lnSpc>
               <a:spcBef>
                 <a:spcPts val="0"/>
               </a:spcBef>
@@ -4405,17 +7371,20 @@
                 <a:spcPts val="0"/>
               </a:spcAft>
               <a:buClr>
-                <a:schemeClr val="dk1"/>
+                <a:schemeClr val="lt1"/>
               </a:buClr>
-              <a:buSzPts val="1400"/>
-              <a:buChar char="●"/>
-              <a:defRPr>
+              <a:buSzPts val="1600"/>
+              <a:buNone/>
+              <a:defRPr sz="1600">
                 <a:solidFill>
-                  <a:schemeClr val="dk1"/>
+                  <a:schemeClr val="lt1"/>
                 </a:solidFill>
               </a:defRPr>
             </a:lvl4pPr>
-            <a:lvl5pPr indent="-317500" lvl="4" marL="2286000">
+            <a:lvl5pPr lvl="4">
+              <a:lnSpc>
+                <a:spcPct val="100000"/>
+              </a:lnSpc>
               <a:spcBef>
                 <a:spcPts val="0"/>
               </a:spcBef>
@@ -4423,17 +7392,20 @@
                 <a:spcPts val="0"/>
               </a:spcAft>
               <a:buClr>
-                <a:schemeClr val="dk1"/>
+                <a:schemeClr val="lt1"/>
               </a:buClr>
-              <a:buSzPts val="1400"/>
-              <a:buChar char="○"/>
-              <a:defRPr>
+              <a:buSzPts val="1600"/>
+              <a:buNone/>
+              <a:defRPr sz="1600">
                 <a:solidFill>
-                  <a:schemeClr val="dk1"/>
+                  <a:schemeClr val="lt1"/>
                 </a:solidFill>
               </a:defRPr>
             </a:lvl5pPr>
-            <a:lvl6pPr indent="-317500" lvl="5" marL="2743200">
+            <a:lvl6pPr lvl="5">
+              <a:lnSpc>
+                <a:spcPct val="100000"/>
+              </a:lnSpc>
               <a:spcBef>
                 <a:spcPts val="0"/>
               </a:spcBef>
@@ -4441,17 +7413,20 @@
                 <a:spcPts val="0"/>
               </a:spcAft>
               <a:buClr>
-                <a:schemeClr val="dk1"/>
+                <a:schemeClr val="lt1"/>
               </a:buClr>
-              <a:buSzPts val="1400"/>
-              <a:buChar char="■"/>
-              <a:defRPr>
+              <a:buSzPts val="1600"/>
+              <a:buNone/>
+              <a:defRPr sz="1600">
                 <a:solidFill>
-                  <a:schemeClr val="dk1"/>
+                  <a:schemeClr val="lt1"/>
                 </a:solidFill>
               </a:defRPr>
             </a:lvl6pPr>
-            <a:lvl7pPr indent="-317500" lvl="6" marL="3200400">
+            <a:lvl7pPr lvl="6">
+              <a:lnSpc>
+                <a:spcPct val="100000"/>
+              </a:lnSpc>
               <a:spcBef>
                 <a:spcPts val="0"/>
               </a:spcBef>
@@ -4459,17 +7434,20 @@
                 <a:spcPts val="0"/>
               </a:spcAft>
               <a:buClr>
-                <a:schemeClr val="dk1"/>
+                <a:schemeClr val="lt1"/>
               </a:buClr>
-              <a:buSzPts val="1400"/>
-              <a:buChar char="●"/>
-              <a:defRPr>
+              <a:buSzPts val="1600"/>
+              <a:buNone/>
+              <a:defRPr sz="1600">
                 <a:solidFill>
-                  <a:schemeClr val="dk1"/>
+                  <a:schemeClr val="lt1"/>
                 </a:solidFill>
               </a:defRPr>
             </a:lvl7pPr>
-            <a:lvl8pPr indent="-317500" lvl="7" marL="3657600">
+            <a:lvl8pPr lvl="7">
+              <a:lnSpc>
+                <a:spcPct val="100000"/>
+              </a:lnSpc>
               <a:spcBef>
                 <a:spcPts val="0"/>
               </a:spcBef>
@@ -4477,17 +7455,20 @@
                 <a:spcPts val="0"/>
               </a:spcAft>
               <a:buClr>
-                <a:schemeClr val="dk1"/>
+                <a:schemeClr val="lt1"/>
               </a:buClr>
-              <a:buSzPts val="1400"/>
-              <a:buChar char="○"/>
-              <a:defRPr>
+              <a:buSzPts val="1600"/>
+              <a:buNone/>
+              <a:defRPr sz="1600">
                 <a:solidFill>
-                  <a:schemeClr val="dk1"/>
+                  <a:schemeClr val="lt1"/>
                 </a:solidFill>
               </a:defRPr>
             </a:lvl8pPr>
-            <a:lvl9pPr indent="-317500" lvl="8" marL="4114800">
+            <a:lvl9pPr lvl="8">
+              <a:lnSpc>
+                <a:spcPct val="100000"/>
+              </a:lnSpc>
               <a:spcBef>
                 <a:spcPts val="0"/>
               </a:spcBef>
@@ -4495,13 +7476,13 @@
                 <a:spcPts val="0"/>
               </a:spcAft>
               <a:buClr>
-                <a:schemeClr val="dk1"/>
+                <a:schemeClr val="lt1"/>
               </a:buClr>
-              <a:buSzPts val="1400"/>
-              <a:buChar char="■"/>
-              <a:defRPr>
+              <a:buSzPts val="1600"/>
+              <a:buNone/>
+              <a:defRPr sz="1600">
                 <a:solidFill>
-                  <a:schemeClr val="dk1"/>
+                  <a:schemeClr val="lt1"/>
                 </a:solidFill>
               </a:defRPr>
             </a:lvl9pPr>
@@ -4511,7 +7492,132 @@
       </p:sp>
       <p:sp>
         <p:nvSpPr>
-          <p:cNvPr id="40" name="Google Shape;40;p9"/>
+          <p:cNvPr id="101" name="Google Shape;101;p9"/>
+          <p:cNvSpPr txBox="1"/>
+          <p:nvPr>
+            <p:ph idx="2" type="body"/>
+          </p:nvPr>
+        </p:nvSpPr>
+        <p:spPr>
+          <a:xfrm>
+            <a:off x="819150" y="2467050"/>
+            <a:ext cx="5859900" cy="2095500"/>
+          </a:xfrm>
+          <a:prstGeom prst="rect">
+            <a:avLst/>
+          </a:prstGeom>
+        </p:spPr>
+        <p:txBody>
+          <a:bodyPr anchorCtr="0" anchor="t" bIns="91425" lIns="91425" spcFirstLastPara="1" rIns="91425" wrap="square" tIns="91425">
+            <a:normAutofit/>
+          </a:bodyPr>
+          <a:lstStyle>
+            <a:lvl1pPr indent="-311150" lvl="0" marL="457200">
+              <a:spcBef>
+                <a:spcPts val="0"/>
+              </a:spcBef>
+              <a:spcAft>
+                <a:spcPts val="0"/>
+              </a:spcAft>
+              <a:buSzPts val="1300"/>
+              <a:buChar char="●"/>
+              <a:defRPr/>
+            </a:lvl1pPr>
+            <a:lvl2pPr indent="-298450" lvl="1" marL="914400">
+              <a:spcBef>
+                <a:spcPts val="0"/>
+              </a:spcBef>
+              <a:spcAft>
+                <a:spcPts val="0"/>
+              </a:spcAft>
+              <a:buSzPts val="1100"/>
+              <a:buChar char="○"/>
+              <a:defRPr/>
+            </a:lvl2pPr>
+            <a:lvl3pPr indent="-298450" lvl="2" marL="1371600">
+              <a:spcBef>
+                <a:spcPts val="0"/>
+              </a:spcBef>
+              <a:spcAft>
+                <a:spcPts val="0"/>
+              </a:spcAft>
+              <a:buSzPts val="1100"/>
+              <a:buChar char="■"/>
+              <a:defRPr/>
+            </a:lvl3pPr>
+            <a:lvl4pPr indent="-298450" lvl="3" marL="1828800">
+              <a:spcBef>
+                <a:spcPts val="0"/>
+              </a:spcBef>
+              <a:spcAft>
+                <a:spcPts val="0"/>
+              </a:spcAft>
+              <a:buSzPts val="1100"/>
+              <a:buChar char="●"/>
+              <a:defRPr/>
+            </a:lvl4pPr>
+            <a:lvl5pPr indent="-298450" lvl="4" marL="2286000">
+              <a:spcBef>
+                <a:spcPts val="0"/>
+              </a:spcBef>
+              <a:spcAft>
+                <a:spcPts val="0"/>
+              </a:spcAft>
+              <a:buSzPts val="1100"/>
+              <a:buChar char="○"/>
+              <a:defRPr/>
+            </a:lvl5pPr>
+            <a:lvl6pPr indent="-298450" lvl="5" marL="2743200">
+              <a:spcBef>
+                <a:spcPts val="0"/>
+              </a:spcBef>
+              <a:spcAft>
+                <a:spcPts val="0"/>
+              </a:spcAft>
+              <a:buSzPts val="1100"/>
+              <a:buChar char="■"/>
+              <a:defRPr/>
+            </a:lvl6pPr>
+            <a:lvl7pPr indent="-298450" lvl="6" marL="3200400">
+              <a:spcBef>
+                <a:spcPts val="0"/>
+              </a:spcBef>
+              <a:spcAft>
+                <a:spcPts val="0"/>
+              </a:spcAft>
+              <a:buSzPts val="1100"/>
+              <a:buChar char="●"/>
+              <a:defRPr/>
+            </a:lvl7pPr>
+            <a:lvl8pPr indent="-298450" lvl="7" marL="3657600">
+              <a:spcBef>
+                <a:spcPts val="0"/>
+              </a:spcBef>
+              <a:spcAft>
+                <a:spcPts val="0"/>
+              </a:spcAft>
+              <a:buSzPts val="1100"/>
+              <a:buChar char="○"/>
+              <a:defRPr/>
+            </a:lvl8pPr>
+            <a:lvl9pPr indent="-298450" lvl="8" marL="4114800">
+              <a:spcBef>
+                <a:spcPts val="0"/>
+              </a:spcBef>
+              <a:spcAft>
+                <a:spcPts val="0"/>
+              </a:spcAft>
+              <a:buSzPts val="1100"/>
+              <a:buChar char="■"/>
+              <a:defRPr/>
+            </a:lvl9pPr>
+          </a:lstStyle>
+          <a:p/>
+        </p:txBody>
+      </p:sp>
+      <p:sp>
+        <p:nvSpPr>
+          <p:cNvPr id="102" name="Google Shape;102;p9"/>
           <p:cNvSpPr txBox="1"/>
           <p:nvPr>
             <p:ph idx="12" type="sldNum"/>
@@ -4519,7 +7625,7 @@
         </p:nvSpPr>
         <p:spPr>
           <a:xfrm>
-            <a:off x="8472458" y="4663217"/>
+            <a:off x="8390734" y="4543668"/>
             <a:ext cx="548700" cy="393600"/>
           </a:xfrm>
           <a:prstGeom prst="rect">
@@ -4599,7 +7705,7 @@
   <p:cSld name="CAPTION_ONLY">
     <p:spTree>
       <p:nvGrpSpPr>
-        <p:cNvPr id="41" name="Shape 41"/>
+        <p:cNvPr id="103" name="Shape 103"/>
         <p:cNvGrpSpPr/>
         <p:nvPr/>
       </p:nvGrpSpPr>
@@ -4613,7 +7719,143 @@
       </p:grpSpPr>
       <p:sp>
         <p:nvSpPr>
-          <p:cNvPr id="42" name="Google Shape;42;p10"/>
+          <p:cNvPr id="104" name="Google Shape;104;p10"/>
+          <p:cNvSpPr/>
+          <p:nvPr/>
+        </p:nvSpPr>
+        <p:spPr>
+          <a:xfrm>
+            <a:off x="31" y="2824500"/>
+            <a:ext cx="7370400" cy="2319000"/>
+          </a:xfrm>
+          <a:prstGeom prst="rtTriangle">
+            <a:avLst/>
+          </a:prstGeom>
+          <a:solidFill>
+            <a:schemeClr val="lt2"/>
+          </a:solidFill>
+          <a:ln>
+            <a:noFill/>
+          </a:ln>
+        </p:spPr>
+        <p:txBody>
+          <a:bodyPr anchorCtr="0" anchor="ctr" bIns="91425" lIns="91425" spcFirstLastPara="1" rIns="91425" wrap="square" tIns="91425">
+            <a:noAutofit/>
+          </a:bodyPr>
+          <a:lstStyle/>
+          <a:p>
+            <a:pPr indent="0" lvl="0" marL="0" rtl="0" algn="l">
+              <a:spcBef>
+                <a:spcPts val="0"/>
+              </a:spcBef>
+              <a:spcAft>
+                <a:spcPts val="0"/>
+              </a:spcAft>
+              <a:buNone/>
+            </a:pPr>
+            <a:r>
+              <a:t/>
+            </a:r>
+            <a:endParaRPr/>
+          </a:p>
+        </p:txBody>
+      </p:sp>
+      <p:sp>
+        <p:nvSpPr>
+          <p:cNvPr id="105" name="Google Shape;105;p10"/>
+          <p:cNvSpPr/>
+          <p:nvPr/>
+        </p:nvSpPr>
+        <p:spPr>
+          <a:xfrm flipH="1">
+            <a:off x="3582600" y="1550700"/>
+            <a:ext cx="5561400" cy="3592800"/>
+          </a:xfrm>
+          <a:prstGeom prst="rtTriangle">
+            <a:avLst/>
+          </a:prstGeom>
+          <a:solidFill>
+            <a:schemeClr val="dk2"/>
+          </a:solidFill>
+          <a:ln>
+            <a:noFill/>
+          </a:ln>
+        </p:spPr>
+        <p:txBody>
+          <a:bodyPr anchorCtr="0" anchor="ctr" bIns="91425" lIns="91425" spcFirstLastPara="1" rIns="91425" wrap="square" tIns="91425">
+            <a:noAutofit/>
+          </a:bodyPr>
+          <a:lstStyle/>
+          <a:p>
+            <a:pPr indent="0" lvl="0" marL="0" rtl="0" algn="l">
+              <a:spcBef>
+                <a:spcPts val="0"/>
+              </a:spcBef>
+              <a:spcAft>
+                <a:spcPts val="0"/>
+              </a:spcAft>
+              <a:buNone/>
+            </a:pPr>
+            <a:r>
+              <a:t/>
+            </a:r>
+            <a:endParaRPr/>
+          </a:p>
+        </p:txBody>
+      </p:sp>
+      <p:sp>
+        <p:nvSpPr>
+          <p:cNvPr id="106" name="Google Shape;106;p10"/>
+          <p:cNvSpPr/>
+          <p:nvPr/>
+        </p:nvSpPr>
+        <p:spPr>
+          <a:xfrm>
+            <a:off x="203225" y="206250"/>
+            <a:ext cx="8737500" cy="4731000"/>
+          </a:xfrm>
+          <a:prstGeom prst="rect">
+            <a:avLst/>
+          </a:prstGeom>
+          <a:solidFill>
+            <a:schemeClr val="dk1"/>
+          </a:solidFill>
+          <a:ln>
+            <a:noFill/>
+          </a:ln>
+          <a:effectLst>
+            <a:outerShdw blurRad="228600" sx="101000" rotWithShape="0" algn="ctr" sy="101000">
+              <a:srgbClr val="000000">
+                <a:alpha val="40000"/>
+              </a:srgbClr>
+            </a:outerShdw>
+          </a:effectLst>
+        </p:spPr>
+        <p:txBody>
+          <a:bodyPr anchorCtr="0" anchor="ctr" bIns="91425" lIns="91425" spcFirstLastPara="1" rIns="91425" wrap="square" tIns="91425">
+            <a:noAutofit/>
+          </a:bodyPr>
+          <a:lstStyle/>
+          <a:p>
+            <a:pPr indent="0" lvl="0" marL="0" rtl="0" algn="l">
+              <a:spcBef>
+                <a:spcPts val="0"/>
+              </a:spcBef>
+              <a:spcAft>
+                <a:spcPts val="0"/>
+              </a:spcAft>
+              <a:buNone/>
+            </a:pPr>
+            <a:r>
+              <a:t/>
+            </a:r>
+            <a:endParaRPr/>
+          </a:p>
+        </p:txBody>
+      </p:sp>
+      <p:sp>
+        <p:nvSpPr>
+          <p:cNvPr id="107" name="Google Shape;107;p10"/>
           <p:cNvSpPr txBox="1"/>
           <p:nvPr>
             <p:ph idx="1" type="body"/>
@@ -4621,15 +7863,15 @@
         </p:nvSpPr>
         <p:spPr>
           <a:xfrm>
-            <a:off x="311700" y="4230575"/>
-            <a:ext cx="5998800" cy="605100"/>
+            <a:off x="328025" y="4163500"/>
+            <a:ext cx="7415100" cy="605100"/>
           </a:xfrm>
           <a:prstGeom prst="rect">
             <a:avLst/>
           </a:prstGeom>
         </p:spPr>
         <p:txBody>
-          <a:bodyPr anchorCtr="0" anchor="ctr" bIns="91425" lIns="91425" spcFirstLastPara="1" rIns="91425" wrap="square" tIns="91425">
+          <a:bodyPr anchorCtr="0" anchor="b" bIns="91425" lIns="91425" spcFirstLastPara="1" rIns="91425" wrap="square" tIns="91425">
             <a:normAutofit/>
           </a:bodyPr>
           <a:lstStyle>
@@ -4643,7 +7885,7 @@
               <a:spcAft>
                 <a:spcPts val="0"/>
               </a:spcAft>
-              <a:buSzPts val="1800"/>
+              <a:buSzPts val="1300"/>
               <a:buNone/>
               <a:defRPr/>
             </a:lvl1pPr>
@@ -4653,7 +7895,7 @@
       </p:sp>
       <p:sp>
         <p:nvSpPr>
-          <p:cNvPr id="43" name="Google Shape;43;p10"/>
+          <p:cNvPr id="108" name="Google Shape;108;p10"/>
           <p:cNvSpPr txBox="1"/>
           <p:nvPr>
             <p:ph idx="12" type="sldNum"/>
@@ -4661,7 +7903,7 @@
         </p:nvSpPr>
         <p:spPr>
           <a:xfrm>
-            <a:off x="8472458" y="4663217"/>
+            <a:off x="8390734" y="4543668"/>
             <a:ext cx="548700" cy="393600"/>
           </a:xfrm>
           <a:prstGeom prst="rect">
@@ -4738,12 +7980,17 @@
 
 <file path=ppt/slideMasters/slideMaster1.xml><?xml version="1.0" encoding="utf-8"?>
 <p:sldMaster xmlns:a="http://schemas.openxmlformats.org/drawingml/2006/main" xmlns:r="http://schemas.openxmlformats.org/officeDocument/2006/relationships" xmlns:mc="http://schemas.openxmlformats.org/markup-compatibility/2006" xmlns:mv="urn:schemas-microsoft-com:mac:vml" xmlns:p="http://schemas.openxmlformats.org/presentationml/2006/main" xmlns:c="http://schemas.openxmlformats.org/drawingml/2006/chart" xmlns:dgm="http://schemas.openxmlformats.org/drawingml/2006/diagram" xmlns:o="urn:schemas-microsoft-com:office:office" xmlns:v="urn:schemas-microsoft-com:vml" xmlns:pvml="urn:schemas-microsoft-com:office:powerpoint" xmlns:com="http://schemas.openxmlformats.org/drawingml/2006/compatibility" xmlns:p14="http://schemas.microsoft.com/office/powerpoint/2010/main" xmlns:p15="http://schemas.microsoft.com/office/powerpoint/2012/main" xmlns:ahyp="http://schemas.microsoft.com/office/drawing/2018/hyperlinkcolor">
-  <p:cSld name="simple-dark-2">
+  <p:cSld name="shift">
     <p:bg>
       <p:bgPr>
-        <a:solidFill>
-          <a:schemeClr val="lt1"/>
-        </a:solidFill>
+        <a:blipFill>
+          <a:blip r:embed="rId1">
+            <a:alphaModFix/>
+          </a:blip>
+          <a:stretch>
+            <a:fillRect/>
+          </a:stretch>
+        </a:blipFill>
       </p:bgPr>
     </p:bg>
     <p:spTree>
@@ -4794,14 +8041,19 @@
                 <a:spcPts val="0"/>
               </a:spcAft>
               <a:buClr>
-                <a:schemeClr val="dk1"/>
+                <a:schemeClr val="lt1"/>
               </a:buClr>
               <a:buSzPts val="2800"/>
+              <a:buFont typeface="Nunito"/>
               <a:buNone/>
               <a:defRPr sz="2800">
                 <a:solidFill>
-                  <a:schemeClr val="dk1"/>
+                  <a:schemeClr val="lt1"/>
                 </a:solidFill>
+                <a:latin typeface="Nunito"/>
+                <a:ea typeface="Nunito"/>
+                <a:cs typeface="Nunito"/>
+                <a:sym typeface="Nunito"/>
               </a:defRPr>
             </a:lvl1pPr>
             <a:lvl2pPr lvl="1">
@@ -4812,14 +8064,19 @@
                 <a:spcPts val="0"/>
               </a:spcAft>
               <a:buClr>
-                <a:schemeClr val="dk1"/>
+                <a:schemeClr val="lt1"/>
               </a:buClr>
               <a:buSzPts val="2800"/>
+              <a:buFont typeface="Nunito"/>
               <a:buNone/>
               <a:defRPr sz="2800">
                 <a:solidFill>
-                  <a:schemeClr val="dk1"/>
+                  <a:schemeClr val="lt1"/>
                 </a:solidFill>
+                <a:latin typeface="Nunito"/>
+                <a:ea typeface="Nunito"/>
+                <a:cs typeface="Nunito"/>
+                <a:sym typeface="Nunito"/>
               </a:defRPr>
             </a:lvl2pPr>
             <a:lvl3pPr lvl="2">
@@ -4830,14 +8087,19 @@
                 <a:spcPts val="0"/>
               </a:spcAft>
               <a:buClr>
-                <a:schemeClr val="dk1"/>
+                <a:schemeClr val="lt1"/>
               </a:buClr>
               <a:buSzPts val="2800"/>
+              <a:buFont typeface="Nunito"/>
               <a:buNone/>
               <a:defRPr sz="2800">
                 <a:solidFill>
-                  <a:schemeClr val="dk1"/>
+                  <a:schemeClr val="lt1"/>
                 </a:solidFill>
+                <a:latin typeface="Nunito"/>
+                <a:ea typeface="Nunito"/>
+                <a:cs typeface="Nunito"/>
+                <a:sym typeface="Nunito"/>
               </a:defRPr>
             </a:lvl3pPr>
             <a:lvl4pPr lvl="3">
@@ -4848,14 +8110,19 @@
                 <a:spcPts val="0"/>
               </a:spcAft>
               <a:buClr>
-                <a:schemeClr val="dk1"/>
+                <a:schemeClr val="lt1"/>
               </a:buClr>
               <a:buSzPts val="2800"/>
+              <a:buFont typeface="Nunito"/>
               <a:buNone/>
               <a:defRPr sz="2800">
                 <a:solidFill>
-                  <a:schemeClr val="dk1"/>
+                  <a:schemeClr val="lt1"/>
                 </a:solidFill>
+                <a:latin typeface="Nunito"/>
+                <a:ea typeface="Nunito"/>
+                <a:cs typeface="Nunito"/>
+                <a:sym typeface="Nunito"/>
               </a:defRPr>
             </a:lvl4pPr>
             <a:lvl5pPr lvl="4">
@@ -4866,14 +8133,19 @@
                 <a:spcPts val="0"/>
               </a:spcAft>
               <a:buClr>
-                <a:schemeClr val="dk1"/>
+                <a:schemeClr val="lt1"/>
               </a:buClr>
               <a:buSzPts val="2800"/>
+              <a:buFont typeface="Nunito"/>
               <a:buNone/>
               <a:defRPr sz="2800">
                 <a:solidFill>
-                  <a:schemeClr val="dk1"/>
+                  <a:schemeClr val="lt1"/>
                 </a:solidFill>
+                <a:latin typeface="Nunito"/>
+                <a:ea typeface="Nunito"/>
+                <a:cs typeface="Nunito"/>
+                <a:sym typeface="Nunito"/>
               </a:defRPr>
             </a:lvl5pPr>
             <a:lvl6pPr lvl="5">
@@ -4884,14 +8156,19 @@
                 <a:spcPts val="0"/>
               </a:spcAft>
               <a:buClr>
-                <a:schemeClr val="dk1"/>
+                <a:schemeClr val="lt1"/>
               </a:buClr>
               <a:buSzPts val="2800"/>
+              <a:buFont typeface="Nunito"/>
               <a:buNone/>
               <a:defRPr sz="2800">
                 <a:solidFill>
-                  <a:schemeClr val="dk1"/>
+                  <a:schemeClr val="lt1"/>
                 </a:solidFill>
+                <a:latin typeface="Nunito"/>
+                <a:ea typeface="Nunito"/>
+                <a:cs typeface="Nunito"/>
+                <a:sym typeface="Nunito"/>
               </a:defRPr>
             </a:lvl6pPr>
             <a:lvl7pPr lvl="6">
@@ -4902,14 +8179,19 @@
                 <a:spcPts val="0"/>
               </a:spcAft>
               <a:buClr>
-                <a:schemeClr val="dk1"/>
+                <a:schemeClr val="lt1"/>
               </a:buClr>
               <a:buSzPts val="2800"/>
+              <a:buFont typeface="Nunito"/>
               <a:buNone/>
               <a:defRPr sz="2800">
                 <a:solidFill>
-                  <a:schemeClr val="dk1"/>
+                  <a:schemeClr val="lt1"/>
                 </a:solidFill>
+                <a:latin typeface="Nunito"/>
+                <a:ea typeface="Nunito"/>
+                <a:cs typeface="Nunito"/>
+                <a:sym typeface="Nunito"/>
               </a:defRPr>
             </a:lvl7pPr>
             <a:lvl8pPr lvl="7">
@@ -4920,14 +8202,19 @@
                 <a:spcPts val="0"/>
               </a:spcAft>
               <a:buClr>
-                <a:schemeClr val="dk1"/>
+                <a:schemeClr val="lt1"/>
               </a:buClr>
               <a:buSzPts val="2800"/>
+              <a:buFont typeface="Nunito"/>
               <a:buNone/>
               <a:defRPr sz="2800">
                 <a:solidFill>
-                  <a:schemeClr val="dk1"/>
+                  <a:schemeClr val="lt1"/>
                 </a:solidFill>
+                <a:latin typeface="Nunito"/>
+                <a:ea typeface="Nunito"/>
+                <a:cs typeface="Nunito"/>
+                <a:sym typeface="Nunito"/>
               </a:defRPr>
             </a:lvl8pPr>
             <a:lvl9pPr lvl="8">
@@ -4938,14 +8225,19 @@
                 <a:spcPts val="0"/>
               </a:spcAft>
               <a:buClr>
-                <a:schemeClr val="dk1"/>
+                <a:schemeClr val="lt1"/>
               </a:buClr>
               <a:buSzPts val="2800"/>
+              <a:buFont typeface="Nunito"/>
               <a:buNone/>
               <a:defRPr sz="2800">
                 <a:solidFill>
-                  <a:schemeClr val="dk1"/>
+                  <a:schemeClr val="lt1"/>
                 </a:solidFill>
+                <a:latin typeface="Nunito"/>
+                <a:ea typeface="Nunito"/>
+                <a:cs typeface="Nunito"/>
+                <a:sym typeface="Nunito"/>
               </a:defRPr>
             </a:lvl9pPr>
           </a:lstStyle>
@@ -4963,7 +8255,7 @@
         <p:spPr>
           <a:xfrm>
             <a:off x="311700" y="1152475"/>
-            <a:ext cx="8520600" cy="3416400"/>
+            <a:ext cx="8520600" cy="3391200"/>
           </a:xfrm>
           <a:prstGeom prst="rect">
             <a:avLst/>
@@ -4978,7 +8270,7 @@
             <a:normAutofit/>
           </a:bodyPr>
           <a:lstStyle>
-            <a:lvl1pPr indent="-342900" lvl="0" marL="457200">
+            <a:lvl1pPr indent="-311150" lvl="0" marL="457200">
               <a:lnSpc>
                 <a:spcPct val="115000"/>
               </a:lnSpc>
@@ -4989,17 +8281,22 @@
                 <a:spcPts val="0"/>
               </a:spcAft>
               <a:buClr>
-                <a:schemeClr val="lt2"/>
+                <a:schemeClr val="dk2"/>
               </a:buClr>
-              <a:buSzPts val="1800"/>
+              <a:buSzPts val="1300"/>
+              <a:buFont typeface="Calibri"/>
               <a:buChar char="●"/>
-              <a:defRPr sz="1800">
+              <a:defRPr sz="1300">
                 <a:solidFill>
-                  <a:schemeClr val="lt2"/>
+                  <a:schemeClr val="dk2"/>
                 </a:solidFill>
+                <a:latin typeface="Calibri"/>
+                <a:ea typeface="Calibri"/>
+                <a:cs typeface="Calibri"/>
+                <a:sym typeface="Calibri"/>
               </a:defRPr>
             </a:lvl1pPr>
-            <a:lvl2pPr indent="-317500" lvl="1" marL="914400">
+            <a:lvl2pPr indent="-298450" lvl="1" marL="914400">
               <a:lnSpc>
                 <a:spcPct val="115000"/>
               </a:lnSpc>
@@ -5010,17 +8307,22 @@
                 <a:spcPts val="0"/>
               </a:spcAft>
               <a:buClr>
-                <a:schemeClr val="lt2"/>
+                <a:schemeClr val="dk2"/>
               </a:buClr>
-              <a:buSzPts val="1400"/>
+              <a:buSzPts val="1100"/>
+              <a:buFont typeface="Calibri"/>
               <a:buChar char="○"/>
-              <a:defRPr>
+              <a:defRPr sz="1100">
                 <a:solidFill>
-                  <a:schemeClr val="lt2"/>
+                  <a:schemeClr val="dk2"/>
                 </a:solidFill>
+                <a:latin typeface="Calibri"/>
+                <a:ea typeface="Calibri"/>
+                <a:cs typeface="Calibri"/>
+                <a:sym typeface="Calibri"/>
               </a:defRPr>
             </a:lvl2pPr>
-            <a:lvl3pPr indent="-317500" lvl="2" marL="1371600">
+            <a:lvl3pPr indent="-298450" lvl="2" marL="1371600">
               <a:lnSpc>
                 <a:spcPct val="115000"/>
               </a:lnSpc>
@@ -5031,17 +8333,22 @@
                 <a:spcPts val="0"/>
               </a:spcAft>
               <a:buClr>
-                <a:schemeClr val="lt2"/>
+                <a:schemeClr val="dk2"/>
               </a:buClr>
-              <a:buSzPts val="1400"/>
+              <a:buSzPts val="1100"/>
+              <a:buFont typeface="Calibri"/>
               <a:buChar char="■"/>
-              <a:defRPr>
+              <a:defRPr sz="1100">
                 <a:solidFill>
-                  <a:schemeClr val="lt2"/>
+                  <a:schemeClr val="dk2"/>
                 </a:solidFill>
+                <a:latin typeface="Calibri"/>
+                <a:ea typeface="Calibri"/>
+                <a:cs typeface="Calibri"/>
+                <a:sym typeface="Calibri"/>
               </a:defRPr>
             </a:lvl3pPr>
-            <a:lvl4pPr indent="-317500" lvl="3" marL="1828800">
+            <a:lvl4pPr indent="-298450" lvl="3" marL="1828800">
               <a:lnSpc>
                 <a:spcPct val="115000"/>
               </a:lnSpc>
@@ -5052,17 +8359,22 @@
                 <a:spcPts val="0"/>
               </a:spcAft>
               <a:buClr>
-                <a:schemeClr val="lt2"/>
+                <a:schemeClr val="dk2"/>
               </a:buClr>
-              <a:buSzPts val="1400"/>
+              <a:buSzPts val="1100"/>
+              <a:buFont typeface="Calibri"/>
               <a:buChar char="●"/>
-              <a:defRPr>
+              <a:defRPr sz="1100">
                 <a:solidFill>
-                  <a:schemeClr val="lt2"/>
+                  <a:schemeClr val="dk2"/>
                 </a:solidFill>
+                <a:latin typeface="Calibri"/>
+                <a:ea typeface="Calibri"/>
+                <a:cs typeface="Calibri"/>
+                <a:sym typeface="Calibri"/>
               </a:defRPr>
             </a:lvl4pPr>
-            <a:lvl5pPr indent="-317500" lvl="4" marL="2286000">
+            <a:lvl5pPr indent="-298450" lvl="4" marL="2286000">
               <a:lnSpc>
                 <a:spcPct val="115000"/>
               </a:lnSpc>
@@ -5073,17 +8385,22 @@
                 <a:spcPts val="0"/>
               </a:spcAft>
               <a:buClr>
-                <a:schemeClr val="lt2"/>
+                <a:schemeClr val="dk2"/>
               </a:buClr>
-              <a:buSzPts val="1400"/>
+              <a:buSzPts val="1100"/>
+              <a:buFont typeface="Calibri"/>
               <a:buChar char="○"/>
-              <a:defRPr>
+              <a:defRPr sz="1100">
                 <a:solidFill>
-                  <a:schemeClr val="lt2"/>
+                  <a:schemeClr val="dk2"/>
                 </a:solidFill>
+                <a:latin typeface="Calibri"/>
+                <a:ea typeface="Calibri"/>
+                <a:cs typeface="Calibri"/>
+                <a:sym typeface="Calibri"/>
               </a:defRPr>
             </a:lvl5pPr>
-            <a:lvl6pPr indent="-317500" lvl="5" marL="2743200">
+            <a:lvl6pPr indent="-298450" lvl="5" marL="2743200">
               <a:lnSpc>
                 <a:spcPct val="115000"/>
               </a:lnSpc>
@@ -5094,17 +8411,22 @@
                 <a:spcPts val="0"/>
               </a:spcAft>
               <a:buClr>
-                <a:schemeClr val="lt2"/>
+                <a:schemeClr val="dk2"/>
               </a:buClr>
-              <a:buSzPts val="1400"/>
+              <a:buSzPts val="1100"/>
+              <a:buFont typeface="Calibri"/>
               <a:buChar char="■"/>
-              <a:defRPr>
+              <a:defRPr sz="1100">
                 <a:solidFill>
-                  <a:schemeClr val="lt2"/>
+                  <a:schemeClr val="dk2"/>
                 </a:solidFill>
+                <a:latin typeface="Calibri"/>
+                <a:ea typeface="Calibri"/>
+                <a:cs typeface="Calibri"/>
+                <a:sym typeface="Calibri"/>
               </a:defRPr>
             </a:lvl6pPr>
-            <a:lvl7pPr indent="-317500" lvl="6" marL="3200400">
+            <a:lvl7pPr indent="-298450" lvl="6" marL="3200400">
               <a:lnSpc>
                 <a:spcPct val="115000"/>
               </a:lnSpc>
@@ -5115,17 +8437,22 @@
                 <a:spcPts val="0"/>
               </a:spcAft>
               <a:buClr>
-                <a:schemeClr val="lt2"/>
+                <a:schemeClr val="dk2"/>
               </a:buClr>
-              <a:buSzPts val="1400"/>
+              <a:buSzPts val="1100"/>
+              <a:buFont typeface="Calibri"/>
               <a:buChar char="●"/>
-              <a:defRPr>
+              <a:defRPr sz="1100">
                 <a:solidFill>
-                  <a:schemeClr val="lt2"/>
+                  <a:schemeClr val="dk2"/>
                 </a:solidFill>
+                <a:latin typeface="Calibri"/>
+                <a:ea typeface="Calibri"/>
+                <a:cs typeface="Calibri"/>
+                <a:sym typeface="Calibri"/>
               </a:defRPr>
             </a:lvl7pPr>
-            <a:lvl8pPr indent="-317500" lvl="7" marL="3657600">
+            <a:lvl8pPr indent="-298450" lvl="7" marL="3657600">
               <a:lnSpc>
                 <a:spcPct val="115000"/>
               </a:lnSpc>
@@ -5136,17 +8463,22 @@
                 <a:spcPts val="0"/>
               </a:spcAft>
               <a:buClr>
-                <a:schemeClr val="lt2"/>
+                <a:schemeClr val="dk2"/>
               </a:buClr>
-              <a:buSzPts val="1400"/>
+              <a:buSzPts val="1100"/>
+              <a:buFont typeface="Calibri"/>
               <a:buChar char="○"/>
-              <a:defRPr>
+              <a:defRPr sz="1100">
                 <a:solidFill>
-                  <a:schemeClr val="lt2"/>
+                  <a:schemeClr val="dk2"/>
                 </a:solidFill>
+                <a:latin typeface="Calibri"/>
+                <a:ea typeface="Calibri"/>
+                <a:cs typeface="Calibri"/>
+                <a:sym typeface="Calibri"/>
               </a:defRPr>
             </a:lvl8pPr>
-            <a:lvl9pPr indent="-317500" lvl="8" marL="4114800">
+            <a:lvl9pPr indent="-298450" lvl="8" marL="4114800">
               <a:lnSpc>
                 <a:spcPct val="115000"/>
               </a:lnSpc>
@@ -5157,14 +8489,19 @@
                 <a:spcPts val="0"/>
               </a:spcAft>
               <a:buClr>
-                <a:schemeClr val="lt2"/>
+                <a:schemeClr val="dk2"/>
               </a:buClr>
-              <a:buSzPts val="1400"/>
+              <a:buSzPts val="1100"/>
+              <a:buFont typeface="Calibri"/>
               <a:buChar char="■"/>
-              <a:defRPr>
+              <a:defRPr sz="1100">
                 <a:solidFill>
-                  <a:schemeClr val="lt2"/>
+                  <a:schemeClr val="dk2"/>
                 </a:solidFill>
+                <a:latin typeface="Calibri"/>
+                <a:ea typeface="Calibri"/>
+                <a:cs typeface="Calibri"/>
+                <a:sym typeface="Calibri"/>
               </a:defRPr>
             </a:lvl9pPr>
           </a:lstStyle>
@@ -5181,7 +8518,7 @@
         </p:nvSpPr>
         <p:spPr>
           <a:xfrm>
-            <a:off x="8472458" y="4663217"/>
+            <a:off x="8390734" y="4543668"/>
             <a:ext cx="548700" cy="393600"/>
           </a:xfrm>
           <a:prstGeom prst="rect">
@@ -5201,72 +8538,108 @@
               <a:buNone/>
               <a:defRPr sz="1000">
                 <a:solidFill>
-                  <a:schemeClr val="lt2"/>
+                  <a:schemeClr val="dk2"/>
                 </a:solidFill>
+                <a:latin typeface="Nunito"/>
+                <a:ea typeface="Nunito"/>
+                <a:cs typeface="Nunito"/>
+                <a:sym typeface="Nunito"/>
               </a:defRPr>
             </a:lvl1pPr>
             <a:lvl2pPr lvl="1" algn="r">
               <a:buNone/>
               <a:defRPr sz="1000">
                 <a:solidFill>
-                  <a:schemeClr val="lt2"/>
+                  <a:schemeClr val="dk2"/>
                 </a:solidFill>
+                <a:latin typeface="Nunito"/>
+                <a:ea typeface="Nunito"/>
+                <a:cs typeface="Nunito"/>
+                <a:sym typeface="Nunito"/>
               </a:defRPr>
             </a:lvl2pPr>
             <a:lvl3pPr lvl="2" algn="r">
               <a:buNone/>
               <a:defRPr sz="1000">
                 <a:solidFill>
-                  <a:schemeClr val="lt2"/>
+                  <a:schemeClr val="dk2"/>
                 </a:solidFill>
+                <a:latin typeface="Nunito"/>
+                <a:ea typeface="Nunito"/>
+                <a:cs typeface="Nunito"/>
+                <a:sym typeface="Nunito"/>
               </a:defRPr>
             </a:lvl3pPr>
             <a:lvl4pPr lvl="3" algn="r">
               <a:buNone/>
               <a:defRPr sz="1000">
                 <a:solidFill>
-                  <a:schemeClr val="lt2"/>
+                  <a:schemeClr val="dk2"/>
                 </a:solidFill>
+                <a:latin typeface="Nunito"/>
+                <a:ea typeface="Nunito"/>
+                <a:cs typeface="Nunito"/>
+                <a:sym typeface="Nunito"/>
               </a:defRPr>
             </a:lvl4pPr>
             <a:lvl5pPr lvl="4" algn="r">
               <a:buNone/>
               <a:defRPr sz="1000">
                 <a:solidFill>
-                  <a:schemeClr val="lt2"/>
+                  <a:schemeClr val="dk2"/>
                 </a:solidFill>
+                <a:latin typeface="Nunito"/>
+                <a:ea typeface="Nunito"/>
+                <a:cs typeface="Nunito"/>
+                <a:sym typeface="Nunito"/>
               </a:defRPr>
             </a:lvl5pPr>
             <a:lvl6pPr lvl="5" algn="r">
               <a:buNone/>
               <a:defRPr sz="1000">
                 <a:solidFill>
-                  <a:schemeClr val="lt2"/>
+                  <a:schemeClr val="dk2"/>
                 </a:solidFill>
+                <a:latin typeface="Nunito"/>
+                <a:ea typeface="Nunito"/>
+                <a:cs typeface="Nunito"/>
+                <a:sym typeface="Nunito"/>
               </a:defRPr>
             </a:lvl6pPr>
             <a:lvl7pPr lvl="6" algn="r">
               <a:buNone/>
               <a:defRPr sz="1000">
                 <a:solidFill>
-                  <a:schemeClr val="lt2"/>
+                  <a:schemeClr val="dk2"/>
                 </a:solidFill>
+                <a:latin typeface="Nunito"/>
+                <a:ea typeface="Nunito"/>
+                <a:cs typeface="Nunito"/>
+                <a:sym typeface="Nunito"/>
               </a:defRPr>
             </a:lvl7pPr>
             <a:lvl8pPr lvl="7" algn="r">
               <a:buNone/>
               <a:defRPr sz="1000">
                 <a:solidFill>
-                  <a:schemeClr val="lt2"/>
+                  <a:schemeClr val="dk2"/>
                 </a:solidFill>
+                <a:latin typeface="Nunito"/>
+                <a:ea typeface="Nunito"/>
+                <a:cs typeface="Nunito"/>
+                <a:sym typeface="Nunito"/>
               </a:defRPr>
             </a:lvl8pPr>
             <a:lvl9pPr lvl="8" algn="r">
               <a:buNone/>
               <a:defRPr sz="1000">
                 <a:solidFill>
-                  <a:schemeClr val="lt2"/>
+                  <a:schemeClr val="dk2"/>
                 </a:solidFill>
+                <a:latin typeface="Nunito"/>
+                <a:ea typeface="Nunito"/>
+                <a:cs typeface="Nunito"/>
+                <a:sym typeface="Nunito"/>
               </a:defRPr>
             </a:lvl9pPr>
           </a:lstStyle>
@@ -5292,17 +8665,17 @@
   </p:cSld>
   <p:clrMap accent1="accent1" accent2="accent2" accent3="accent3" accent4="accent4" accent5="accent5" accent6="accent6" bg1="lt1" bg2="dk2" tx1="dk1" tx2="lt2" folHlink="folHlink" hlink="hlink"/>
   <p:sldLayoutIdLst>
-    <p:sldLayoutId id="2147483648" r:id="rId1"/>
-    <p:sldLayoutId id="2147483649" r:id="rId2"/>
-    <p:sldLayoutId id="2147483650" r:id="rId3"/>
-    <p:sldLayoutId id="2147483651" r:id="rId4"/>
-    <p:sldLayoutId id="2147483652" r:id="rId5"/>
-    <p:sldLayoutId id="2147483653" r:id="rId6"/>
-    <p:sldLayoutId id="2147483654" r:id="rId7"/>
-    <p:sldLayoutId id="2147483655" r:id="rId8"/>
-    <p:sldLayoutId id="2147483656" r:id="rId9"/>
-    <p:sldLayoutId id="2147483657" r:id="rId10"/>
-    <p:sldLayoutId id="2147483658" r:id="rId11"/>
+    <p:sldLayoutId id="2147483648" r:id="rId2"/>
+    <p:sldLayoutId id="2147483649" r:id="rId3"/>
+    <p:sldLayoutId id="2147483650" r:id="rId4"/>
+    <p:sldLayoutId id="2147483651" r:id="rId5"/>
+    <p:sldLayoutId id="2147483652" r:id="rId6"/>
+    <p:sldLayoutId id="2147483653" r:id="rId7"/>
+    <p:sldLayoutId id="2147483654" r:id="rId8"/>
+    <p:sldLayoutId id="2147483655" r:id="rId9"/>
+    <p:sldLayoutId id="2147483656" r:id="rId10"/>
+    <p:sldLayoutId id="2147483657" r:id="rId11"/>
+    <p:sldLayoutId id="2147483658" r:id="rId12"/>
   </p:sldLayoutIdLst>
   <p:hf dt="0" ftr="0" hdr="0" sldNum="0"/>
   <p:txStyles>
@@ -6014,7 +9387,7 @@
     </p:bg>
     <p:spTree>
       <p:nvGrpSpPr>
-        <p:cNvPr id="53" name="Shape 53"/>
+        <p:cNvPr id="127" name="Shape 127"/>
         <p:cNvGrpSpPr/>
         <p:nvPr/>
       </p:nvGrpSpPr>
@@ -6026,9 +9399,37 @@
           <a:chExt cx="0" cy="0"/>
         </a:xfrm>
       </p:grpSpPr>
+      <p:pic>
+        <p:nvPicPr>
+          <p:cNvPr id="128" name="Google Shape;128;p13"/>
+          <p:cNvPicPr preferRelativeResize="0"/>
+          <p:nvPr/>
+        </p:nvPicPr>
+        <p:blipFill>
+          <a:blip r:embed="rId4">
+            <a:alphaModFix/>
+          </a:blip>
+          <a:stretch>
+            <a:fillRect/>
+          </a:stretch>
+        </p:blipFill>
+        <p:spPr>
+          <a:xfrm>
+            <a:off x="-56025" y="-591000"/>
+            <a:ext cx="9334498" cy="6994499"/>
+          </a:xfrm>
+          <a:prstGeom prst="rect">
+            <a:avLst/>
+          </a:prstGeom>
+          <a:noFill/>
+          <a:ln>
+            <a:noFill/>
+          </a:ln>
+        </p:spPr>
+      </p:pic>
       <p:sp>
         <p:nvSpPr>
-          <p:cNvPr id="54" name="Google Shape;54;p13"/>
+          <p:cNvPr id="129" name="Google Shape;129;p13"/>
           <p:cNvSpPr txBox="1"/>
           <p:nvPr>
             <p:ph type="ctrTitle"/>
@@ -6036,7 +9437,7 @@
         </p:nvSpPr>
         <p:spPr>
           <a:xfrm>
-            <a:off x="780850" y="188250"/>
+            <a:off x="0" y="61775"/>
             <a:ext cx="7694400" cy="838800"/>
           </a:xfrm>
           <a:prstGeom prst="rect">
@@ -6045,8 +9446,8 @@
           <a:noFill/>
         </p:spPr>
         <p:txBody>
-          <a:bodyPr anchorCtr="0" anchor="b" bIns="91425" lIns="91425" spcFirstLastPara="1" rIns="91425" wrap="square" tIns="91425">
-            <a:normAutofit fontScale="90000"/>
+          <a:bodyPr anchorCtr="0" anchor="ctr" bIns="91425" lIns="91425" spcFirstLastPara="1" rIns="91425" wrap="square" tIns="91425">
+            <a:normAutofit/>
           </a:bodyPr>
           <a:lstStyle/>
           <a:p>
@@ -6062,14 +9463,14 @@
             <a:r>
               <a:rPr lang="en">
                 <a:solidFill>
-                  <a:srgbClr val="434343"/>
+                  <a:srgbClr val="FFFFFF"/>
                 </a:solidFill>
               </a:rPr>
               <a:t>Global Terrorism Analysis</a:t>
             </a:r>
             <a:endParaRPr>
               <a:solidFill>
-                <a:srgbClr val="434343"/>
+                <a:srgbClr val="FFFFFF"/>
               </a:solidFill>
             </a:endParaRPr>
           </a:p>
@@ -6077,7 +9478,7 @@
       </p:sp>
       <p:sp>
         <p:nvSpPr>
-          <p:cNvPr id="55" name="Google Shape;55;p13"/>
+          <p:cNvPr id="130" name="Google Shape;130;p13"/>
           <p:cNvSpPr txBox="1"/>
           <p:nvPr>
             <p:ph idx="1" type="subTitle"/>
@@ -6085,7 +9486,7 @@
         </p:nvSpPr>
         <p:spPr>
           <a:xfrm>
-            <a:off x="537875" y="900575"/>
+            <a:off x="-537900" y="754900"/>
             <a:ext cx="8393400" cy="917400"/>
           </a:xfrm>
           <a:prstGeom prst="rect">
@@ -6094,7 +9495,7 @@
         </p:spPr>
         <p:txBody>
           <a:bodyPr anchorCtr="0" anchor="t" bIns="91425" lIns="91425" spcFirstLastPara="1" rIns="91425" wrap="square" tIns="91425">
-            <a:normAutofit lnSpcReduction="10000"/>
+            <a:normAutofit/>
           </a:bodyPr>
           <a:lstStyle/>
           <a:p>
@@ -6110,14 +9511,14 @@
             <a:r>
               <a:rPr lang="en" sz="2143">
                 <a:solidFill>
-                  <a:srgbClr val="434343"/>
+                  <a:srgbClr val="FFFFFF"/>
                 </a:solidFill>
               </a:rPr>
               <a:t>An analysis of terrorism female education rates</a:t>
             </a:r>
             <a:endParaRPr sz="2143">
               <a:solidFill>
-                <a:srgbClr val="434343"/>
+                <a:srgbClr val="FFFFFF"/>
               </a:solidFill>
             </a:endParaRPr>
           </a:p>
@@ -6149,16 +9550,9 @@
 <file path=ppt/slides/slide2.xml><?xml version="1.0" encoding="utf-8"?>
 <p:sld xmlns:a="http://schemas.openxmlformats.org/drawingml/2006/main" xmlns:r="http://schemas.openxmlformats.org/officeDocument/2006/relationships" xmlns:mc="http://schemas.openxmlformats.org/markup-compatibility/2006" xmlns:mv="urn:schemas-microsoft-com:mac:vml" xmlns:p="http://schemas.openxmlformats.org/presentationml/2006/main" xmlns:c="http://schemas.openxmlformats.org/drawingml/2006/chart" xmlns:dgm="http://schemas.openxmlformats.org/drawingml/2006/diagram" xmlns:o="urn:schemas-microsoft-com:office:office" xmlns:v="urn:schemas-microsoft-com:vml" xmlns:pvml="urn:schemas-microsoft-com:office:powerpoint" xmlns:com="http://schemas.openxmlformats.org/drawingml/2006/compatibility" xmlns:p14="http://schemas.microsoft.com/office/powerpoint/2010/main" xmlns:p15="http://schemas.microsoft.com/office/powerpoint/2012/main" xmlns:ahyp="http://schemas.microsoft.com/office/drawing/2018/hyperlinkcolor">
   <p:cSld>
-    <p:bg>
-      <p:bgPr>
-        <a:solidFill>
-          <a:srgbClr val="FFFFFF"/>
-        </a:solidFill>
-      </p:bgPr>
-    </p:bg>
     <p:spTree>
       <p:nvGrpSpPr>
-        <p:cNvPr id="59" name="Shape 59"/>
+        <p:cNvPr id="134" name="Shape 134"/>
         <p:cNvGrpSpPr/>
         <p:nvPr/>
       </p:nvGrpSpPr>
@@ -6172,7 +9566,7 @@
       </p:grpSpPr>
       <p:sp>
         <p:nvSpPr>
-          <p:cNvPr id="60" name="Google Shape;60;p14"/>
+          <p:cNvPr id="135" name="Google Shape;135;p14"/>
           <p:cNvSpPr txBox="1"/>
           <p:nvPr>
             <p:ph type="title"/>
@@ -6180,7 +9574,7 @@
         </p:nvSpPr>
         <p:spPr>
           <a:xfrm>
-            <a:off x="3658650" y="346700"/>
+            <a:off x="3658650" y="155850"/>
             <a:ext cx="1826700" cy="572700"/>
           </a:xfrm>
           <a:prstGeom prst="rect">
@@ -6220,7 +9614,7 @@
       </p:sp>
       <p:pic>
         <p:nvPicPr>
-          <p:cNvPr id="61" name="Google Shape;61;p14"/>
+          <p:cNvPr id="136" name="Google Shape;136;p14"/>
           <p:cNvPicPr preferRelativeResize="0"/>
           <p:nvPr/>
         </p:nvPicPr>
@@ -6248,7 +9642,7 @@
       </p:pic>
       <p:pic>
         <p:nvPicPr>
-          <p:cNvPr id="62" name="Google Shape;62;p14"/>
+          <p:cNvPr id="137" name="Google Shape;137;p14"/>
           <p:cNvPicPr preferRelativeResize="0"/>
           <p:nvPr/>
         </p:nvPicPr>
@@ -6276,14 +9670,14 @@
       </p:pic>
       <p:sp>
         <p:nvSpPr>
-          <p:cNvPr id="63" name="Google Shape;63;p14"/>
+          <p:cNvPr id="138" name="Google Shape;138;p14"/>
           <p:cNvSpPr txBox="1"/>
           <p:nvPr/>
         </p:nvSpPr>
         <p:spPr>
           <a:xfrm>
-            <a:off x="5164225" y="1229050"/>
-            <a:ext cx="3542700" cy="1800900"/>
+            <a:off x="4328175" y="1229050"/>
+            <a:ext cx="3542700" cy="646500"/>
           </a:xfrm>
           <a:prstGeom prst="rect">
             <a:avLst/>
@@ -6311,7 +9705,7 @@
             </a:pPr>
             <a:r>
               <a:rPr lang="en" sz="1500"/>
-              <a:t>START dataset of 200,000+ global terrorist event from 1970 to 2018</a:t>
+              <a:t>200,000+ events</a:t>
             </a:r>
             <a:endParaRPr sz="1500"/>
           </a:p>
@@ -6328,24 +9722,7 @@
             </a:pPr>
             <a:r>
               <a:rPr lang="en" sz="1500"/>
-              <a:t>Each event has many detailed indicators</a:t>
-            </a:r>
-            <a:endParaRPr sz="1500"/>
-          </a:p>
-          <a:p>
-            <a:pPr indent="-323850" lvl="0" marL="457200" rtl="0" algn="l">
-              <a:spcBef>
-                <a:spcPts val="0"/>
-              </a:spcBef>
-              <a:spcAft>
-                <a:spcPts val="0"/>
-              </a:spcAft>
-              <a:buSzPts val="1500"/>
-              <a:buChar char="●"/>
-            </a:pPr>
-            <a:r>
-              <a:rPr lang="en" sz="1500"/>
-              <a:t>The effort to recover 1993 data is ongoing</a:t>
+              <a:t>1970 to 2018</a:t>
             </a:r>
             <a:endParaRPr sz="1500"/>
           </a:p>
@@ -6353,14 +9730,14 @@
       </p:sp>
       <p:sp>
         <p:nvSpPr>
-          <p:cNvPr id="64" name="Google Shape;64;p14"/>
+          <p:cNvPr id="139" name="Google Shape;139;p14"/>
           <p:cNvSpPr txBox="1"/>
           <p:nvPr/>
         </p:nvSpPr>
         <p:spPr>
           <a:xfrm>
-            <a:off x="4284650" y="3016200"/>
-            <a:ext cx="4422300" cy="1339200"/>
+            <a:off x="3837550" y="3261525"/>
+            <a:ext cx="4422300" cy="646500"/>
           </a:xfrm>
           <a:prstGeom prst="rect">
             <a:avLst/>
@@ -6388,11 +9765,7 @@
             </a:pPr>
             <a:r>
               <a:rPr lang="en" sz="1500"/>
-              <a:t>World education statistics from  </a:t>
-            </a:r>
-            <a:r>
-              <a:rPr lang="en" sz="1500"/>
-              <a:t>163 countries and regions from  1965-2015</a:t>
+              <a:t>163 countries and regions </a:t>
             </a:r>
             <a:endParaRPr sz="1500"/>
           </a:p>
@@ -6409,7 +9782,7 @@
             </a:pPr>
             <a:r>
               <a:rPr lang="en" sz="1500"/>
-              <a:t>My primary interest was global education statistics for women in each of these 163 countries</a:t>
+              <a:t>1965 to 2015</a:t>
             </a:r>
             <a:endParaRPr sz="1500"/>
           </a:p>
@@ -6417,7 +9790,7 @@
       </p:sp>
       <p:sp>
         <p:nvSpPr>
-          <p:cNvPr id="65" name="Google Shape;65;p14"/>
+          <p:cNvPr id="140" name="Google Shape;140;p14"/>
           <p:cNvSpPr txBox="1"/>
           <p:nvPr/>
         </p:nvSpPr>
@@ -6484,16 +9857,9 @@
 <file path=ppt/slides/slide3.xml><?xml version="1.0" encoding="utf-8"?>
 <p:sld xmlns:a="http://schemas.openxmlformats.org/drawingml/2006/main" xmlns:r="http://schemas.openxmlformats.org/officeDocument/2006/relationships" xmlns:mc="http://schemas.openxmlformats.org/markup-compatibility/2006" xmlns:mv="urn:schemas-microsoft-com:mac:vml" xmlns:p="http://schemas.openxmlformats.org/presentationml/2006/main" xmlns:c="http://schemas.openxmlformats.org/drawingml/2006/chart" xmlns:dgm="http://schemas.openxmlformats.org/drawingml/2006/diagram" xmlns:o="urn:schemas-microsoft-com:office:office" xmlns:v="urn:schemas-microsoft-com:vml" xmlns:pvml="urn:schemas-microsoft-com:office:powerpoint" xmlns:com="http://schemas.openxmlformats.org/drawingml/2006/compatibility" xmlns:p14="http://schemas.microsoft.com/office/powerpoint/2010/main" xmlns:p15="http://schemas.microsoft.com/office/powerpoint/2012/main" xmlns:ahyp="http://schemas.microsoft.com/office/drawing/2018/hyperlinkcolor">
   <p:cSld>
-    <p:bg>
-      <p:bgPr>
-        <a:solidFill>
-          <a:srgbClr val="FFFFFF"/>
-        </a:solidFill>
-      </p:bgPr>
-    </p:bg>
     <p:spTree>
       <p:nvGrpSpPr>
-        <p:cNvPr id="69" name="Shape 69"/>
+        <p:cNvPr id="144" name="Shape 144"/>
         <p:cNvGrpSpPr/>
         <p:nvPr/>
       </p:nvGrpSpPr>
@@ -6507,7 +9873,7 @@
       </p:grpSpPr>
       <p:sp>
         <p:nvSpPr>
-          <p:cNvPr id="70" name="Google Shape;70;p15"/>
+          <p:cNvPr id="145" name="Google Shape;145;p15"/>
           <p:cNvSpPr txBox="1"/>
           <p:nvPr>
             <p:ph type="title"/>
@@ -6515,7 +9881,7 @@
         </p:nvSpPr>
         <p:spPr>
           <a:xfrm>
-            <a:off x="1804800" y="255325"/>
+            <a:off x="1804800" y="78450"/>
             <a:ext cx="5534400" cy="572700"/>
           </a:xfrm>
           <a:prstGeom prst="rect">
@@ -6554,7 +9920,7 @@
       </p:sp>
       <p:pic>
         <p:nvPicPr>
-          <p:cNvPr id="71" name="Google Shape;71;p15"/>
+          <p:cNvPr id="146" name="Google Shape;146;p15"/>
           <p:cNvPicPr preferRelativeResize="0"/>
           <p:nvPr/>
         </p:nvPicPr>
@@ -6591,16 +9957,9 @@
 <file path=ppt/slides/slide4.xml><?xml version="1.0" encoding="utf-8"?>
 <p:sld xmlns:a="http://schemas.openxmlformats.org/drawingml/2006/main" xmlns:r="http://schemas.openxmlformats.org/officeDocument/2006/relationships" xmlns:mc="http://schemas.openxmlformats.org/markup-compatibility/2006" xmlns:mv="urn:schemas-microsoft-com:mac:vml" xmlns:p="http://schemas.openxmlformats.org/presentationml/2006/main" xmlns:c="http://schemas.openxmlformats.org/drawingml/2006/chart" xmlns:dgm="http://schemas.openxmlformats.org/drawingml/2006/diagram" xmlns:o="urn:schemas-microsoft-com:office:office" xmlns:v="urn:schemas-microsoft-com:vml" xmlns:pvml="urn:schemas-microsoft-com:office:powerpoint" xmlns:com="http://schemas.openxmlformats.org/drawingml/2006/compatibility" xmlns:p14="http://schemas.microsoft.com/office/powerpoint/2010/main" xmlns:p15="http://schemas.microsoft.com/office/powerpoint/2012/main" xmlns:ahyp="http://schemas.microsoft.com/office/drawing/2018/hyperlinkcolor">
   <p:cSld>
-    <p:bg>
-      <p:bgPr>
-        <a:solidFill>
-          <a:srgbClr val="FFFFFF"/>
-        </a:solidFill>
-      </p:bgPr>
-    </p:bg>
     <p:spTree>
       <p:nvGrpSpPr>
-        <p:cNvPr id="75" name="Shape 75"/>
+        <p:cNvPr id="150" name="Shape 150"/>
         <p:cNvGrpSpPr/>
         <p:nvPr/>
       </p:nvGrpSpPr>
@@ -6614,7 +9973,7 @@
       </p:grpSpPr>
       <p:sp>
         <p:nvSpPr>
-          <p:cNvPr id="76" name="Google Shape;76;p16"/>
+          <p:cNvPr id="151" name="Google Shape;151;p16"/>
           <p:cNvSpPr txBox="1"/>
           <p:nvPr>
             <p:ph type="title"/>
@@ -6622,8 +9981,8 @@
         </p:nvSpPr>
         <p:spPr>
           <a:xfrm>
-            <a:off x="1041150" y="445025"/>
-            <a:ext cx="7061700" cy="572700"/>
+            <a:off x="819150" y="487000"/>
+            <a:ext cx="7505700" cy="954600"/>
           </a:xfrm>
           <a:prstGeom prst="rect">
             <a:avLst/>
@@ -6649,41 +10008,27 @@
                 <a:solidFill>
                   <a:srgbClr val="000000"/>
                 </a:solidFill>
-                <a:highlight>
-                  <a:srgbClr val="FFFFFF"/>
-                </a:highlight>
               </a:rPr>
-              <a:t>An Emerging Threat, an Evolution of Response</a:t>
+              <a:t>How does education interact with terrorism?</a:t>
             </a:r>
             <a:endParaRPr>
               <a:solidFill>
                 <a:srgbClr val="000000"/>
               </a:solidFill>
-              <a:highlight>
-                <a:srgbClr val="FFFFFF"/>
-              </a:highlight>
             </a:endParaRPr>
           </a:p>
         </p:txBody>
       </p:sp>
-      <p:pic>
-        <p:nvPicPr>
-          <p:cNvPr id="77" name="Google Shape;77;p16"/>
-          <p:cNvPicPr preferRelativeResize="0"/>
+      <p:sp>
+        <p:nvSpPr>
+          <p:cNvPr id="152" name="Google Shape;152;p16"/>
+          <p:cNvSpPr txBox="1"/>
           <p:nvPr/>
-        </p:nvPicPr>
-        <p:blipFill>
-          <a:blip r:embed="rId3">
-            <a:alphaModFix/>
-          </a:blip>
-          <a:stretch>
-            <a:fillRect/>
-          </a:stretch>
-        </p:blipFill>
+        </p:nvSpPr>
         <p:spPr>
           <a:xfrm>
-            <a:off x="1041150" y="1017725"/>
-            <a:ext cx="7061700" cy="3530850"/>
+            <a:off x="819150" y="2394100"/>
+            <a:ext cx="4329900" cy="1046700"/>
           </a:xfrm>
           <a:prstGeom prst="rect">
             <a:avLst/>
@@ -6693,7 +10038,216 @@
             <a:noFill/>
           </a:ln>
         </p:spPr>
-      </p:pic>
+        <p:txBody>
+          <a:bodyPr anchorCtr="0" anchor="t" bIns="91425" lIns="91425" spcFirstLastPara="1" rIns="91425" wrap="square" tIns="91425">
+            <a:spAutoFit/>
+          </a:bodyPr>
+          <a:lstStyle/>
+          <a:p>
+            <a:pPr indent="0" lvl="0" marL="0" rtl="0" algn="l">
+              <a:spcBef>
+                <a:spcPts val="0"/>
+              </a:spcBef>
+              <a:spcAft>
+                <a:spcPts val="0"/>
+              </a:spcAft>
+              <a:buNone/>
+            </a:pPr>
+            <a:r>
+              <a:rPr lang="en"/>
+              <a:t>H0: There is no statistically significant relationship between terrorism and the education of women</a:t>
+            </a:r>
+            <a:endParaRPr/>
+          </a:p>
+          <a:p>
+            <a:pPr indent="0" lvl="0" marL="0" rtl="0" algn="l">
+              <a:spcBef>
+                <a:spcPts val="0"/>
+              </a:spcBef>
+              <a:spcAft>
+                <a:spcPts val="0"/>
+              </a:spcAft>
+              <a:buNone/>
+            </a:pPr>
+            <a:r>
+              <a:t/>
+            </a:r>
+            <a:endParaRPr/>
+          </a:p>
+          <a:p>
+            <a:pPr indent="0" lvl="0" marL="0" rtl="0" algn="l">
+              <a:spcBef>
+                <a:spcPts val="0"/>
+              </a:spcBef>
+              <a:spcAft>
+                <a:spcPts val="0"/>
+              </a:spcAft>
+              <a:buNone/>
+            </a:pPr>
+            <a:r>
+              <a:rPr lang="en"/>
+              <a:t>HA: There is a statistically significant relationship</a:t>
+            </a:r>
+            <a:endParaRPr/>
+          </a:p>
+        </p:txBody>
+      </p:sp>
+      <p:sp>
+        <p:nvSpPr>
+          <p:cNvPr id="153" name="Google Shape;153;p16"/>
+          <p:cNvSpPr txBox="1"/>
+          <p:nvPr/>
+        </p:nvSpPr>
+        <p:spPr>
+          <a:xfrm>
+            <a:off x="941275" y="1132000"/>
+            <a:ext cx="5670300" cy="1262100"/>
+          </a:xfrm>
+          <a:prstGeom prst="rect">
+            <a:avLst/>
+          </a:prstGeom>
+          <a:noFill/>
+          <a:ln>
+            <a:noFill/>
+          </a:ln>
+        </p:spPr>
+        <p:txBody>
+          <a:bodyPr anchorCtr="0" anchor="t" bIns="91425" lIns="91425" spcFirstLastPara="1" rIns="91425" wrap="square" tIns="91425">
+            <a:spAutoFit/>
+          </a:bodyPr>
+          <a:lstStyle/>
+          <a:p>
+            <a:pPr indent="-317500" lvl="0" marL="457200" rtl="0" algn="l">
+              <a:spcBef>
+                <a:spcPts val="0"/>
+              </a:spcBef>
+              <a:spcAft>
+                <a:spcPts val="0"/>
+              </a:spcAft>
+              <a:buSzPts val="1400"/>
+              <a:buFont typeface="Calibri"/>
+              <a:buChar char="●"/>
+            </a:pPr>
+            <a:r>
+              <a:rPr lang="en">
+                <a:latin typeface="Calibri"/>
+                <a:ea typeface="Calibri"/>
+                <a:cs typeface="Calibri"/>
+                <a:sym typeface="Calibri"/>
+              </a:rPr>
+              <a:t>Education as a humanitarian approach</a:t>
+            </a:r>
+            <a:endParaRPr>
+              <a:latin typeface="Calibri"/>
+              <a:ea typeface="Calibri"/>
+              <a:cs typeface="Calibri"/>
+              <a:sym typeface="Calibri"/>
+            </a:endParaRPr>
+          </a:p>
+          <a:p>
+            <a:pPr indent="0" lvl="0" marL="0" rtl="0" algn="l">
+              <a:spcBef>
+                <a:spcPts val="0"/>
+              </a:spcBef>
+              <a:spcAft>
+                <a:spcPts val="0"/>
+              </a:spcAft>
+              <a:buNone/>
+            </a:pPr>
+            <a:r>
+              <a:t/>
+            </a:r>
+            <a:endParaRPr>
+              <a:latin typeface="Calibri"/>
+              <a:ea typeface="Calibri"/>
+              <a:cs typeface="Calibri"/>
+              <a:sym typeface="Calibri"/>
+            </a:endParaRPr>
+          </a:p>
+          <a:p>
+            <a:pPr indent="0" lvl="0" marL="0" rtl="0" algn="l">
+              <a:spcBef>
+                <a:spcPts val="0"/>
+              </a:spcBef>
+              <a:spcAft>
+                <a:spcPts val="0"/>
+              </a:spcAft>
+              <a:buNone/>
+            </a:pPr>
+            <a:r>
+              <a:rPr lang="en">
+                <a:latin typeface="Calibri"/>
+                <a:ea typeface="Calibri"/>
+                <a:cs typeface="Calibri"/>
+                <a:sym typeface="Calibri"/>
+              </a:rPr>
+              <a:t>Metrics used:</a:t>
+            </a:r>
+            <a:endParaRPr>
+              <a:latin typeface="Calibri"/>
+              <a:ea typeface="Calibri"/>
+              <a:cs typeface="Calibri"/>
+              <a:sym typeface="Calibri"/>
+            </a:endParaRPr>
+          </a:p>
+          <a:p>
+            <a:pPr indent="-317500" lvl="0" marL="457200" rtl="0" algn="l">
+              <a:spcBef>
+                <a:spcPts val="0"/>
+              </a:spcBef>
+              <a:spcAft>
+                <a:spcPts val="0"/>
+              </a:spcAft>
+              <a:buSzPts val="1400"/>
+              <a:buFont typeface="Calibri"/>
+              <a:buChar char="●"/>
+            </a:pPr>
+            <a:r>
+              <a:rPr lang="en">
+                <a:latin typeface="Calibri"/>
+                <a:ea typeface="Calibri"/>
+                <a:cs typeface="Calibri"/>
+                <a:sym typeface="Calibri"/>
+              </a:rPr>
+              <a:t>% of women that have completed secondary education</a:t>
+            </a:r>
+            <a:endParaRPr>
+              <a:latin typeface="Calibri"/>
+              <a:ea typeface="Calibri"/>
+              <a:cs typeface="Calibri"/>
+              <a:sym typeface="Calibri"/>
+            </a:endParaRPr>
+          </a:p>
+          <a:p>
+            <a:pPr indent="-317500" lvl="0" marL="457200" rtl="0" algn="l">
+              <a:spcBef>
+                <a:spcPts val="0"/>
+              </a:spcBef>
+              <a:spcAft>
+                <a:spcPts val="0"/>
+              </a:spcAft>
+              <a:buSzPts val="1400"/>
+              <a:buFont typeface="Calibri"/>
+              <a:buChar char="●"/>
+            </a:pPr>
+            <a:r>
+              <a:rPr lang="en">
+                <a:latin typeface="Calibri"/>
+                <a:ea typeface="Calibri"/>
+                <a:cs typeface="Calibri"/>
+                <a:sym typeface="Calibri"/>
+              </a:rPr>
+              <a:t>% of women with no education</a:t>
+            </a:r>
+            <a:endParaRPr>
+              <a:latin typeface="Calibri"/>
+              <a:ea typeface="Calibri"/>
+              <a:cs typeface="Calibri"/>
+              <a:sym typeface="Calibri"/>
+            </a:endParaRPr>
+          </a:p>
+        </p:txBody>
+      </p:sp>
     </p:spTree>
   </p:cSld>
   <p:clrMapOvr>
@@ -6705,16 +10259,9 @@
 <file path=ppt/slides/slide5.xml><?xml version="1.0" encoding="utf-8"?>
 <p:sld xmlns:a="http://schemas.openxmlformats.org/drawingml/2006/main" xmlns:r="http://schemas.openxmlformats.org/officeDocument/2006/relationships" xmlns:mc="http://schemas.openxmlformats.org/markup-compatibility/2006" xmlns:mv="urn:schemas-microsoft-com:mac:vml" xmlns:p="http://schemas.openxmlformats.org/presentationml/2006/main" xmlns:c="http://schemas.openxmlformats.org/drawingml/2006/chart" xmlns:dgm="http://schemas.openxmlformats.org/drawingml/2006/diagram" xmlns:o="urn:schemas-microsoft-com:office:office" xmlns:v="urn:schemas-microsoft-com:vml" xmlns:pvml="urn:schemas-microsoft-com:office:powerpoint" xmlns:com="http://schemas.openxmlformats.org/drawingml/2006/compatibility" xmlns:p14="http://schemas.microsoft.com/office/powerpoint/2010/main" xmlns:p15="http://schemas.microsoft.com/office/powerpoint/2012/main" xmlns:ahyp="http://schemas.microsoft.com/office/drawing/2018/hyperlinkcolor">
   <p:cSld>
-    <p:bg>
-      <p:bgPr>
-        <a:solidFill>
-          <a:srgbClr val="FFFFFF"/>
-        </a:solidFill>
-      </p:bgPr>
-    </p:bg>
     <p:spTree>
       <p:nvGrpSpPr>
-        <p:cNvPr id="81" name="Shape 81"/>
+        <p:cNvPr id="157" name="Shape 157"/>
         <p:cNvGrpSpPr/>
         <p:nvPr/>
       </p:nvGrpSpPr>
@@ -6728,7 +10275,7 @@
       </p:grpSpPr>
       <p:sp>
         <p:nvSpPr>
-          <p:cNvPr id="82" name="Google Shape;82;p17"/>
+          <p:cNvPr id="158" name="Google Shape;158;p17"/>
           <p:cNvSpPr txBox="1"/>
           <p:nvPr>
             <p:ph type="title"/>
@@ -6776,7 +10323,7 @@
       </p:sp>
       <p:pic>
         <p:nvPicPr>
-          <p:cNvPr id="83" name="Google Shape;83;p17"/>
+          <p:cNvPr id="159" name="Google Shape;159;p17"/>
           <p:cNvPicPr preferRelativeResize="0"/>
           <p:nvPr/>
         </p:nvPicPr>
@@ -6804,13 +10351,13 @@
       </p:pic>
       <p:sp>
         <p:nvSpPr>
-          <p:cNvPr id="84" name="Google Shape;84;p17"/>
+          <p:cNvPr id="160" name="Google Shape;160;p17"/>
           <p:cNvSpPr txBox="1"/>
           <p:nvPr/>
         </p:nvSpPr>
         <p:spPr>
           <a:xfrm>
-            <a:off x="6819475" y="2902800"/>
+            <a:off x="6953925" y="1950300"/>
             <a:ext cx="1469700" cy="384900"/>
           </a:xfrm>
           <a:prstGeom prst="rect">
@@ -6846,13 +10393,13 @@
       </p:sp>
       <p:sp>
         <p:nvSpPr>
-          <p:cNvPr id="85" name="Google Shape;85;p17"/>
+          <p:cNvPr id="161" name="Google Shape;161;p17"/>
           <p:cNvSpPr txBox="1"/>
           <p:nvPr/>
         </p:nvSpPr>
         <p:spPr>
           <a:xfrm>
-            <a:off x="6638100" y="3195675"/>
+            <a:off x="6638100" y="2288000"/>
             <a:ext cx="2505900" cy="692700"/>
           </a:xfrm>
           <a:prstGeom prst="rect">
@@ -6881,7 +10428,7 @@
             </a:pPr>
             <a:r>
               <a:rPr lang="en" sz="1100"/>
-              <a:t>Spearman R</a:t>
+              <a:t>Spearman Rho</a:t>
             </a:r>
             <a:endParaRPr sz="1100"/>
           </a:p>
@@ -6923,73 +10470,7 @@
       </p:sp>
       <p:sp>
         <p:nvSpPr>
-          <p:cNvPr id="86" name="Google Shape;86;p17"/>
-          <p:cNvSpPr txBox="1"/>
-          <p:nvPr/>
-        </p:nvSpPr>
-        <p:spPr>
-          <a:xfrm>
-            <a:off x="6472725" y="1915400"/>
-            <a:ext cx="2443800" cy="954300"/>
-          </a:xfrm>
-          <a:prstGeom prst="rect">
-            <a:avLst/>
-          </a:prstGeom>
-          <a:noFill/>
-          <a:ln>
-            <a:noFill/>
-          </a:ln>
-        </p:spPr>
-        <p:txBody>
-          <a:bodyPr anchorCtr="0" anchor="t" bIns="91425" lIns="91425" spcFirstLastPara="1" rIns="91425" wrap="square" tIns="91425">
-            <a:spAutoFit/>
-          </a:bodyPr>
-          <a:lstStyle/>
-          <a:p>
-            <a:pPr indent="0" lvl="0" marL="0" rtl="0" algn="l">
-              <a:spcBef>
-                <a:spcPts val="0"/>
-              </a:spcBef>
-              <a:spcAft>
-                <a:spcPts val="0"/>
-              </a:spcAft>
-              <a:buNone/>
-            </a:pPr>
-            <a:r>
-              <a:rPr lang="en" sz="1000"/>
-              <a:t>H0: There is no statistically significant relationship </a:t>
-            </a:r>
-            <a:r>
-              <a:rPr lang="en" sz="1000"/>
-              <a:t>between</a:t>
-            </a:r>
-            <a:r>
-              <a:rPr lang="en" sz="1000"/>
-              <a:t> terrorism and the education of women</a:t>
-            </a:r>
-            <a:endParaRPr sz="1000"/>
-          </a:p>
-          <a:p>
-            <a:pPr indent="0" lvl="0" marL="0" rtl="0" algn="l">
-              <a:spcBef>
-                <a:spcPts val="0"/>
-              </a:spcBef>
-              <a:spcAft>
-                <a:spcPts val="0"/>
-              </a:spcAft>
-              <a:buNone/>
-            </a:pPr>
-            <a:r>
-              <a:rPr lang="en" sz="1000"/>
-              <a:t>HA: There is a statistically significant relationship</a:t>
-            </a:r>
-            <a:endParaRPr sz="1000"/>
-          </a:p>
-        </p:txBody>
-      </p:sp>
-      <p:sp>
-        <p:nvSpPr>
-          <p:cNvPr id="87" name="Google Shape;87;p17"/>
+          <p:cNvPr id="162" name="Google Shape;162;p17"/>
           <p:cNvSpPr txBox="1"/>
           <p:nvPr/>
         </p:nvSpPr>
@@ -7047,7 +10528,7 @@
       </p:sp>
       <p:sp>
         <p:nvSpPr>
-          <p:cNvPr id="88" name="Google Shape;88;p17"/>
+          <p:cNvPr id="163" name="Google Shape;163;p17"/>
           <p:cNvSpPr txBox="1"/>
           <p:nvPr/>
         </p:nvSpPr>
@@ -7114,21 +10595,9 @@
 <file path=ppt/slides/slide6.xml><?xml version="1.0" encoding="utf-8"?>
 <p:sld xmlns:a="http://schemas.openxmlformats.org/drawingml/2006/main" xmlns:r="http://schemas.openxmlformats.org/officeDocument/2006/relationships" xmlns:mc="http://schemas.openxmlformats.org/markup-compatibility/2006" xmlns:mv="urn:schemas-microsoft-com:mac:vml" xmlns:p="http://schemas.openxmlformats.org/presentationml/2006/main" xmlns:c="http://schemas.openxmlformats.org/drawingml/2006/chart" xmlns:dgm="http://schemas.openxmlformats.org/drawingml/2006/diagram" xmlns:o="urn:schemas-microsoft-com:office:office" xmlns:v="urn:schemas-microsoft-com:vml" xmlns:pvml="urn:schemas-microsoft-com:office:powerpoint" xmlns:com="http://schemas.openxmlformats.org/drawingml/2006/compatibility" xmlns:p14="http://schemas.microsoft.com/office/powerpoint/2010/main" xmlns:p15="http://schemas.microsoft.com/office/powerpoint/2012/main" xmlns:ahyp="http://schemas.microsoft.com/office/drawing/2018/hyperlinkcolor">
   <p:cSld>
-    <p:bg>
-      <p:bgPr>
-        <a:blipFill>
-          <a:blip r:embed="rId3">
-            <a:alphaModFix/>
-          </a:blip>
-          <a:stretch>
-            <a:fillRect/>
-          </a:stretch>
-        </a:blipFill>
-      </p:bgPr>
-    </p:bg>
     <p:spTree>
       <p:nvGrpSpPr>
-        <p:cNvPr id="92" name="Shape 92"/>
+        <p:cNvPr id="167" name="Shape 167"/>
         <p:cNvGrpSpPr/>
         <p:nvPr/>
       </p:nvGrpSpPr>
@@ -7142,14 +10611,62 @@
       </p:grpSpPr>
       <p:sp>
         <p:nvSpPr>
-          <p:cNvPr id="93" name="Google Shape;93;p18"/>
+          <p:cNvPr id="168" name="Google Shape;168;p18"/>
+          <p:cNvSpPr txBox="1"/>
+          <p:nvPr>
+            <p:ph type="title"/>
+          </p:nvPr>
+        </p:nvSpPr>
+        <p:spPr>
+          <a:xfrm>
+            <a:off x="311700" y="445025"/>
+            <a:ext cx="2060100" cy="572700"/>
+          </a:xfrm>
+          <a:prstGeom prst="rect">
+            <a:avLst/>
+          </a:prstGeom>
+        </p:spPr>
+        <p:txBody>
+          <a:bodyPr anchorCtr="0" anchor="t" bIns="91425" lIns="91425" spcFirstLastPara="1" rIns="91425" wrap="square" tIns="91425">
+            <a:normAutofit fontScale="90000"/>
+          </a:bodyPr>
+          <a:lstStyle/>
+          <a:p>
+            <a:pPr indent="0" lvl="0" marL="0" rtl="0" algn="l">
+              <a:spcBef>
+                <a:spcPts val="0"/>
+              </a:spcBef>
+              <a:spcAft>
+                <a:spcPts val="0"/>
+              </a:spcAft>
+              <a:buNone/>
+            </a:pPr>
+            <a:r>
+              <a:rPr lang="en">
+                <a:solidFill>
+                  <a:srgbClr val="000000"/>
+                </a:solidFill>
+              </a:rPr>
+              <a:t>Conclusions</a:t>
+            </a:r>
+            <a:endParaRPr>
+              <a:solidFill>
+                <a:srgbClr val="000000"/>
+              </a:solidFill>
+            </a:endParaRPr>
+          </a:p>
+        </p:txBody>
+      </p:sp>
+      <p:sp>
+        <p:nvSpPr>
+          <p:cNvPr id="169" name="Google Shape;169;p18"/>
           <p:cNvSpPr txBox="1"/>
           <p:nvPr/>
         </p:nvSpPr>
         <p:spPr>
           <a:xfrm>
-            <a:off x="3631500" y="354400"/>
-            <a:ext cx="1881000" cy="538800"/>
+            <a:off x="501150" y="1953800"/>
+            <a:ext cx="2997600" cy="569400"/>
           </a:xfrm>
           <a:prstGeom prst="rect">
             <a:avLst/>
@@ -7175,18 +10692,147 @@
               <a:buNone/>
             </a:pPr>
             <a:r>
-              <a:rPr lang="en" sz="2300">
-                <a:solidFill>
-                  <a:srgbClr val="FFFFFF"/>
-                </a:solidFill>
-              </a:rPr>
-              <a:t>Questions?</a:t>
+              <a:rPr lang="en" sz="2500"/>
+              <a:t>Further Research</a:t>
             </a:r>
-            <a:endParaRPr sz="2300">
-              <a:solidFill>
-                <a:srgbClr val="FFFFFF"/>
-              </a:solidFill>
-            </a:endParaRPr>
+            <a:endParaRPr sz="1100"/>
+          </a:p>
+        </p:txBody>
+      </p:sp>
+      <p:sp>
+        <p:nvSpPr>
+          <p:cNvPr id="170" name="Google Shape;170;p18"/>
+          <p:cNvSpPr txBox="1"/>
+          <p:nvPr/>
+        </p:nvSpPr>
+        <p:spPr>
+          <a:xfrm>
+            <a:off x="390750" y="1017800"/>
+            <a:ext cx="4725600" cy="831300"/>
+          </a:xfrm>
+          <a:prstGeom prst="rect">
+            <a:avLst/>
+          </a:prstGeom>
+          <a:noFill/>
+          <a:ln>
+            <a:noFill/>
+          </a:ln>
+        </p:spPr>
+        <p:txBody>
+          <a:bodyPr anchorCtr="0" anchor="t" bIns="91425" lIns="91425" spcFirstLastPara="1" rIns="91425" wrap="square" tIns="91425">
+            <a:spAutoFit/>
+          </a:bodyPr>
+          <a:lstStyle/>
+          <a:p>
+            <a:pPr indent="-317500" lvl="0" marL="457200" rtl="0" algn="l">
+              <a:spcBef>
+                <a:spcPts val="0"/>
+              </a:spcBef>
+              <a:spcAft>
+                <a:spcPts val="0"/>
+              </a:spcAft>
+              <a:buSzPts val="1400"/>
+              <a:buChar char="●"/>
+            </a:pPr>
+            <a:r>
+              <a:rPr lang="en"/>
+              <a:t>While education does have a correlation with terrorism, it is important to remember terrorism is an enormously complex problem</a:t>
+            </a:r>
+            <a:endParaRPr/>
+          </a:p>
+        </p:txBody>
+      </p:sp>
+      <p:sp>
+        <p:nvSpPr>
+          <p:cNvPr id="171" name="Google Shape;171;p18"/>
+          <p:cNvSpPr txBox="1"/>
+          <p:nvPr/>
+        </p:nvSpPr>
+        <p:spPr>
+          <a:xfrm>
+            <a:off x="390750" y="2689875"/>
+            <a:ext cx="3960900" cy="1046700"/>
+          </a:xfrm>
+          <a:prstGeom prst="rect">
+            <a:avLst/>
+          </a:prstGeom>
+          <a:noFill/>
+          <a:ln>
+            <a:noFill/>
+          </a:ln>
+        </p:spPr>
+        <p:txBody>
+          <a:bodyPr anchorCtr="0" anchor="t" bIns="91425" lIns="91425" spcFirstLastPara="1" rIns="91425" wrap="square" tIns="91425">
+            <a:spAutoFit/>
+          </a:bodyPr>
+          <a:lstStyle/>
+          <a:p>
+            <a:pPr indent="-317500" lvl="0" marL="457200" rtl="0" algn="l">
+              <a:spcBef>
+                <a:spcPts val="0"/>
+              </a:spcBef>
+              <a:spcAft>
+                <a:spcPts val="0"/>
+              </a:spcAft>
+              <a:buSzPts val="1400"/>
+              <a:buChar char="●"/>
+            </a:pPr>
+            <a:r>
+              <a:rPr lang="en"/>
+              <a:t>Country by Country analysis</a:t>
+            </a:r>
+            <a:endParaRPr/>
+          </a:p>
+          <a:p>
+            <a:pPr indent="-317500" lvl="0" marL="457200" rtl="0" algn="l">
+              <a:spcBef>
+                <a:spcPts val="0"/>
+              </a:spcBef>
+              <a:spcAft>
+                <a:spcPts val="0"/>
+              </a:spcAft>
+              <a:buSzPts val="1400"/>
+              <a:buChar char="●"/>
+            </a:pPr>
+            <a:r>
+              <a:rPr lang="en"/>
+              <a:t>Region by Region</a:t>
+            </a:r>
+            <a:endParaRPr/>
+          </a:p>
+          <a:p>
+            <a:pPr indent="-317500" lvl="0" marL="457200" rtl="0" algn="l">
+              <a:spcBef>
+                <a:spcPts val="0"/>
+              </a:spcBef>
+              <a:spcAft>
+                <a:spcPts val="0"/>
+              </a:spcAft>
+              <a:buSzPts val="1400"/>
+              <a:buChar char="●"/>
+            </a:pPr>
+            <a:r>
+              <a:rPr lang="en"/>
+              <a:t>Geopolitical Structures</a:t>
+            </a:r>
+            <a:endParaRPr/>
+          </a:p>
+          <a:p>
+            <a:pPr indent="-317500" lvl="0" marL="457200" rtl="0" algn="l">
+              <a:spcBef>
+                <a:spcPts val="0"/>
+              </a:spcBef>
+              <a:spcAft>
+                <a:spcPts val="0"/>
+              </a:spcAft>
+              <a:buSzPts val="1400"/>
+              <a:buChar char="●"/>
+            </a:pPr>
+            <a:r>
+              <a:rPr lang="en"/>
+              <a:t>Interaction between GDP and Terrorism</a:t>
+            </a:r>
+            <a:endParaRPr/>
           </a:p>
         </p:txBody>
       </p:sp>
@@ -7199,285 +10845,6 @@
 </file>
 
 <file path=ppt/theme/theme1.xml><?xml version="1.0" encoding="utf-8"?>
-<a:theme xmlns:a="http://schemas.openxmlformats.org/drawingml/2006/main" xmlns:r="http://schemas.openxmlformats.org/officeDocument/2006/relationships" name="Simple Dark">
-  <a:themeElements>
-    <a:clrScheme name="Simple Dark">
-      <a:dk1>
-        <a:srgbClr val="FFFFFF"/>
-      </a:dk1>
-      <a:lt1>
-        <a:srgbClr val="212121"/>
-      </a:lt1>
-      <a:dk2>
-        <a:srgbClr val="303030"/>
-      </a:dk2>
-      <a:lt2>
-        <a:srgbClr val="ADADAD"/>
-      </a:lt2>
-      <a:accent1>
-        <a:srgbClr val="009688"/>
-      </a:accent1>
-      <a:accent2>
-        <a:srgbClr val="EEEEEE"/>
-      </a:accent2>
-      <a:accent3>
-        <a:srgbClr val="78909C"/>
-      </a:accent3>
-      <a:accent4>
-        <a:srgbClr val="FFAB40"/>
-      </a:accent4>
-      <a:accent5>
-        <a:srgbClr val="4DD0E1"/>
-      </a:accent5>
-      <a:accent6>
-        <a:srgbClr val="EEFF41"/>
-      </a:accent6>
-      <a:hlink>
-        <a:srgbClr val="4DD0E1"/>
-      </a:hlink>
-      <a:folHlink>
-        <a:srgbClr val="4DD0E1"/>
-      </a:folHlink>
-    </a:clrScheme>
-    <a:fontScheme name="Office">
-      <a:majorFont>
-        <a:latin typeface="Arial"/>
-        <a:ea typeface=""/>
-        <a:cs typeface=""/>
-        <a:font script="Jpan" typeface="ＭＳ Ｐゴシック"/>
-        <a:font script="Hang" typeface="맑은 고딕"/>
-        <a:font script="Hans" typeface="宋体"/>
-        <a:font script="Hant" typeface="新細明體"/>
-        <a:font script="Arab" typeface="Times New Roman"/>
-        <a:font script="Hebr" typeface="Times New Roman"/>
-        <a:font script="Thai" typeface="Angsana New"/>
-        <a:font script="Ethi" typeface="Nyala"/>
-        <a:font script="Beng" typeface="Vrinda"/>
-        <a:font script="Gujr" typeface="Shruti"/>
-        <a:font script="Khmr" typeface="MoolBoran"/>
-        <a:font script="Knda" typeface="Tunga"/>
-        <a:font script="Guru" typeface="Raavi"/>
-        <a:font script="Cans" typeface="Euphemia"/>
-        <a:font script="Cher" typeface="Plantagenet Cherokee"/>
-        <a:font script="Yiii" typeface="Microsoft Yi Baiti"/>
-        <a:font script="Tibt" typeface="Microsoft Himalaya"/>
-        <a:font script="Thaa" typeface="MV Boli"/>
-        <a:font script="Deva" typeface="Mangal"/>
-        <a:font script="Telu" typeface="Gautami"/>
-        <a:font script="Taml" typeface="Latha"/>
-        <a:font script="Syrc" typeface="Estrangelo Edessa"/>
-        <a:font script="Orya" typeface="Kalinga"/>
-        <a:font script="Mlym" typeface="Kartika"/>
-        <a:font script="Laoo" typeface="DokChampa"/>
-        <a:font script="Sinh" typeface="Iskoola Pota"/>
-        <a:font script="Mong" typeface="Mongolian Baiti"/>
-        <a:font script="Viet" typeface="Times New Roman"/>
-        <a:font script="Uigh" typeface="Microsoft Uighur"/>
-        <a:font script="Geor" typeface="Sylfaen"/>
-      </a:majorFont>
-      <a:minorFont>
-        <a:latin typeface="Arial"/>
-        <a:ea typeface=""/>
-        <a:cs typeface=""/>
-        <a:font script="Jpan" typeface="ＭＳ Ｐゴシック"/>
-        <a:font script="Hang" typeface="맑은 고딕"/>
-        <a:font script="Hans" typeface="宋体"/>
-        <a:font script="Hant" typeface="新細明體"/>
-        <a:font script="Arab" typeface="Arial"/>
-        <a:font script="Hebr" typeface="Arial"/>
-        <a:font script="Thai" typeface="Cordia New"/>
-        <a:font script="Ethi" typeface="Nyala"/>
-        <a:font script="Beng" typeface="Vrinda"/>
-        <a:font script="Gujr" typeface="Shruti"/>
-        <a:font script="Khmr" typeface="DaunPenh"/>
-        <a:font script="Knda" typeface="Tunga"/>
-        <a:font script="Guru" typeface="Raavi"/>
-        <a:font script="Cans" typeface="Euphemia"/>
-        <a:font script="Cher" typeface="Plantagenet Cherokee"/>
-        <a:font script="Yiii" typeface="Microsoft Yi Baiti"/>
-        <a:font script="Tibt" typeface="Microsoft Himalaya"/>
-        <a:font script="Thaa" typeface="MV Boli"/>
-        <a:font script="Deva" typeface="Mangal"/>
-        <a:font script="Telu" typeface="Gautami"/>
-        <a:font script="Taml" typeface="Latha"/>
-        <a:font script="Syrc" typeface="Estrangelo Edessa"/>
-        <a:font script="Orya" typeface="Kalinga"/>
-        <a:font script="Mlym" typeface="Kartika"/>
-        <a:font script="Laoo" typeface="DokChampa"/>
-        <a:font script="Sinh" typeface="Iskoola Pota"/>
-        <a:font script="Mong" typeface="Mongolian Baiti"/>
-        <a:font script="Viet" typeface="Arial"/>
-        <a:font script="Uigh" typeface="Microsoft Uighur"/>
-        <a:font script="Geor" typeface="Sylfaen"/>
-      </a:minorFont>
-    </a:fontScheme>
-    <a:fmtScheme name="Office">
-      <a:fillStyleLst>
-        <a:solidFill>
-          <a:schemeClr val="phClr"/>
-        </a:solidFill>
-        <a:gradFill rotWithShape="1">
-          <a:gsLst>
-            <a:gs pos="0">
-              <a:schemeClr val="phClr">
-                <a:tint val="50000"/>
-                <a:satMod val="300000"/>
-              </a:schemeClr>
-            </a:gs>
-            <a:gs pos="35000">
-              <a:schemeClr val="phClr">
-                <a:tint val="37000"/>
-                <a:satMod val="300000"/>
-              </a:schemeClr>
-            </a:gs>
-            <a:gs pos="100000">
-              <a:schemeClr val="phClr">
-                <a:tint val="15000"/>
-                <a:satMod val="350000"/>
-              </a:schemeClr>
-            </a:gs>
-          </a:gsLst>
-          <a:lin ang="16200000" scaled="1"/>
-        </a:gradFill>
-        <a:gradFill rotWithShape="1">
-          <a:gsLst>
-            <a:gs pos="0">
-              <a:schemeClr val="phClr">
-                <a:tint val="100000"/>
-                <a:shade val="100000"/>
-                <a:satMod val="130000"/>
-              </a:schemeClr>
-            </a:gs>
-            <a:gs pos="100000">
-              <a:schemeClr val="phClr">
-                <a:tint val="50000"/>
-                <a:shade val="100000"/>
-                <a:satMod val="350000"/>
-              </a:schemeClr>
-            </a:gs>
-          </a:gsLst>
-          <a:lin ang="16200000" scaled="0"/>
-        </a:gradFill>
-      </a:fillStyleLst>
-      <a:lnStyleLst>
-        <a:ln w="9525" cap="flat" cmpd="sng" algn="ctr">
-          <a:solidFill>
-            <a:schemeClr val="phClr">
-              <a:shade val="95000"/>
-              <a:satMod val="105000"/>
-            </a:schemeClr>
-          </a:solidFill>
-          <a:prstDash val="solid"/>
-        </a:ln>
-        <a:ln w="25400" cap="flat" cmpd="sng" algn="ctr">
-          <a:solidFill>
-            <a:schemeClr val="phClr"/>
-          </a:solidFill>
-          <a:prstDash val="solid"/>
-        </a:ln>
-        <a:ln w="38100" cap="flat" cmpd="sng" algn="ctr">
-          <a:solidFill>
-            <a:schemeClr val="phClr"/>
-          </a:solidFill>
-          <a:prstDash val="solid"/>
-        </a:ln>
-      </a:lnStyleLst>
-      <a:effectStyleLst>
-        <a:effectStyle>
-          <a:effectLst>
-            <a:outerShdw blurRad="40000" dist="20000" dir="5400000" rotWithShape="0">
-              <a:srgbClr val="000000">
-                <a:alpha val="38000"/>
-              </a:srgbClr>
-            </a:outerShdw>
-          </a:effectLst>
-        </a:effectStyle>
-        <a:effectStyle>
-          <a:effectLst>
-            <a:outerShdw blurRad="40000" dist="23000" dir="5400000" rotWithShape="0">
-              <a:srgbClr val="000000">
-                <a:alpha val="35000"/>
-              </a:srgbClr>
-            </a:outerShdw>
-          </a:effectLst>
-        </a:effectStyle>
-        <a:effectStyle>
-          <a:effectLst>
-            <a:outerShdw blurRad="40000" dist="23000" dir="5400000" rotWithShape="0">
-              <a:srgbClr val="000000">
-                <a:alpha val="35000"/>
-              </a:srgbClr>
-            </a:outerShdw>
-          </a:effectLst>
-          <a:scene3d>
-            <a:camera prst="orthographicFront">
-              <a:rot lat="0" lon="0" rev="0"/>
-            </a:camera>
-            <a:lightRig rig="threePt" dir="t">
-              <a:rot lat="0" lon="0" rev="1200000"/>
-            </a:lightRig>
-          </a:scene3d>
-          <a:sp3d>
-            <a:bevelT w="63500" h="25400"/>
-          </a:sp3d>
-        </a:effectStyle>
-      </a:effectStyleLst>
-      <a:bgFillStyleLst>
-        <a:solidFill>
-          <a:schemeClr val="phClr"/>
-        </a:solidFill>
-        <a:gradFill rotWithShape="1">
-          <a:gsLst>
-            <a:gs pos="0">
-              <a:schemeClr val="phClr">
-                <a:tint val="40000"/>
-                <a:satMod val="350000"/>
-              </a:schemeClr>
-            </a:gs>
-            <a:gs pos="40000">
-              <a:schemeClr val="phClr">
-                <a:tint val="45000"/>
-                <a:shade val="99000"/>
-                <a:satMod val="350000"/>
-              </a:schemeClr>
-            </a:gs>
-            <a:gs pos="100000">
-              <a:schemeClr val="phClr">
-                <a:shade val="20000"/>
-                <a:satMod val="255000"/>
-              </a:schemeClr>
-            </a:gs>
-          </a:gsLst>
-          <a:path path="circle">
-            <a:fillToRect l="50000" t="-80000" r="50000" b="180000"/>
-          </a:path>
-        </a:gradFill>
-        <a:gradFill rotWithShape="1">
-          <a:gsLst>
-            <a:gs pos="0">
-              <a:schemeClr val="phClr">
-                <a:tint val="80000"/>
-                <a:satMod val="300000"/>
-              </a:schemeClr>
-            </a:gs>
-            <a:gs pos="100000">
-              <a:schemeClr val="phClr">
-                <a:shade val="30000"/>
-                <a:satMod val="200000"/>
-              </a:schemeClr>
-            </a:gs>
-          </a:gsLst>
-          <a:path path="circle">
-            <a:fillToRect l="50000" t="50000" r="50000" b="50000"/>
-          </a:path>
-        </a:gradFill>
-      </a:bgFillStyleLst>
-    </a:fmtScheme>
-  </a:themeElements>
-</a:theme>
-</file>
-
-<file path=ppt/theme/theme2.xml><?xml version="1.0" encoding="utf-8"?>
 <a:theme xmlns:a="http://schemas.openxmlformats.org/drawingml/2006/main" xmlns:r="http://schemas.openxmlformats.org/officeDocument/2006/relationships">
   <a:themeElements>
     <a:clrScheme name="Default">
@@ -7754,4 +11121,283 @@
     </a:fmtScheme>
   </a:themeElements>
 </a:theme>
+</file>
+
+<file path=ppt/theme/theme2.xml><?xml version="1.0" encoding="utf-8"?>
+<a:theme xmlns:a="http://schemas.openxmlformats.org/drawingml/2006/main" xmlns:r="http://schemas.openxmlformats.org/officeDocument/2006/relationships" name="Shift">
+  <a:themeElements>
+    <a:clrScheme name="Shift">
+      <a:dk1>
+        <a:srgbClr val="FFFFFF"/>
+      </a:dk1>
+      <a:lt1>
+        <a:srgbClr val="AF7B51"/>
+      </a:lt1>
+      <a:dk2>
+        <a:srgbClr val="233A44"/>
+      </a:dk2>
+      <a:lt2>
+        <a:srgbClr val="D9D9D9"/>
+      </a:lt2>
+      <a:accent1>
+        <a:srgbClr val="00796B"/>
+      </a:accent1>
+      <a:accent2>
+        <a:srgbClr val="D9563F"/>
+      </a:accent2>
+      <a:accent3>
+        <a:srgbClr val="C4A15A"/>
+      </a:accent3>
+      <a:accent4>
+        <a:srgbClr val="14F597"/>
+      </a:accent4>
+      <a:accent5>
+        <a:srgbClr val="3D4594"/>
+      </a:accent5>
+      <a:accent6>
+        <a:srgbClr val="163EF5"/>
+      </a:accent6>
+      <a:hlink>
+        <a:srgbClr val="3D4594"/>
+      </a:hlink>
+      <a:folHlink>
+        <a:srgbClr val="3D4594"/>
+      </a:folHlink>
+    </a:clrScheme>
+    <a:fontScheme name="Office">
+      <a:majorFont>
+        <a:latin typeface="Arial"/>
+        <a:ea typeface=""/>
+        <a:cs typeface=""/>
+        <a:font script="Jpan" typeface="ＭＳ Ｐゴシック"/>
+        <a:font script="Hang" typeface="맑은 고딕"/>
+        <a:font script="Hans" typeface="宋体"/>
+        <a:font script="Hant" typeface="新細明體"/>
+        <a:font script="Arab" typeface="Times New Roman"/>
+        <a:font script="Hebr" typeface="Times New Roman"/>
+        <a:font script="Thai" typeface="Angsana New"/>
+        <a:font script="Ethi" typeface="Nyala"/>
+        <a:font script="Beng" typeface="Vrinda"/>
+        <a:font script="Gujr" typeface="Shruti"/>
+        <a:font script="Khmr" typeface="MoolBoran"/>
+        <a:font script="Knda" typeface="Tunga"/>
+        <a:font script="Guru" typeface="Raavi"/>
+        <a:font script="Cans" typeface="Euphemia"/>
+        <a:font script="Cher" typeface="Plantagenet Cherokee"/>
+        <a:font script="Yiii" typeface="Microsoft Yi Baiti"/>
+        <a:font script="Tibt" typeface="Microsoft Himalaya"/>
+        <a:font script="Thaa" typeface="MV Boli"/>
+        <a:font script="Deva" typeface="Mangal"/>
+        <a:font script="Telu" typeface="Gautami"/>
+        <a:font script="Taml" typeface="Latha"/>
+        <a:font script="Syrc" typeface="Estrangelo Edessa"/>
+        <a:font script="Orya" typeface="Kalinga"/>
+        <a:font script="Mlym" typeface="Kartika"/>
+        <a:font script="Laoo" typeface="DokChampa"/>
+        <a:font script="Sinh" typeface="Iskoola Pota"/>
+        <a:font script="Mong" typeface="Mongolian Baiti"/>
+        <a:font script="Viet" typeface="Times New Roman"/>
+        <a:font script="Uigh" typeface="Microsoft Uighur"/>
+        <a:font script="Geor" typeface="Sylfaen"/>
+      </a:majorFont>
+      <a:minorFont>
+        <a:latin typeface="Arial"/>
+        <a:ea typeface=""/>
+        <a:cs typeface=""/>
+        <a:font script="Jpan" typeface="ＭＳ Ｐゴシック"/>
+        <a:font script="Hang" typeface="맑은 고딕"/>
+        <a:font script="Hans" typeface="宋体"/>
+        <a:font script="Hant" typeface="新細明體"/>
+        <a:font script="Arab" typeface="Arial"/>
+        <a:font script="Hebr" typeface="Arial"/>
+        <a:font script="Thai" typeface="Cordia New"/>
+        <a:font script="Ethi" typeface="Nyala"/>
+        <a:font script="Beng" typeface="Vrinda"/>
+        <a:font script="Gujr" typeface="Shruti"/>
+        <a:font script="Khmr" typeface="DaunPenh"/>
+        <a:font script="Knda" typeface="Tunga"/>
+        <a:font script="Guru" typeface="Raavi"/>
+        <a:font script="Cans" typeface="Euphemia"/>
+        <a:font script="Cher" typeface="Plantagenet Cherokee"/>
+        <a:font script="Yiii" typeface="Microsoft Yi Baiti"/>
+        <a:font script="Tibt" typeface="Microsoft Himalaya"/>
+        <a:font script="Thaa" typeface="MV Boli"/>
+        <a:font script="Deva" typeface="Mangal"/>
+        <a:font script="Telu" typeface="Gautami"/>
+        <a:font script="Taml" typeface="Latha"/>
+        <a:font script="Syrc" typeface="Estrangelo Edessa"/>
+        <a:font script="Orya" typeface="Kalinga"/>
+        <a:font script="Mlym" typeface="Kartika"/>
+        <a:font script="Laoo" typeface="DokChampa"/>
+        <a:font script="Sinh" typeface="Iskoola Pota"/>
+        <a:font script="Mong" typeface="Mongolian Baiti"/>
+        <a:font script="Viet" typeface="Arial"/>
+        <a:font script="Uigh" typeface="Microsoft Uighur"/>
+        <a:font script="Geor" typeface="Sylfaen"/>
+      </a:minorFont>
+    </a:fontScheme>
+    <a:fmtScheme name="Office">
+      <a:fillStyleLst>
+        <a:solidFill>
+          <a:schemeClr val="phClr"/>
+        </a:solidFill>
+        <a:gradFill rotWithShape="1">
+          <a:gsLst>
+            <a:gs pos="0">
+              <a:schemeClr val="phClr">
+                <a:tint val="50000"/>
+                <a:satMod val="300000"/>
+              </a:schemeClr>
+            </a:gs>
+            <a:gs pos="35000">
+              <a:schemeClr val="phClr">
+                <a:tint val="37000"/>
+                <a:satMod val="300000"/>
+              </a:schemeClr>
+            </a:gs>
+            <a:gs pos="100000">
+              <a:schemeClr val="phClr">
+                <a:tint val="15000"/>
+                <a:satMod val="350000"/>
+              </a:schemeClr>
+            </a:gs>
+          </a:gsLst>
+          <a:lin ang="16200000" scaled="1"/>
+        </a:gradFill>
+        <a:gradFill rotWithShape="1">
+          <a:gsLst>
+            <a:gs pos="0">
+              <a:schemeClr val="phClr">
+                <a:tint val="100000"/>
+                <a:shade val="100000"/>
+                <a:satMod val="130000"/>
+              </a:schemeClr>
+            </a:gs>
+            <a:gs pos="100000">
+              <a:schemeClr val="phClr">
+                <a:tint val="50000"/>
+                <a:shade val="100000"/>
+                <a:satMod val="350000"/>
+              </a:schemeClr>
+            </a:gs>
+          </a:gsLst>
+          <a:lin ang="16200000" scaled="0"/>
+        </a:gradFill>
+      </a:fillStyleLst>
+      <a:lnStyleLst>
+        <a:ln w="9525" cap="flat" cmpd="sng" algn="ctr">
+          <a:solidFill>
+            <a:schemeClr val="phClr">
+              <a:shade val="95000"/>
+              <a:satMod val="105000"/>
+            </a:schemeClr>
+          </a:solidFill>
+          <a:prstDash val="solid"/>
+        </a:ln>
+        <a:ln w="25400" cap="flat" cmpd="sng" algn="ctr">
+          <a:solidFill>
+            <a:schemeClr val="phClr"/>
+          </a:solidFill>
+          <a:prstDash val="solid"/>
+        </a:ln>
+        <a:ln w="38100" cap="flat" cmpd="sng" algn="ctr">
+          <a:solidFill>
+            <a:schemeClr val="phClr"/>
+          </a:solidFill>
+          <a:prstDash val="solid"/>
+        </a:ln>
+      </a:lnStyleLst>
+      <a:effectStyleLst>
+        <a:effectStyle>
+          <a:effectLst>
+            <a:outerShdw blurRad="40000" dist="20000" dir="5400000" rotWithShape="0">
+              <a:srgbClr val="000000">
+                <a:alpha val="38000"/>
+              </a:srgbClr>
+            </a:outerShdw>
+          </a:effectLst>
+        </a:effectStyle>
+        <a:effectStyle>
+          <a:effectLst>
+            <a:outerShdw blurRad="40000" dist="23000" dir="5400000" rotWithShape="0">
+              <a:srgbClr val="000000">
+                <a:alpha val="35000"/>
+              </a:srgbClr>
+            </a:outerShdw>
+          </a:effectLst>
+        </a:effectStyle>
+        <a:effectStyle>
+          <a:effectLst>
+            <a:outerShdw blurRad="40000" dist="23000" dir="5400000" rotWithShape="0">
+              <a:srgbClr val="000000">
+                <a:alpha val="35000"/>
+              </a:srgbClr>
+            </a:outerShdw>
+          </a:effectLst>
+          <a:scene3d>
+            <a:camera prst="orthographicFront">
+              <a:rot lat="0" lon="0" rev="0"/>
+            </a:camera>
+            <a:lightRig rig="threePt" dir="t">
+              <a:rot lat="0" lon="0" rev="1200000"/>
+            </a:lightRig>
+          </a:scene3d>
+          <a:sp3d>
+            <a:bevelT w="63500" h="25400"/>
+          </a:sp3d>
+        </a:effectStyle>
+      </a:effectStyleLst>
+      <a:bgFillStyleLst>
+        <a:solidFill>
+          <a:schemeClr val="phClr"/>
+        </a:solidFill>
+        <a:gradFill rotWithShape="1">
+          <a:gsLst>
+            <a:gs pos="0">
+              <a:schemeClr val="phClr">
+                <a:tint val="40000"/>
+                <a:satMod val="350000"/>
+              </a:schemeClr>
+            </a:gs>
+            <a:gs pos="40000">
+              <a:schemeClr val="phClr">
+                <a:tint val="45000"/>
+                <a:shade val="99000"/>
+                <a:satMod val="350000"/>
+              </a:schemeClr>
+            </a:gs>
+            <a:gs pos="100000">
+              <a:schemeClr val="phClr">
+                <a:shade val="20000"/>
+                <a:satMod val="255000"/>
+              </a:schemeClr>
+            </a:gs>
+          </a:gsLst>
+          <a:path path="circle">
+            <a:fillToRect l="50000" t="-80000" r="50000" b="180000"/>
+          </a:path>
+        </a:gradFill>
+        <a:gradFill rotWithShape="1">
+          <a:gsLst>
+            <a:gs pos="0">
+              <a:schemeClr val="phClr">
+                <a:tint val="80000"/>
+                <a:satMod val="300000"/>
+              </a:schemeClr>
+            </a:gs>
+            <a:gs pos="100000">
+              <a:schemeClr val="phClr">
+                <a:shade val="30000"/>
+                <a:satMod val="200000"/>
+              </a:schemeClr>
+            </a:gs>
+          </a:gsLst>
+          <a:path path="circle">
+            <a:fillToRect l="50000" t="50000" r="50000" b="50000"/>
+          </a:path>
+        </a:gradFill>
+      </a:bgFillStyleLst>
+    </a:fmtScheme>
+  </a:themeElements>
+</a:theme>
 </file>